--- a/doc/proposal/presentation/presentation.pptx
+++ b/doc/proposal/presentation/presentation.pptx
@@ -2,10 +2,10 @@
 <file path=ppt/presentation.xml><?xml version="1.0" encoding="utf-8"?>
 <p:presentation xmlns:a="http://schemas.openxmlformats.org/drawingml/2006/main" xmlns:r="http://schemas.openxmlformats.org/officeDocument/2006/relationships" xmlns:p="http://schemas.openxmlformats.org/presentationml/2006/main" saveSubsetFonts="1">
   <p:sldMasterIdLst>
-    <p:sldMasterId id="2147483697" r:id="rId1"/>
+    <p:sldMasterId id="2147484071" r:id="rId1"/>
   </p:sldMasterIdLst>
   <p:sldIdLst>
-    <p:sldId id="256" r:id="rId2"/>
+    <p:sldId id="258" r:id="rId2"/>
   </p:sldIdLst>
   <p:sldSz cx="12192000" cy="6858000"/>
   <p:notesSz cx="6858000" cy="9144000"/>
@@ -126,13 +126,7 @@
       </p:grpSpPr>
       <p:sp>
         <p:nvSpPr>
-          <p:cNvPr id="2" name="Title 1">
-            <a:extLst>
-              <a:ext uri="{FF2B5EF4-FFF2-40B4-BE49-F238E27FC236}">
-                <a16:creationId xmlns:a16="http://schemas.microsoft.com/office/drawing/2014/main" id="{47B58E14-23EC-4C25-974C-48FA83988655}"/>
-              </a:ext>
-            </a:extLst>
-          </p:cNvPr>
+          <p:cNvPr id="2" name="Title 1"/>
           <p:cNvSpPr>
             <a:spLocks noGrp="1"/>
           </p:cNvSpPr>
@@ -142,8 +136,8 @@
         </p:nvSpPr>
         <p:spPr>
           <a:xfrm>
-            <a:off x="517870" y="978408"/>
-            <a:ext cx="5021183" cy="5074226"/>
+            <a:off x="2589213" y="2514600"/>
+            <a:ext cx="8915399" cy="2262781"/>
           </a:xfrm>
         </p:spPr>
         <p:txBody>
@@ -151,7 +145,7 @@
             <a:normAutofit/>
           </a:bodyPr>
           <a:lstStyle>
-            <a:lvl1pPr algn="l">
+            <a:lvl1pPr>
               <a:defRPr sz="5400"/>
             </a:lvl1pPr>
           </a:lstStyle>
@@ -166,13 +160,7 @@
       </p:sp>
       <p:sp>
         <p:nvSpPr>
-          <p:cNvPr id="3" name="Subtitle 2">
-            <a:extLst>
-              <a:ext uri="{FF2B5EF4-FFF2-40B4-BE49-F238E27FC236}">
-                <a16:creationId xmlns:a16="http://schemas.microsoft.com/office/drawing/2014/main" id="{2E9FEDD4-20A1-49F6-9E3E-0B26B426BB73}"/>
-              </a:ext>
-            </a:extLst>
-          </p:cNvPr>
+          <p:cNvPr id="3" name="Subtitle 2"/>
           <p:cNvSpPr>
             <a:spLocks noGrp="1"/>
           </p:cNvSpPr>
@@ -182,53 +170,103 @@
         </p:nvSpPr>
         <p:spPr>
           <a:xfrm>
-            <a:off x="6662167" y="3602038"/>
-            <a:ext cx="5021183" cy="2244580"/>
-          </a:xfrm>
-        </p:spPr>
-        <p:txBody>
-          <a:bodyPr anchor="b">
-            <a:normAutofit/>
-          </a:bodyPr>
+            <a:off x="2589213" y="4777379"/>
+            <a:ext cx="8915399" cy="1126283"/>
+          </a:xfrm>
+        </p:spPr>
+        <p:txBody>
+          <a:bodyPr anchor="t"/>
           <a:lstStyle>
             <a:lvl1pPr marL="0" indent="0" algn="l">
-              <a:lnSpc>
-                <a:spcPct val="100000"/>
-              </a:lnSpc>
-              <a:buNone/>
-              <a:defRPr sz="2200" i="1"/>
+              <a:buNone/>
+              <a:defRPr>
+                <a:solidFill>
+                  <a:schemeClr val="tx1">
+                    <a:lumMod val="65000"/>
+                    <a:lumOff val="35000"/>
+                  </a:schemeClr>
+                </a:solidFill>
+              </a:defRPr>
             </a:lvl1pPr>
             <a:lvl2pPr marL="457200" indent="0" algn="ctr">
               <a:buNone/>
-              <a:defRPr sz="2000"/>
+              <a:defRPr>
+                <a:solidFill>
+                  <a:schemeClr val="tx1">
+                    <a:tint val="75000"/>
+                  </a:schemeClr>
+                </a:solidFill>
+              </a:defRPr>
             </a:lvl2pPr>
             <a:lvl3pPr marL="914400" indent="0" algn="ctr">
               <a:buNone/>
-              <a:defRPr sz="1800"/>
+              <a:defRPr>
+                <a:solidFill>
+                  <a:schemeClr val="tx1">
+                    <a:tint val="75000"/>
+                  </a:schemeClr>
+                </a:solidFill>
+              </a:defRPr>
             </a:lvl3pPr>
             <a:lvl4pPr marL="1371600" indent="0" algn="ctr">
               <a:buNone/>
-              <a:defRPr sz="1600"/>
+              <a:defRPr>
+                <a:solidFill>
+                  <a:schemeClr val="tx1">
+                    <a:tint val="75000"/>
+                  </a:schemeClr>
+                </a:solidFill>
+              </a:defRPr>
             </a:lvl4pPr>
             <a:lvl5pPr marL="1828800" indent="0" algn="ctr">
               <a:buNone/>
-              <a:defRPr sz="1600"/>
+              <a:defRPr>
+                <a:solidFill>
+                  <a:schemeClr val="tx1">
+                    <a:tint val="75000"/>
+                  </a:schemeClr>
+                </a:solidFill>
+              </a:defRPr>
             </a:lvl5pPr>
             <a:lvl6pPr marL="2286000" indent="0" algn="ctr">
               <a:buNone/>
-              <a:defRPr sz="1600"/>
+              <a:defRPr>
+                <a:solidFill>
+                  <a:schemeClr val="tx1">
+                    <a:tint val="75000"/>
+                  </a:schemeClr>
+                </a:solidFill>
+              </a:defRPr>
             </a:lvl6pPr>
             <a:lvl7pPr marL="2743200" indent="0" algn="ctr">
               <a:buNone/>
-              <a:defRPr sz="1600"/>
+              <a:defRPr>
+                <a:solidFill>
+                  <a:schemeClr val="tx1">
+                    <a:tint val="75000"/>
+                  </a:schemeClr>
+                </a:solidFill>
+              </a:defRPr>
             </a:lvl7pPr>
             <a:lvl8pPr marL="3200400" indent="0" algn="ctr">
               <a:buNone/>
-              <a:defRPr sz="1600"/>
+              <a:defRPr>
+                <a:solidFill>
+                  <a:schemeClr val="tx1">
+                    <a:tint val="75000"/>
+                  </a:schemeClr>
+                </a:solidFill>
+              </a:defRPr>
             </a:lvl8pPr>
             <a:lvl9pPr marL="3657600" indent="0" algn="ctr">
               <a:buNone/>
-              <a:defRPr sz="1600"/>
+              <a:defRPr>
+                <a:solidFill>
+                  <a:schemeClr val="tx1">
+                    <a:tint val="75000"/>
+                  </a:schemeClr>
+                </a:solidFill>
+              </a:defRPr>
             </a:lvl9pPr>
           </a:lstStyle>
           <a:p>
@@ -242,13 +280,7 @@
       </p:sp>
       <p:sp>
         <p:nvSpPr>
-          <p:cNvPr id="4" name="Date Placeholder 3">
-            <a:extLst>
-              <a:ext uri="{FF2B5EF4-FFF2-40B4-BE49-F238E27FC236}">
-                <a16:creationId xmlns:a16="http://schemas.microsoft.com/office/drawing/2014/main" id="{6580A32F-E6F3-4C2E-B9E3-E47868E42511}"/>
-              </a:ext>
-            </a:extLst>
-          </p:cNvPr>
+          <p:cNvPr id="4" name="Date Placeholder 3"/>
           <p:cNvSpPr>
             <a:spLocks noGrp="1"/>
           </p:cNvSpPr>
@@ -271,13 +303,7 @@
       </p:sp>
       <p:sp>
         <p:nvSpPr>
-          <p:cNvPr id="5" name="Footer Placeholder 4">
-            <a:extLst>
-              <a:ext uri="{FF2B5EF4-FFF2-40B4-BE49-F238E27FC236}">
-                <a16:creationId xmlns:a16="http://schemas.microsoft.com/office/drawing/2014/main" id="{78806724-A87A-4231-BFD9-277482AF78CF}"/>
-              </a:ext>
-            </a:extLst>
-          </p:cNvPr>
+          <p:cNvPr id="5" name="Footer Placeholder 4"/>
           <p:cNvSpPr>
             <a:spLocks noGrp="1"/>
           </p:cNvSpPr>
@@ -296,13 +322,89 @@
       </p:sp>
       <p:sp>
         <p:nvSpPr>
-          <p:cNvPr id="6" name="Slide Number Placeholder 5">
-            <a:extLst>
-              <a:ext uri="{FF2B5EF4-FFF2-40B4-BE49-F238E27FC236}">
-                <a16:creationId xmlns:a16="http://schemas.microsoft.com/office/drawing/2014/main" id="{E730D1AF-36B8-4BB8-BD6A-71194F7BC31C}"/>
-              </a:ext>
-            </a:extLst>
-          </p:cNvPr>
+          <p:cNvPr id="7" name="Freeform 6"/>
+          <p:cNvSpPr/>
+          <p:nvPr/>
+        </p:nvSpPr>
+        <p:spPr bwMode="auto">
+          <a:xfrm>
+            <a:off x="0" y="4323810"/>
+            <a:ext cx="1744652" cy="778589"/>
+          </a:xfrm>
+          <a:custGeom>
+            <a:avLst/>
+            <a:gdLst/>
+            <a:ahLst/>
+            <a:cxnLst/>
+            <a:rect l="0" t="0" r="r" b="b"/>
+            <a:pathLst>
+              <a:path w="372" h="166">
+                <a:moveTo>
+                  <a:pt x="287" y="166"/>
+                </a:moveTo>
+                <a:cubicBezTo>
+                  <a:pt x="290" y="166"/>
+                  <a:pt x="292" y="165"/>
+                  <a:pt x="293" y="164"/>
+                </a:cubicBezTo>
+                <a:cubicBezTo>
+                  <a:pt x="293" y="163"/>
+                  <a:pt x="294" y="163"/>
+                  <a:pt x="294" y="163"/>
+                </a:cubicBezTo>
+                <a:cubicBezTo>
+                  <a:pt x="370" y="87"/>
+                  <a:pt x="370" y="87"/>
+                  <a:pt x="370" y="87"/>
+                </a:cubicBezTo>
+                <a:cubicBezTo>
+                  <a:pt x="372" y="85"/>
+                  <a:pt x="372" y="81"/>
+                  <a:pt x="370" y="78"/>
+                </a:cubicBezTo>
+                <a:cubicBezTo>
+                  <a:pt x="294" y="3"/>
+                  <a:pt x="294" y="3"/>
+                  <a:pt x="294" y="3"/>
+                </a:cubicBezTo>
+                <a:cubicBezTo>
+                  <a:pt x="294" y="2"/>
+                  <a:pt x="293" y="2"/>
+                  <a:pt x="293" y="2"/>
+                </a:cubicBezTo>
+                <a:cubicBezTo>
+                  <a:pt x="292" y="1"/>
+                  <a:pt x="290" y="0"/>
+                  <a:pt x="287" y="0"/>
+                </a:cubicBezTo>
+                <a:cubicBezTo>
+                  <a:pt x="0" y="0"/>
+                  <a:pt x="0" y="0"/>
+                  <a:pt x="0" y="0"/>
+                </a:cubicBezTo>
+                <a:cubicBezTo>
+                  <a:pt x="0" y="166"/>
+                  <a:pt x="0" y="166"/>
+                  <a:pt x="0" y="166"/>
+                </a:cubicBezTo>
+                <a:lnTo>
+                  <a:pt x="287" y="166"/>
+                </a:lnTo>
+                <a:close/>
+              </a:path>
+            </a:pathLst>
+          </a:custGeom>
+          <a:solidFill>
+            <a:schemeClr val="accent1"/>
+          </a:solidFill>
+          <a:ln>
+            <a:noFill/>
+          </a:ln>
+        </p:spPr>
+      </p:sp>
+      <p:sp>
+        <p:nvSpPr>
+          <p:cNvPr id="6" name="Slide Number Placeholder 5"/>
           <p:cNvSpPr>
             <a:spLocks noGrp="1"/>
           </p:cNvSpPr>
@@ -310,7 +412,12 @@
             <p:ph type="sldNum" sz="quarter" idx="12"/>
           </p:nvPr>
         </p:nvSpPr>
-        <p:spPr/>
+        <p:spPr>
+          <a:xfrm>
+            <a:off x="531812" y="4529540"/>
+            <a:ext cx="779767" cy="365125"/>
+          </a:xfrm>
+        </p:spPr>
         <p:txBody>
           <a:bodyPr/>
           <a:lstStyle/>
@@ -323,65 +430,10 @@
           </a:p>
         </p:txBody>
       </p:sp>
-      <p:sp>
-        <p:nvSpPr>
-          <p:cNvPr id="8" name="Rectangle 7">
-            <a:extLst>
-              <a:ext uri="{FF2B5EF4-FFF2-40B4-BE49-F238E27FC236}">
-                <a16:creationId xmlns:a16="http://schemas.microsoft.com/office/drawing/2014/main" id="{F3FF94B3-6D3E-44FE-BB02-A9027C0003C7}"/>
-              </a:ext>
-              <a:ext uri="{C183D7F6-B498-43B3-948B-1728B52AA6E4}">
-                <adec:decorative xmlns:adec="http://schemas.microsoft.com/office/drawing/2017/decorative" val="1"/>
-              </a:ext>
-            </a:extLst>
-          </p:cNvPr>
-          <p:cNvSpPr/>
-          <p:nvPr/>
-        </p:nvSpPr>
-        <p:spPr>
-          <a:xfrm>
-            <a:off x="6662168" y="6209925"/>
-            <a:ext cx="5021183" cy="45719"/>
-          </a:xfrm>
-          <a:prstGeom prst="rect">
-            <a:avLst/>
-          </a:prstGeom>
-          <a:solidFill>
-            <a:schemeClr val="tx1"/>
-          </a:solidFill>
-          <a:ln>
-            <a:noFill/>
-          </a:ln>
-        </p:spPr>
-        <p:style>
-          <a:lnRef idx="2">
-            <a:schemeClr val="accent1">
-              <a:shade val="50000"/>
-            </a:schemeClr>
-          </a:lnRef>
-          <a:fillRef idx="1">
-            <a:schemeClr val="accent1"/>
-          </a:fillRef>
-          <a:effectRef idx="0">
-            <a:schemeClr val="accent1"/>
-          </a:effectRef>
-          <a:fontRef idx="minor">
-            <a:schemeClr val="lt1"/>
-          </a:fontRef>
-        </p:style>
-        <p:txBody>
-          <a:bodyPr rtlCol="0" anchor="ctr"/>
-          <a:lstStyle/>
-          <a:p>
-            <a:pPr algn="ctr"/>
-            <a:endParaRPr lang="en-US"/>
-          </a:p>
-        </p:txBody>
-      </p:sp>
     </p:spTree>
     <p:extLst>
       <p:ext uri="{BB962C8B-B14F-4D97-AF65-F5344CB8AC3E}">
-        <p14:creationId xmlns:p14="http://schemas.microsoft.com/office/powerpoint/2010/main" val="3959215934"/>
+        <p14:creationId xmlns:p14="http://schemas.microsoft.com/office/powerpoint/2010/main" val="196195122"/>
       </p:ext>
     </p:extLst>
   </p:cSld>
@@ -392,6 +444,1806 @@
 </file>
 
 <file path=ppt/slideLayouts/slideLayout10.xml><?xml version="1.0" encoding="utf-8"?>
+<p:sldLayout xmlns:a="http://schemas.openxmlformats.org/drawingml/2006/main" xmlns:r="http://schemas.openxmlformats.org/officeDocument/2006/relationships" xmlns:p="http://schemas.openxmlformats.org/presentationml/2006/main" preserve="1">
+  <p:cSld name="Title and Caption">
+    <p:spTree>
+      <p:nvGrpSpPr>
+        <p:cNvPr id="1" name=""/>
+        <p:cNvGrpSpPr/>
+        <p:nvPr/>
+      </p:nvGrpSpPr>
+      <p:grpSpPr>
+        <a:xfrm>
+          <a:off x="0" y="0"/>
+          <a:ext cx="0" cy="0"/>
+          <a:chOff x="0" y="0"/>
+          <a:chExt cx="0" cy="0"/>
+        </a:xfrm>
+      </p:grpSpPr>
+      <p:sp>
+        <p:nvSpPr>
+          <p:cNvPr id="2" name="Title 1"/>
+          <p:cNvSpPr>
+            <a:spLocks noGrp="1"/>
+          </p:cNvSpPr>
+          <p:nvPr>
+            <p:ph type="title"/>
+          </p:nvPr>
+        </p:nvSpPr>
+        <p:spPr>
+          <a:xfrm>
+            <a:off x="2589212" y="609600"/>
+            <a:ext cx="8915399" cy="3117040"/>
+          </a:xfrm>
+        </p:spPr>
+        <p:txBody>
+          <a:bodyPr anchor="ctr">
+            <a:normAutofit/>
+          </a:bodyPr>
+          <a:lstStyle>
+            <a:lvl1pPr algn="l">
+              <a:defRPr sz="4800" b="0" cap="none"/>
+            </a:lvl1pPr>
+          </a:lstStyle>
+          <a:p>
+            <a:r>
+              <a:rPr lang="en-US"/>
+              <a:t>Click to edit Master title style</a:t>
+            </a:r>
+            <a:endParaRPr lang="en-US" dirty="0"/>
+          </a:p>
+        </p:txBody>
+      </p:sp>
+      <p:sp>
+        <p:nvSpPr>
+          <p:cNvPr id="3" name="Text Placeholder 2"/>
+          <p:cNvSpPr>
+            <a:spLocks noGrp="1"/>
+          </p:cNvSpPr>
+          <p:nvPr>
+            <p:ph type="body" idx="1"/>
+          </p:nvPr>
+        </p:nvSpPr>
+        <p:spPr>
+          <a:xfrm>
+            <a:off x="2589212" y="4354046"/>
+            <a:ext cx="8915399" cy="1555864"/>
+          </a:xfrm>
+        </p:spPr>
+        <p:txBody>
+          <a:bodyPr anchor="ctr">
+            <a:normAutofit/>
+          </a:bodyPr>
+          <a:lstStyle>
+            <a:lvl1pPr marL="0" indent="0" algn="l">
+              <a:buNone/>
+              <a:defRPr sz="1800">
+                <a:solidFill>
+                  <a:schemeClr val="tx1">
+                    <a:lumMod val="65000"/>
+                    <a:lumOff val="35000"/>
+                  </a:schemeClr>
+                </a:solidFill>
+              </a:defRPr>
+            </a:lvl1pPr>
+            <a:lvl2pPr marL="457200" indent="0">
+              <a:buNone/>
+              <a:defRPr sz="1800">
+                <a:solidFill>
+                  <a:schemeClr val="tx1">
+                    <a:tint val="75000"/>
+                  </a:schemeClr>
+                </a:solidFill>
+              </a:defRPr>
+            </a:lvl2pPr>
+            <a:lvl3pPr marL="914400" indent="0">
+              <a:buNone/>
+              <a:defRPr sz="1600">
+                <a:solidFill>
+                  <a:schemeClr val="tx1">
+                    <a:tint val="75000"/>
+                  </a:schemeClr>
+                </a:solidFill>
+              </a:defRPr>
+            </a:lvl3pPr>
+            <a:lvl4pPr marL="1371600" indent="0">
+              <a:buNone/>
+              <a:defRPr sz="1400">
+                <a:solidFill>
+                  <a:schemeClr val="tx1">
+                    <a:tint val="75000"/>
+                  </a:schemeClr>
+                </a:solidFill>
+              </a:defRPr>
+            </a:lvl4pPr>
+            <a:lvl5pPr marL="1828800" indent="0">
+              <a:buNone/>
+              <a:defRPr sz="1400">
+                <a:solidFill>
+                  <a:schemeClr val="tx1">
+                    <a:tint val="75000"/>
+                  </a:schemeClr>
+                </a:solidFill>
+              </a:defRPr>
+            </a:lvl5pPr>
+            <a:lvl6pPr marL="2286000" indent="0">
+              <a:buNone/>
+              <a:defRPr sz="1400">
+                <a:solidFill>
+                  <a:schemeClr val="tx1">
+                    <a:tint val="75000"/>
+                  </a:schemeClr>
+                </a:solidFill>
+              </a:defRPr>
+            </a:lvl6pPr>
+            <a:lvl7pPr marL="2743200" indent="0">
+              <a:buNone/>
+              <a:defRPr sz="1400">
+                <a:solidFill>
+                  <a:schemeClr val="tx1">
+                    <a:tint val="75000"/>
+                  </a:schemeClr>
+                </a:solidFill>
+              </a:defRPr>
+            </a:lvl7pPr>
+            <a:lvl8pPr marL="3200400" indent="0">
+              <a:buNone/>
+              <a:defRPr sz="1400">
+                <a:solidFill>
+                  <a:schemeClr val="tx1">
+                    <a:tint val="75000"/>
+                  </a:schemeClr>
+                </a:solidFill>
+              </a:defRPr>
+            </a:lvl8pPr>
+            <a:lvl9pPr marL="3657600" indent="0">
+              <a:buNone/>
+              <a:defRPr sz="1400">
+                <a:solidFill>
+                  <a:schemeClr val="tx1">
+                    <a:tint val="75000"/>
+                  </a:schemeClr>
+                </a:solidFill>
+              </a:defRPr>
+            </a:lvl9pPr>
+          </a:lstStyle>
+          <a:p>
+            <a:pPr lvl="0"/>
+            <a:r>
+              <a:rPr lang="en-US"/>
+              <a:t>Click to edit Master text styles</a:t>
+            </a:r>
+          </a:p>
+        </p:txBody>
+      </p:sp>
+      <p:sp>
+        <p:nvSpPr>
+          <p:cNvPr id="4" name="Date Placeholder 3"/>
+          <p:cNvSpPr>
+            <a:spLocks noGrp="1"/>
+          </p:cNvSpPr>
+          <p:nvPr>
+            <p:ph type="dt" sz="half" idx="10"/>
+          </p:nvPr>
+        </p:nvSpPr>
+        <p:spPr/>
+        <p:txBody>
+          <a:bodyPr/>
+          <a:lstStyle/>
+          <a:p>
+            <a:fld id="{734BCCD4-CEB1-405B-A443-DD9CBCBEA552}" type="datetime1">
+              <a:rPr lang="en-US" smtClean="0"/>
+              <a:t>2021-12-13</a:t>
+            </a:fld>
+            <a:endParaRPr lang="en-US"/>
+          </a:p>
+        </p:txBody>
+      </p:sp>
+      <p:sp>
+        <p:nvSpPr>
+          <p:cNvPr id="5" name="Footer Placeholder 4"/>
+          <p:cNvSpPr>
+            <a:spLocks noGrp="1"/>
+          </p:cNvSpPr>
+          <p:nvPr>
+            <p:ph type="ftr" sz="quarter" idx="11"/>
+          </p:nvPr>
+        </p:nvSpPr>
+        <p:spPr/>
+        <p:txBody>
+          <a:bodyPr/>
+          <a:lstStyle/>
+          <a:p>
+            <a:endParaRPr lang="en-US" dirty="0"/>
+          </a:p>
+        </p:txBody>
+      </p:sp>
+      <p:sp>
+        <p:nvSpPr>
+          <p:cNvPr id="9" name="Freeform 11"/>
+          <p:cNvSpPr/>
+          <p:nvPr/>
+        </p:nvSpPr>
+        <p:spPr bwMode="auto">
+          <a:xfrm flipV="1">
+            <a:off x="-4189" y="3178175"/>
+            <a:ext cx="1588527" cy="507297"/>
+          </a:xfrm>
+          <a:custGeom>
+            <a:avLst/>
+            <a:gdLst/>
+            <a:ahLst/>
+            <a:cxnLst/>
+            <a:rect l="l" t="t" r="r" b="b"/>
+            <a:pathLst>
+              <a:path w="9248" h="10000">
+                <a:moveTo>
+                  <a:pt x="9248" y="4701"/>
+                </a:moveTo>
+                <a:lnTo>
+                  <a:pt x="7915" y="188"/>
+                </a:lnTo>
+                <a:cubicBezTo>
+                  <a:pt x="7906" y="156"/>
+                  <a:pt x="7895" y="126"/>
+                  <a:pt x="7886" y="94"/>
+                </a:cubicBezTo>
+                <a:cubicBezTo>
+                  <a:pt x="7859" y="0"/>
+                  <a:pt x="7831" y="0"/>
+                  <a:pt x="7803" y="0"/>
+                </a:cubicBezTo>
+                <a:lnTo>
+                  <a:pt x="7275" y="0"/>
+                </a:lnTo>
+                <a:lnTo>
+                  <a:pt x="0" y="70"/>
+                </a:lnTo>
+                <a:cubicBezTo>
+                  <a:pt x="8" y="3380"/>
+                  <a:pt x="17" y="6690"/>
+                  <a:pt x="25" y="10000"/>
+                </a:cubicBezTo>
+                <a:lnTo>
+                  <a:pt x="7275" y="9966"/>
+                </a:lnTo>
+                <a:lnTo>
+                  <a:pt x="7803" y="9966"/>
+                </a:lnTo>
+                <a:cubicBezTo>
+                  <a:pt x="7831" y="9966"/>
+                  <a:pt x="7859" y="9872"/>
+                  <a:pt x="7886" y="9872"/>
+                </a:cubicBezTo>
+                <a:cubicBezTo>
+                  <a:pt x="7886" y="9778"/>
+                  <a:pt x="7915" y="9778"/>
+                  <a:pt x="7915" y="9778"/>
+                </a:cubicBezTo>
+                <a:lnTo>
+                  <a:pt x="9248" y="5265"/>
+                </a:lnTo>
+                <a:cubicBezTo>
+                  <a:pt x="9303" y="5077"/>
+                  <a:pt x="9303" y="4889"/>
+                  <a:pt x="9248" y="4701"/>
+                </a:cubicBezTo>
+                <a:close/>
+              </a:path>
+            </a:pathLst>
+          </a:custGeom>
+          <a:solidFill>
+            <a:schemeClr val="accent1"/>
+          </a:solidFill>
+          <a:ln>
+            <a:noFill/>
+          </a:ln>
+        </p:spPr>
+      </p:sp>
+      <p:sp>
+        <p:nvSpPr>
+          <p:cNvPr id="6" name="Slide Number Placeholder 5"/>
+          <p:cNvSpPr>
+            <a:spLocks noGrp="1"/>
+          </p:cNvSpPr>
+          <p:nvPr>
+            <p:ph type="sldNum" sz="quarter" idx="12"/>
+          </p:nvPr>
+        </p:nvSpPr>
+        <p:spPr>
+          <a:xfrm>
+            <a:off x="531812" y="3244139"/>
+            <a:ext cx="779767" cy="365125"/>
+          </a:xfrm>
+        </p:spPr>
+        <p:txBody>
+          <a:bodyPr/>
+          <a:lstStyle/>
+          <a:p>
+            <a:fld id="{DFDF98CC-160E-494C-8C3C-8CDC5FA257DE}" type="slidenum">
+              <a:rPr lang="en-US" smtClean="0"/>
+              <a:pPr/>
+              <a:t>‹#›</a:t>
+            </a:fld>
+            <a:endParaRPr lang="en-US" dirty="0"/>
+          </a:p>
+        </p:txBody>
+      </p:sp>
+    </p:spTree>
+    <p:extLst>
+      <p:ext uri="{BB962C8B-B14F-4D97-AF65-F5344CB8AC3E}">
+        <p14:creationId xmlns:p14="http://schemas.microsoft.com/office/powerpoint/2010/main" val="260001761"/>
+      </p:ext>
+    </p:extLst>
+  </p:cSld>
+  <p:clrMapOvr>
+    <a:masterClrMapping/>
+  </p:clrMapOvr>
+  <p:hf sldNum="0" hdr="0" ftr="0" dt="0"/>
+</p:sldLayout>
+</file>
+
+<file path=ppt/slideLayouts/slideLayout11.xml><?xml version="1.0" encoding="utf-8"?>
+<p:sldLayout xmlns:a="http://schemas.openxmlformats.org/drawingml/2006/main" xmlns:r="http://schemas.openxmlformats.org/officeDocument/2006/relationships" xmlns:p="http://schemas.openxmlformats.org/presentationml/2006/main" preserve="1">
+  <p:cSld name="Quote with Caption">
+    <p:spTree>
+      <p:nvGrpSpPr>
+        <p:cNvPr id="1" name=""/>
+        <p:cNvGrpSpPr/>
+        <p:nvPr/>
+      </p:nvGrpSpPr>
+      <p:grpSpPr>
+        <a:xfrm>
+          <a:off x="0" y="0"/>
+          <a:ext cx="0" cy="0"/>
+          <a:chOff x="0" y="0"/>
+          <a:chExt cx="0" cy="0"/>
+        </a:xfrm>
+      </p:grpSpPr>
+      <p:sp>
+        <p:nvSpPr>
+          <p:cNvPr id="2" name="Title 1"/>
+          <p:cNvSpPr>
+            <a:spLocks noGrp="1"/>
+          </p:cNvSpPr>
+          <p:nvPr>
+            <p:ph type="title"/>
+          </p:nvPr>
+        </p:nvSpPr>
+        <p:spPr>
+          <a:xfrm>
+            <a:off x="2849949" y="609600"/>
+            <a:ext cx="8393926" cy="2895600"/>
+          </a:xfrm>
+        </p:spPr>
+        <p:txBody>
+          <a:bodyPr anchor="ctr">
+            <a:normAutofit/>
+          </a:bodyPr>
+          <a:lstStyle>
+            <a:lvl1pPr algn="l">
+              <a:defRPr sz="4800" b="0" cap="none"/>
+            </a:lvl1pPr>
+          </a:lstStyle>
+          <a:p>
+            <a:r>
+              <a:rPr lang="en-US"/>
+              <a:t>Click to edit Master title style</a:t>
+            </a:r>
+            <a:endParaRPr lang="en-US" dirty="0"/>
+          </a:p>
+        </p:txBody>
+      </p:sp>
+      <p:sp>
+        <p:nvSpPr>
+          <p:cNvPr id="13" name="Text Placeholder 9"/>
+          <p:cNvSpPr>
+            <a:spLocks noGrp="1"/>
+          </p:cNvSpPr>
+          <p:nvPr>
+            <p:ph type="body" sz="quarter" idx="13"/>
+          </p:nvPr>
+        </p:nvSpPr>
+        <p:spPr>
+          <a:xfrm>
+            <a:off x="3275012" y="3505200"/>
+            <a:ext cx="7536554" cy="381000"/>
+          </a:xfrm>
+        </p:spPr>
+        <p:txBody>
+          <a:bodyPr anchor="ctr">
+            <a:noAutofit/>
+          </a:bodyPr>
+          <a:lstStyle>
+            <a:lvl1pPr marL="0" indent="0">
+              <a:buFontTx/>
+              <a:buNone/>
+              <a:defRPr sz="1600">
+                <a:solidFill>
+                  <a:schemeClr val="tx1">
+                    <a:lumMod val="50000"/>
+                    <a:lumOff val="50000"/>
+                  </a:schemeClr>
+                </a:solidFill>
+              </a:defRPr>
+            </a:lvl1pPr>
+            <a:lvl2pPr marL="457200" indent="0">
+              <a:buFontTx/>
+              <a:buNone/>
+              <a:defRPr/>
+            </a:lvl2pPr>
+            <a:lvl3pPr marL="914400" indent="0">
+              <a:buFontTx/>
+              <a:buNone/>
+              <a:defRPr/>
+            </a:lvl3pPr>
+            <a:lvl4pPr marL="1371600" indent="0">
+              <a:buFontTx/>
+              <a:buNone/>
+              <a:defRPr/>
+            </a:lvl4pPr>
+            <a:lvl5pPr marL="1828800" indent="0">
+              <a:buFontTx/>
+              <a:buNone/>
+              <a:defRPr/>
+            </a:lvl5pPr>
+          </a:lstStyle>
+          <a:p>
+            <a:pPr lvl="0"/>
+            <a:r>
+              <a:rPr lang="en-US"/>
+              <a:t>Click to edit Master text styles</a:t>
+            </a:r>
+          </a:p>
+        </p:txBody>
+      </p:sp>
+      <p:sp>
+        <p:nvSpPr>
+          <p:cNvPr id="3" name="Text Placeholder 2"/>
+          <p:cNvSpPr>
+            <a:spLocks noGrp="1"/>
+          </p:cNvSpPr>
+          <p:nvPr>
+            <p:ph type="body" idx="1"/>
+          </p:nvPr>
+        </p:nvSpPr>
+        <p:spPr>
+          <a:xfrm>
+            <a:off x="2589212" y="4354046"/>
+            <a:ext cx="8915399" cy="1555864"/>
+          </a:xfrm>
+        </p:spPr>
+        <p:txBody>
+          <a:bodyPr anchor="ctr">
+            <a:normAutofit/>
+          </a:bodyPr>
+          <a:lstStyle>
+            <a:lvl1pPr marL="0" indent="0" algn="l">
+              <a:buNone/>
+              <a:defRPr sz="1800">
+                <a:solidFill>
+                  <a:schemeClr val="tx1">
+                    <a:lumMod val="65000"/>
+                    <a:lumOff val="35000"/>
+                  </a:schemeClr>
+                </a:solidFill>
+              </a:defRPr>
+            </a:lvl1pPr>
+            <a:lvl2pPr marL="457200" indent="0">
+              <a:buNone/>
+              <a:defRPr sz="1800">
+                <a:solidFill>
+                  <a:schemeClr val="tx1">
+                    <a:tint val="75000"/>
+                  </a:schemeClr>
+                </a:solidFill>
+              </a:defRPr>
+            </a:lvl2pPr>
+            <a:lvl3pPr marL="914400" indent="0">
+              <a:buNone/>
+              <a:defRPr sz="1600">
+                <a:solidFill>
+                  <a:schemeClr val="tx1">
+                    <a:tint val="75000"/>
+                  </a:schemeClr>
+                </a:solidFill>
+              </a:defRPr>
+            </a:lvl3pPr>
+            <a:lvl4pPr marL="1371600" indent="0">
+              <a:buNone/>
+              <a:defRPr sz="1400">
+                <a:solidFill>
+                  <a:schemeClr val="tx1">
+                    <a:tint val="75000"/>
+                  </a:schemeClr>
+                </a:solidFill>
+              </a:defRPr>
+            </a:lvl4pPr>
+            <a:lvl5pPr marL="1828800" indent="0">
+              <a:buNone/>
+              <a:defRPr sz="1400">
+                <a:solidFill>
+                  <a:schemeClr val="tx1">
+                    <a:tint val="75000"/>
+                  </a:schemeClr>
+                </a:solidFill>
+              </a:defRPr>
+            </a:lvl5pPr>
+            <a:lvl6pPr marL="2286000" indent="0">
+              <a:buNone/>
+              <a:defRPr sz="1400">
+                <a:solidFill>
+                  <a:schemeClr val="tx1">
+                    <a:tint val="75000"/>
+                  </a:schemeClr>
+                </a:solidFill>
+              </a:defRPr>
+            </a:lvl6pPr>
+            <a:lvl7pPr marL="2743200" indent="0">
+              <a:buNone/>
+              <a:defRPr sz="1400">
+                <a:solidFill>
+                  <a:schemeClr val="tx1">
+                    <a:tint val="75000"/>
+                  </a:schemeClr>
+                </a:solidFill>
+              </a:defRPr>
+            </a:lvl7pPr>
+            <a:lvl8pPr marL="3200400" indent="0">
+              <a:buNone/>
+              <a:defRPr sz="1400">
+                <a:solidFill>
+                  <a:schemeClr val="tx1">
+                    <a:tint val="75000"/>
+                  </a:schemeClr>
+                </a:solidFill>
+              </a:defRPr>
+            </a:lvl8pPr>
+            <a:lvl9pPr marL="3657600" indent="0">
+              <a:buNone/>
+              <a:defRPr sz="1400">
+                <a:solidFill>
+                  <a:schemeClr val="tx1">
+                    <a:tint val="75000"/>
+                  </a:schemeClr>
+                </a:solidFill>
+              </a:defRPr>
+            </a:lvl9pPr>
+          </a:lstStyle>
+          <a:p>
+            <a:pPr lvl="0"/>
+            <a:r>
+              <a:rPr lang="en-US"/>
+              <a:t>Click to edit Master text styles</a:t>
+            </a:r>
+          </a:p>
+        </p:txBody>
+      </p:sp>
+      <p:sp>
+        <p:nvSpPr>
+          <p:cNvPr id="4" name="Date Placeholder 3"/>
+          <p:cNvSpPr>
+            <a:spLocks noGrp="1"/>
+          </p:cNvSpPr>
+          <p:nvPr>
+            <p:ph type="dt" sz="half" idx="10"/>
+          </p:nvPr>
+        </p:nvSpPr>
+        <p:spPr/>
+        <p:txBody>
+          <a:bodyPr/>
+          <a:lstStyle/>
+          <a:p>
+            <a:fld id="{734BCCD4-CEB1-405B-A443-DD9CBCBEA552}" type="datetime1">
+              <a:rPr lang="en-US" smtClean="0"/>
+              <a:t>2021-12-13</a:t>
+            </a:fld>
+            <a:endParaRPr lang="en-US"/>
+          </a:p>
+        </p:txBody>
+      </p:sp>
+      <p:sp>
+        <p:nvSpPr>
+          <p:cNvPr id="5" name="Footer Placeholder 4"/>
+          <p:cNvSpPr>
+            <a:spLocks noGrp="1"/>
+          </p:cNvSpPr>
+          <p:nvPr>
+            <p:ph type="ftr" sz="quarter" idx="11"/>
+          </p:nvPr>
+        </p:nvSpPr>
+        <p:spPr/>
+        <p:txBody>
+          <a:bodyPr/>
+          <a:lstStyle/>
+          <a:p>
+            <a:endParaRPr lang="en-US" dirty="0"/>
+          </a:p>
+        </p:txBody>
+      </p:sp>
+      <p:sp>
+        <p:nvSpPr>
+          <p:cNvPr id="11" name="Freeform 11"/>
+          <p:cNvSpPr/>
+          <p:nvPr/>
+        </p:nvSpPr>
+        <p:spPr bwMode="auto">
+          <a:xfrm flipV="1">
+            <a:off x="-4189" y="3178175"/>
+            <a:ext cx="1588527" cy="507297"/>
+          </a:xfrm>
+          <a:custGeom>
+            <a:avLst/>
+            <a:gdLst/>
+            <a:ahLst/>
+            <a:cxnLst/>
+            <a:rect l="l" t="t" r="r" b="b"/>
+            <a:pathLst>
+              <a:path w="9248" h="10000">
+                <a:moveTo>
+                  <a:pt x="9248" y="4701"/>
+                </a:moveTo>
+                <a:lnTo>
+                  <a:pt x="7915" y="188"/>
+                </a:lnTo>
+                <a:cubicBezTo>
+                  <a:pt x="7906" y="156"/>
+                  <a:pt x="7895" y="126"/>
+                  <a:pt x="7886" y="94"/>
+                </a:cubicBezTo>
+                <a:cubicBezTo>
+                  <a:pt x="7859" y="0"/>
+                  <a:pt x="7831" y="0"/>
+                  <a:pt x="7803" y="0"/>
+                </a:cubicBezTo>
+                <a:lnTo>
+                  <a:pt x="7275" y="0"/>
+                </a:lnTo>
+                <a:lnTo>
+                  <a:pt x="0" y="70"/>
+                </a:lnTo>
+                <a:cubicBezTo>
+                  <a:pt x="8" y="3380"/>
+                  <a:pt x="17" y="6690"/>
+                  <a:pt x="25" y="10000"/>
+                </a:cubicBezTo>
+                <a:lnTo>
+                  <a:pt x="7275" y="9966"/>
+                </a:lnTo>
+                <a:lnTo>
+                  <a:pt x="7803" y="9966"/>
+                </a:lnTo>
+                <a:cubicBezTo>
+                  <a:pt x="7831" y="9966"/>
+                  <a:pt x="7859" y="9872"/>
+                  <a:pt x="7886" y="9872"/>
+                </a:cubicBezTo>
+                <a:cubicBezTo>
+                  <a:pt x="7886" y="9778"/>
+                  <a:pt x="7915" y="9778"/>
+                  <a:pt x="7915" y="9778"/>
+                </a:cubicBezTo>
+                <a:lnTo>
+                  <a:pt x="9248" y="5265"/>
+                </a:lnTo>
+                <a:cubicBezTo>
+                  <a:pt x="9303" y="5077"/>
+                  <a:pt x="9303" y="4889"/>
+                  <a:pt x="9248" y="4701"/>
+                </a:cubicBezTo>
+                <a:close/>
+              </a:path>
+            </a:pathLst>
+          </a:custGeom>
+          <a:solidFill>
+            <a:schemeClr val="accent1"/>
+          </a:solidFill>
+          <a:ln>
+            <a:noFill/>
+          </a:ln>
+        </p:spPr>
+      </p:sp>
+      <p:sp>
+        <p:nvSpPr>
+          <p:cNvPr id="6" name="Slide Number Placeholder 5"/>
+          <p:cNvSpPr>
+            <a:spLocks noGrp="1"/>
+          </p:cNvSpPr>
+          <p:nvPr>
+            <p:ph type="sldNum" sz="quarter" idx="12"/>
+          </p:nvPr>
+        </p:nvSpPr>
+        <p:spPr>
+          <a:xfrm>
+            <a:off x="531812" y="3244139"/>
+            <a:ext cx="779767" cy="365125"/>
+          </a:xfrm>
+        </p:spPr>
+        <p:txBody>
+          <a:bodyPr/>
+          <a:lstStyle/>
+          <a:p>
+            <a:fld id="{DFDF98CC-160E-494C-8C3C-8CDC5FA257DE}" type="slidenum">
+              <a:rPr lang="en-US" smtClean="0"/>
+              <a:pPr/>
+              <a:t>‹#›</a:t>
+            </a:fld>
+            <a:endParaRPr lang="en-US" dirty="0"/>
+          </a:p>
+        </p:txBody>
+      </p:sp>
+      <p:sp>
+        <p:nvSpPr>
+          <p:cNvPr id="14" name="TextBox 13"/>
+          <p:cNvSpPr txBox="1"/>
+          <p:nvPr/>
+        </p:nvSpPr>
+        <p:spPr>
+          <a:xfrm>
+            <a:off x="2467652" y="648005"/>
+            <a:ext cx="609600" cy="584776"/>
+          </a:xfrm>
+          <a:prstGeom prst="rect">
+            <a:avLst/>
+          </a:prstGeom>
+        </p:spPr>
+        <p:txBody>
+          <a:bodyPr vert="horz" lIns="91440" tIns="45720" rIns="91440" bIns="45720" rtlCol="0" anchor="ctr">
+            <a:noAutofit/>
+          </a:bodyPr>
+          <a:lstStyle/>
+          <a:p>
+            <a:pPr lvl="0"/>
+            <a:r>
+              <a:rPr lang="en-US" sz="8000" baseline="0" dirty="0">
+                <a:ln w="3175" cmpd="sng">
+                  <a:noFill/>
+                </a:ln>
+                <a:solidFill>
+                  <a:schemeClr val="accent1"/>
+                </a:solidFill>
+                <a:effectLst/>
+                <a:latin typeface="Arial"/>
+              </a:rPr>
+              <a:t>“</a:t>
+            </a:r>
+          </a:p>
+        </p:txBody>
+      </p:sp>
+      <p:sp>
+        <p:nvSpPr>
+          <p:cNvPr id="15" name="TextBox 14"/>
+          <p:cNvSpPr txBox="1"/>
+          <p:nvPr/>
+        </p:nvSpPr>
+        <p:spPr>
+          <a:xfrm>
+            <a:off x="11114852" y="2905306"/>
+            <a:ext cx="609600" cy="584776"/>
+          </a:xfrm>
+          <a:prstGeom prst="rect">
+            <a:avLst/>
+          </a:prstGeom>
+        </p:spPr>
+        <p:txBody>
+          <a:bodyPr vert="horz" lIns="91440" tIns="45720" rIns="91440" bIns="45720" rtlCol="0" anchor="ctr">
+            <a:noAutofit/>
+          </a:bodyPr>
+          <a:lstStyle/>
+          <a:p>
+            <a:r>
+              <a:rPr lang="en-US" sz="8000" baseline="0" dirty="0">
+                <a:ln w="3175" cmpd="sng">
+                  <a:noFill/>
+                </a:ln>
+                <a:solidFill>
+                  <a:schemeClr val="accent1"/>
+                </a:solidFill>
+                <a:effectLst/>
+                <a:latin typeface="Arial"/>
+              </a:rPr>
+              <a:t>”</a:t>
+            </a:r>
+          </a:p>
+        </p:txBody>
+      </p:sp>
+    </p:spTree>
+    <p:extLst>
+      <p:ext uri="{BB962C8B-B14F-4D97-AF65-F5344CB8AC3E}">
+        <p14:creationId xmlns:p14="http://schemas.microsoft.com/office/powerpoint/2010/main" val="3889768220"/>
+      </p:ext>
+    </p:extLst>
+  </p:cSld>
+  <p:clrMapOvr>
+    <a:masterClrMapping/>
+  </p:clrMapOvr>
+  <p:hf sldNum="0" hdr="0" ftr="0" dt="0"/>
+</p:sldLayout>
+</file>
+
+<file path=ppt/slideLayouts/slideLayout12.xml><?xml version="1.0" encoding="utf-8"?>
+<p:sldLayout xmlns:a="http://schemas.openxmlformats.org/drawingml/2006/main" xmlns:r="http://schemas.openxmlformats.org/officeDocument/2006/relationships" xmlns:p="http://schemas.openxmlformats.org/presentationml/2006/main" preserve="1">
+  <p:cSld name="Name Card">
+    <p:spTree>
+      <p:nvGrpSpPr>
+        <p:cNvPr id="1" name=""/>
+        <p:cNvGrpSpPr/>
+        <p:nvPr/>
+      </p:nvGrpSpPr>
+      <p:grpSpPr>
+        <a:xfrm>
+          <a:off x="0" y="0"/>
+          <a:ext cx="0" cy="0"/>
+          <a:chOff x="0" y="0"/>
+          <a:chExt cx="0" cy="0"/>
+        </a:xfrm>
+      </p:grpSpPr>
+      <p:sp>
+        <p:nvSpPr>
+          <p:cNvPr id="2" name="Title 1"/>
+          <p:cNvSpPr>
+            <a:spLocks noGrp="1"/>
+          </p:cNvSpPr>
+          <p:nvPr>
+            <p:ph type="title"/>
+          </p:nvPr>
+        </p:nvSpPr>
+        <p:spPr>
+          <a:xfrm>
+            <a:off x="2589213" y="2438400"/>
+            <a:ext cx="8915400" cy="2724845"/>
+          </a:xfrm>
+        </p:spPr>
+        <p:txBody>
+          <a:bodyPr anchor="b">
+            <a:normAutofit/>
+          </a:bodyPr>
+          <a:lstStyle>
+            <a:lvl1pPr algn="l">
+              <a:defRPr sz="4800" b="0"/>
+            </a:lvl1pPr>
+          </a:lstStyle>
+          <a:p>
+            <a:r>
+              <a:rPr lang="en-US"/>
+              <a:t>Click to edit Master title style</a:t>
+            </a:r>
+            <a:endParaRPr lang="en-US" dirty="0"/>
+          </a:p>
+        </p:txBody>
+      </p:sp>
+      <p:sp>
+        <p:nvSpPr>
+          <p:cNvPr id="4" name="Text Placeholder 3"/>
+          <p:cNvSpPr>
+            <a:spLocks noGrp="1"/>
+          </p:cNvSpPr>
+          <p:nvPr>
+            <p:ph type="body" sz="half" idx="2"/>
+          </p:nvPr>
+        </p:nvSpPr>
+        <p:spPr>
+          <a:xfrm>
+            <a:off x="2589213" y="5181600"/>
+            <a:ext cx="8915400" cy="729622"/>
+          </a:xfrm>
+        </p:spPr>
+        <p:txBody>
+          <a:bodyPr vert="horz" lIns="91440" tIns="45720" rIns="91440" bIns="45720" rtlCol="0" anchor="t">
+            <a:normAutofit/>
+          </a:bodyPr>
+          <a:lstStyle>
+            <a:lvl1pPr>
+              <a:buNone/>
+              <a:defRPr lang="en-US">
+                <a:solidFill>
+                  <a:schemeClr val="tx1">
+                    <a:lumMod val="65000"/>
+                    <a:lumOff val="35000"/>
+                  </a:schemeClr>
+                </a:solidFill>
+              </a:defRPr>
+            </a:lvl1pPr>
+          </a:lstStyle>
+          <a:p>
+            <a:pPr marL="0" lvl="0" indent="0">
+              <a:buNone/>
+            </a:pPr>
+            <a:r>
+              <a:rPr lang="en-US"/>
+              <a:t>Click to edit Master text styles</a:t>
+            </a:r>
+          </a:p>
+        </p:txBody>
+      </p:sp>
+      <p:sp>
+        <p:nvSpPr>
+          <p:cNvPr id="5" name="Date Placeholder 4"/>
+          <p:cNvSpPr>
+            <a:spLocks noGrp="1"/>
+          </p:cNvSpPr>
+          <p:nvPr>
+            <p:ph type="dt" sz="half" idx="10"/>
+          </p:nvPr>
+        </p:nvSpPr>
+        <p:spPr/>
+        <p:txBody>
+          <a:bodyPr/>
+          <a:lstStyle/>
+          <a:p>
+            <a:fld id="{734BCCD4-CEB1-405B-A443-DD9CBCBEA552}" type="datetime1">
+              <a:rPr lang="en-US" smtClean="0"/>
+              <a:t>2021-12-13</a:t>
+            </a:fld>
+            <a:endParaRPr lang="en-US"/>
+          </a:p>
+        </p:txBody>
+      </p:sp>
+      <p:sp>
+        <p:nvSpPr>
+          <p:cNvPr id="6" name="Footer Placeholder 5"/>
+          <p:cNvSpPr>
+            <a:spLocks noGrp="1"/>
+          </p:cNvSpPr>
+          <p:nvPr>
+            <p:ph type="ftr" sz="quarter" idx="11"/>
+          </p:nvPr>
+        </p:nvSpPr>
+        <p:spPr/>
+        <p:txBody>
+          <a:bodyPr/>
+          <a:lstStyle/>
+          <a:p>
+            <a:endParaRPr lang="en-US" dirty="0"/>
+          </a:p>
+        </p:txBody>
+      </p:sp>
+      <p:sp>
+        <p:nvSpPr>
+          <p:cNvPr id="9" name="Freeform 11"/>
+          <p:cNvSpPr/>
+          <p:nvPr/>
+        </p:nvSpPr>
+        <p:spPr bwMode="auto">
+          <a:xfrm flipV="1">
+            <a:off x="-4189" y="4911725"/>
+            <a:ext cx="1588527" cy="507297"/>
+          </a:xfrm>
+          <a:custGeom>
+            <a:avLst/>
+            <a:gdLst/>
+            <a:ahLst/>
+            <a:cxnLst/>
+            <a:rect l="l" t="t" r="r" b="b"/>
+            <a:pathLst>
+              <a:path w="9248" h="10000">
+                <a:moveTo>
+                  <a:pt x="9248" y="4701"/>
+                </a:moveTo>
+                <a:lnTo>
+                  <a:pt x="7915" y="188"/>
+                </a:lnTo>
+                <a:cubicBezTo>
+                  <a:pt x="7906" y="156"/>
+                  <a:pt x="7895" y="126"/>
+                  <a:pt x="7886" y="94"/>
+                </a:cubicBezTo>
+                <a:cubicBezTo>
+                  <a:pt x="7859" y="0"/>
+                  <a:pt x="7831" y="0"/>
+                  <a:pt x="7803" y="0"/>
+                </a:cubicBezTo>
+                <a:lnTo>
+                  <a:pt x="7275" y="0"/>
+                </a:lnTo>
+                <a:lnTo>
+                  <a:pt x="0" y="70"/>
+                </a:lnTo>
+                <a:cubicBezTo>
+                  <a:pt x="8" y="3380"/>
+                  <a:pt x="17" y="6690"/>
+                  <a:pt x="25" y="10000"/>
+                </a:cubicBezTo>
+                <a:lnTo>
+                  <a:pt x="7275" y="9966"/>
+                </a:lnTo>
+                <a:lnTo>
+                  <a:pt x="7803" y="9966"/>
+                </a:lnTo>
+                <a:cubicBezTo>
+                  <a:pt x="7831" y="9966"/>
+                  <a:pt x="7859" y="9872"/>
+                  <a:pt x="7886" y="9872"/>
+                </a:cubicBezTo>
+                <a:cubicBezTo>
+                  <a:pt x="7886" y="9778"/>
+                  <a:pt x="7915" y="9778"/>
+                  <a:pt x="7915" y="9778"/>
+                </a:cubicBezTo>
+                <a:lnTo>
+                  <a:pt x="9248" y="5265"/>
+                </a:lnTo>
+                <a:cubicBezTo>
+                  <a:pt x="9303" y="5077"/>
+                  <a:pt x="9303" y="4889"/>
+                  <a:pt x="9248" y="4701"/>
+                </a:cubicBezTo>
+                <a:close/>
+              </a:path>
+            </a:pathLst>
+          </a:custGeom>
+          <a:solidFill>
+            <a:schemeClr val="accent1"/>
+          </a:solidFill>
+          <a:ln>
+            <a:noFill/>
+          </a:ln>
+        </p:spPr>
+      </p:sp>
+      <p:sp>
+        <p:nvSpPr>
+          <p:cNvPr id="7" name="Slide Number Placeholder 6"/>
+          <p:cNvSpPr>
+            <a:spLocks noGrp="1"/>
+          </p:cNvSpPr>
+          <p:nvPr>
+            <p:ph type="sldNum" sz="quarter" idx="12"/>
+          </p:nvPr>
+        </p:nvSpPr>
+        <p:spPr>
+          <a:xfrm>
+            <a:off x="531812" y="4983087"/>
+            <a:ext cx="779767" cy="365125"/>
+          </a:xfrm>
+        </p:spPr>
+        <p:txBody>
+          <a:bodyPr/>
+          <a:lstStyle/>
+          <a:p>
+            <a:fld id="{DFDF98CC-160E-494C-8C3C-8CDC5FA257DE}" type="slidenum">
+              <a:rPr lang="en-US" smtClean="0"/>
+              <a:pPr/>
+              <a:t>‹#›</a:t>
+            </a:fld>
+            <a:endParaRPr lang="en-US" dirty="0"/>
+          </a:p>
+        </p:txBody>
+      </p:sp>
+    </p:spTree>
+    <p:extLst>
+      <p:ext uri="{BB962C8B-B14F-4D97-AF65-F5344CB8AC3E}">
+        <p14:creationId xmlns:p14="http://schemas.microsoft.com/office/powerpoint/2010/main" val="1963255781"/>
+      </p:ext>
+    </p:extLst>
+  </p:cSld>
+  <p:clrMapOvr>
+    <a:masterClrMapping/>
+  </p:clrMapOvr>
+  <p:hf sldNum="0" hdr="0" ftr="0" dt="0"/>
+</p:sldLayout>
+</file>
+
+<file path=ppt/slideLayouts/slideLayout13.xml><?xml version="1.0" encoding="utf-8"?>
+<p:sldLayout xmlns:a="http://schemas.openxmlformats.org/drawingml/2006/main" xmlns:r="http://schemas.openxmlformats.org/officeDocument/2006/relationships" xmlns:p="http://schemas.openxmlformats.org/presentationml/2006/main" preserve="1">
+  <p:cSld name="Quote Name Card">
+    <p:spTree>
+      <p:nvGrpSpPr>
+        <p:cNvPr id="1" name=""/>
+        <p:cNvGrpSpPr/>
+        <p:nvPr/>
+      </p:nvGrpSpPr>
+      <p:grpSpPr>
+        <a:xfrm>
+          <a:off x="0" y="0"/>
+          <a:ext cx="0" cy="0"/>
+          <a:chOff x="0" y="0"/>
+          <a:chExt cx="0" cy="0"/>
+        </a:xfrm>
+      </p:grpSpPr>
+      <p:sp>
+        <p:nvSpPr>
+          <p:cNvPr id="12" name="Title 1"/>
+          <p:cNvSpPr>
+            <a:spLocks noGrp="1"/>
+          </p:cNvSpPr>
+          <p:nvPr>
+            <p:ph type="title"/>
+          </p:nvPr>
+        </p:nvSpPr>
+        <p:spPr>
+          <a:xfrm>
+            <a:off x="2849949" y="609600"/>
+            <a:ext cx="8393926" cy="2895600"/>
+          </a:xfrm>
+        </p:spPr>
+        <p:txBody>
+          <a:bodyPr anchor="ctr">
+            <a:normAutofit/>
+          </a:bodyPr>
+          <a:lstStyle>
+            <a:lvl1pPr algn="l">
+              <a:defRPr sz="4800" b="0" cap="none"/>
+            </a:lvl1pPr>
+          </a:lstStyle>
+          <a:p>
+            <a:r>
+              <a:rPr lang="en-US"/>
+              <a:t>Click to edit Master title style</a:t>
+            </a:r>
+            <a:endParaRPr lang="en-US" dirty="0"/>
+          </a:p>
+        </p:txBody>
+      </p:sp>
+      <p:sp>
+        <p:nvSpPr>
+          <p:cNvPr id="21" name="Text Placeholder 9"/>
+          <p:cNvSpPr>
+            <a:spLocks noGrp="1"/>
+          </p:cNvSpPr>
+          <p:nvPr>
+            <p:ph type="body" sz="quarter" idx="13"/>
+          </p:nvPr>
+        </p:nvSpPr>
+        <p:spPr>
+          <a:xfrm>
+            <a:off x="2589212" y="4343400"/>
+            <a:ext cx="8915400" cy="838200"/>
+          </a:xfrm>
+        </p:spPr>
+        <p:txBody>
+          <a:bodyPr anchor="b">
+            <a:noAutofit/>
+          </a:bodyPr>
+          <a:lstStyle>
+            <a:lvl1pPr marL="0" indent="0">
+              <a:buFontTx/>
+              <a:buNone/>
+              <a:defRPr sz="2400">
+                <a:solidFill>
+                  <a:schemeClr val="accent1"/>
+                </a:solidFill>
+              </a:defRPr>
+            </a:lvl1pPr>
+            <a:lvl2pPr marL="457200" indent="0">
+              <a:buFontTx/>
+              <a:buNone/>
+              <a:defRPr/>
+            </a:lvl2pPr>
+            <a:lvl3pPr marL="914400" indent="0">
+              <a:buFontTx/>
+              <a:buNone/>
+              <a:defRPr/>
+            </a:lvl3pPr>
+            <a:lvl4pPr marL="1371600" indent="0">
+              <a:buFontTx/>
+              <a:buNone/>
+              <a:defRPr/>
+            </a:lvl4pPr>
+            <a:lvl5pPr marL="1828800" indent="0">
+              <a:buFontTx/>
+              <a:buNone/>
+              <a:defRPr/>
+            </a:lvl5pPr>
+          </a:lstStyle>
+          <a:p>
+            <a:pPr lvl="0"/>
+            <a:r>
+              <a:rPr lang="en-US"/>
+              <a:t>Click to edit Master text styles</a:t>
+            </a:r>
+          </a:p>
+        </p:txBody>
+      </p:sp>
+      <p:sp>
+        <p:nvSpPr>
+          <p:cNvPr id="4" name="Text Placeholder 3"/>
+          <p:cNvSpPr>
+            <a:spLocks noGrp="1"/>
+          </p:cNvSpPr>
+          <p:nvPr>
+            <p:ph type="body" sz="half" idx="2"/>
+          </p:nvPr>
+        </p:nvSpPr>
+        <p:spPr>
+          <a:xfrm>
+            <a:off x="2589213" y="5181600"/>
+            <a:ext cx="8915400" cy="729622"/>
+          </a:xfrm>
+        </p:spPr>
+        <p:txBody>
+          <a:bodyPr vert="horz" lIns="91440" tIns="45720" rIns="91440" bIns="45720" rtlCol="0" anchor="t">
+            <a:normAutofit/>
+          </a:bodyPr>
+          <a:lstStyle>
+            <a:lvl1pPr>
+              <a:buNone/>
+              <a:defRPr lang="en-US">
+                <a:solidFill>
+                  <a:schemeClr val="tx1">
+                    <a:lumMod val="65000"/>
+                    <a:lumOff val="35000"/>
+                  </a:schemeClr>
+                </a:solidFill>
+              </a:defRPr>
+            </a:lvl1pPr>
+          </a:lstStyle>
+          <a:p>
+            <a:pPr marL="0" lvl="0" indent="0">
+              <a:buNone/>
+            </a:pPr>
+            <a:r>
+              <a:rPr lang="en-US"/>
+              <a:t>Click to edit Master text styles</a:t>
+            </a:r>
+          </a:p>
+        </p:txBody>
+      </p:sp>
+      <p:sp>
+        <p:nvSpPr>
+          <p:cNvPr id="5" name="Date Placeholder 4"/>
+          <p:cNvSpPr>
+            <a:spLocks noGrp="1"/>
+          </p:cNvSpPr>
+          <p:nvPr>
+            <p:ph type="dt" sz="half" idx="10"/>
+          </p:nvPr>
+        </p:nvSpPr>
+        <p:spPr/>
+        <p:txBody>
+          <a:bodyPr/>
+          <a:lstStyle/>
+          <a:p>
+            <a:fld id="{734BCCD4-CEB1-405B-A443-DD9CBCBEA552}" type="datetime1">
+              <a:rPr lang="en-US" smtClean="0"/>
+              <a:t>2021-12-13</a:t>
+            </a:fld>
+            <a:endParaRPr lang="en-US"/>
+          </a:p>
+        </p:txBody>
+      </p:sp>
+      <p:sp>
+        <p:nvSpPr>
+          <p:cNvPr id="6" name="Footer Placeholder 5"/>
+          <p:cNvSpPr>
+            <a:spLocks noGrp="1"/>
+          </p:cNvSpPr>
+          <p:nvPr>
+            <p:ph type="ftr" sz="quarter" idx="11"/>
+          </p:nvPr>
+        </p:nvSpPr>
+        <p:spPr/>
+        <p:txBody>
+          <a:bodyPr/>
+          <a:lstStyle/>
+          <a:p>
+            <a:endParaRPr lang="en-US" dirty="0"/>
+          </a:p>
+        </p:txBody>
+      </p:sp>
+      <p:sp>
+        <p:nvSpPr>
+          <p:cNvPr id="11" name="Freeform 11"/>
+          <p:cNvSpPr/>
+          <p:nvPr/>
+        </p:nvSpPr>
+        <p:spPr bwMode="auto">
+          <a:xfrm flipV="1">
+            <a:off x="-4189" y="4911725"/>
+            <a:ext cx="1588527" cy="507297"/>
+          </a:xfrm>
+          <a:custGeom>
+            <a:avLst/>
+            <a:gdLst/>
+            <a:ahLst/>
+            <a:cxnLst/>
+            <a:rect l="l" t="t" r="r" b="b"/>
+            <a:pathLst>
+              <a:path w="9248" h="10000">
+                <a:moveTo>
+                  <a:pt x="9248" y="4701"/>
+                </a:moveTo>
+                <a:lnTo>
+                  <a:pt x="7915" y="188"/>
+                </a:lnTo>
+                <a:cubicBezTo>
+                  <a:pt x="7906" y="156"/>
+                  <a:pt x="7895" y="126"/>
+                  <a:pt x="7886" y="94"/>
+                </a:cubicBezTo>
+                <a:cubicBezTo>
+                  <a:pt x="7859" y="0"/>
+                  <a:pt x="7831" y="0"/>
+                  <a:pt x="7803" y="0"/>
+                </a:cubicBezTo>
+                <a:lnTo>
+                  <a:pt x="7275" y="0"/>
+                </a:lnTo>
+                <a:lnTo>
+                  <a:pt x="0" y="70"/>
+                </a:lnTo>
+                <a:cubicBezTo>
+                  <a:pt x="8" y="3380"/>
+                  <a:pt x="17" y="6690"/>
+                  <a:pt x="25" y="10000"/>
+                </a:cubicBezTo>
+                <a:lnTo>
+                  <a:pt x="7275" y="9966"/>
+                </a:lnTo>
+                <a:lnTo>
+                  <a:pt x="7803" y="9966"/>
+                </a:lnTo>
+                <a:cubicBezTo>
+                  <a:pt x="7831" y="9966"/>
+                  <a:pt x="7859" y="9872"/>
+                  <a:pt x="7886" y="9872"/>
+                </a:cubicBezTo>
+                <a:cubicBezTo>
+                  <a:pt x="7886" y="9778"/>
+                  <a:pt x="7915" y="9778"/>
+                  <a:pt x="7915" y="9778"/>
+                </a:cubicBezTo>
+                <a:lnTo>
+                  <a:pt x="9248" y="5265"/>
+                </a:lnTo>
+                <a:cubicBezTo>
+                  <a:pt x="9303" y="5077"/>
+                  <a:pt x="9303" y="4889"/>
+                  <a:pt x="9248" y="4701"/>
+                </a:cubicBezTo>
+                <a:close/>
+              </a:path>
+            </a:pathLst>
+          </a:custGeom>
+          <a:solidFill>
+            <a:schemeClr val="accent1"/>
+          </a:solidFill>
+          <a:ln>
+            <a:noFill/>
+          </a:ln>
+        </p:spPr>
+      </p:sp>
+      <p:sp>
+        <p:nvSpPr>
+          <p:cNvPr id="7" name="Slide Number Placeholder 6"/>
+          <p:cNvSpPr>
+            <a:spLocks noGrp="1"/>
+          </p:cNvSpPr>
+          <p:nvPr>
+            <p:ph type="sldNum" sz="quarter" idx="12"/>
+          </p:nvPr>
+        </p:nvSpPr>
+        <p:spPr>
+          <a:xfrm>
+            <a:off x="531812" y="4983087"/>
+            <a:ext cx="779767" cy="365125"/>
+          </a:xfrm>
+        </p:spPr>
+        <p:txBody>
+          <a:bodyPr/>
+          <a:lstStyle/>
+          <a:p>
+            <a:fld id="{DFDF98CC-160E-494C-8C3C-8CDC5FA257DE}" type="slidenum">
+              <a:rPr lang="en-US" smtClean="0"/>
+              <a:pPr/>
+              <a:t>‹#›</a:t>
+            </a:fld>
+            <a:endParaRPr lang="en-US" dirty="0"/>
+          </a:p>
+        </p:txBody>
+      </p:sp>
+      <p:sp>
+        <p:nvSpPr>
+          <p:cNvPr id="17" name="TextBox 16"/>
+          <p:cNvSpPr txBox="1"/>
+          <p:nvPr/>
+        </p:nvSpPr>
+        <p:spPr>
+          <a:xfrm>
+            <a:off x="2467652" y="648005"/>
+            <a:ext cx="609600" cy="584776"/>
+          </a:xfrm>
+          <a:prstGeom prst="rect">
+            <a:avLst/>
+          </a:prstGeom>
+        </p:spPr>
+        <p:txBody>
+          <a:bodyPr vert="horz" lIns="91440" tIns="45720" rIns="91440" bIns="45720" rtlCol="0" anchor="ctr">
+            <a:noAutofit/>
+          </a:bodyPr>
+          <a:lstStyle/>
+          <a:p>
+            <a:pPr lvl="0"/>
+            <a:r>
+              <a:rPr lang="en-US" sz="8000" baseline="0" dirty="0">
+                <a:ln w="3175" cmpd="sng">
+                  <a:noFill/>
+                </a:ln>
+                <a:solidFill>
+                  <a:schemeClr val="accent1"/>
+                </a:solidFill>
+                <a:effectLst/>
+                <a:latin typeface="Arial"/>
+              </a:rPr>
+              <a:t>“</a:t>
+            </a:r>
+          </a:p>
+        </p:txBody>
+      </p:sp>
+      <p:sp>
+        <p:nvSpPr>
+          <p:cNvPr id="18" name="TextBox 17"/>
+          <p:cNvSpPr txBox="1"/>
+          <p:nvPr/>
+        </p:nvSpPr>
+        <p:spPr>
+          <a:xfrm>
+            <a:off x="11114852" y="2905306"/>
+            <a:ext cx="609600" cy="584776"/>
+          </a:xfrm>
+          <a:prstGeom prst="rect">
+            <a:avLst/>
+          </a:prstGeom>
+        </p:spPr>
+        <p:txBody>
+          <a:bodyPr vert="horz" lIns="91440" tIns="45720" rIns="91440" bIns="45720" rtlCol="0" anchor="ctr">
+            <a:noAutofit/>
+          </a:bodyPr>
+          <a:lstStyle/>
+          <a:p>
+            <a:pPr lvl="0"/>
+            <a:r>
+              <a:rPr lang="en-US" sz="8000" baseline="0" dirty="0">
+                <a:ln w="3175" cmpd="sng">
+                  <a:noFill/>
+                </a:ln>
+                <a:solidFill>
+                  <a:schemeClr val="accent1"/>
+                </a:solidFill>
+                <a:effectLst/>
+                <a:latin typeface="Arial"/>
+              </a:rPr>
+              <a:t>”</a:t>
+            </a:r>
+          </a:p>
+        </p:txBody>
+      </p:sp>
+    </p:spTree>
+    <p:extLst>
+      <p:ext uri="{BB962C8B-B14F-4D97-AF65-F5344CB8AC3E}">
+        <p14:creationId xmlns:p14="http://schemas.microsoft.com/office/powerpoint/2010/main" val="1348623226"/>
+      </p:ext>
+    </p:extLst>
+  </p:cSld>
+  <p:clrMapOvr>
+    <a:masterClrMapping/>
+  </p:clrMapOvr>
+  <p:hf sldNum="0" hdr="0" ftr="0" dt="0"/>
+</p:sldLayout>
+</file>
+
+<file path=ppt/slideLayouts/slideLayout14.xml><?xml version="1.0" encoding="utf-8"?>
+<p:sldLayout xmlns:a="http://schemas.openxmlformats.org/drawingml/2006/main" xmlns:r="http://schemas.openxmlformats.org/officeDocument/2006/relationships" xmlns:p="http://schemas.openxmlformats.org/presentationml/2006/main" preserve="1">
+  <p:cSld name="True or False">
+    <p:spTree>
+      <p:nvGrpSpPr>
+        <p:cNvPr id="1" name=""/>
+        <p:cNvGrpSpPr/>
+        <p:nvPr/>
+      </p:nvGrpSpPr>
+      <p:grpSpPr>
+        <a:xfrm>
+          <a:off x="0" y="0"/>
+          <a:ext cx="0" cy="0"/>
+          <a:chOff x="0" y="0"/>
+          <a:chExt cx="0" cy="0"/>
+        </a:xfrm>
+      </p:grpSpPr>
+      <p:sp>
+        <p:nvSpPr>
+          <p:cNvPr id="2" name="Title 1"/>
+          <p:cNvSpPr>
+            <a:spLocks noGrp="1"/>
+          </p:cNvSpPr>
+          <p:nvPr>
+            <p:ph type="title"/>
+          </p:nvPr>
+        </p:nvSpPr>
+        <p:spPr>
+          <a:xfrm>
+            <a:off x="2589212" y="627407"/>
+            <a:ext cx="8915399" cy="2880020"/>
+          </a:xfrm>
+        </p:spPr>
+        <p:txBody>
+          <a:bodyPr anchor="ctr">
+            <a:normAutofit/>
+          </a:bodyPr>
+          <a:lstStyle>
+            <a:lvl1pPr algn="l">
+              <a:defRPr sz="4800" b="0"/>
+            </a:lvl1pPr>
+          </a:lstStyle>
+          <a:p>
+            <a:r>
+              <a:rPr lang="en-US"/>
+              <a:t>Click to edit Master title style</a:t>
+            </a:r>
+            <a:endParaRPr lang="en-US" dirty="0"/>
+          </a:p>
+        </p:txBody>
+      </p:sp>
+      <p:sp>
+        <p:nvSpPr>
+          <p:cNvPr id="21" name="Text Placeholder 9"/>
+          <p:cNvSpPr>
+            <a:spLocks noGrp="1"/>
+          </p:cNvSpPr>
+          <p:nvPr>
+            <p:ph type="body" sz="quarter" idx="13"/>
+          </p:nvPr>
+        </p:nvSpPr>
+        <p:spPr>
+          <a:xfrm>
+            <a:off x="2589212" y="4343400"/>
+            <a:ext cx="8915400" cy="838200"/>
+          </a:xfrm>
+        </p:spPr>
+        <p:txBody>
+          <a:bodyPr anchor="b">
+            <a:noAutofit/>
+          </a:bodyPr>
+          <a:lstStyle>
+            <a:lvl1pPr marL="0" indent="0">
+              <a:buFontTx/>
+              <a:buNone/>
+              <a:defRPr sz="2400">
+                <a:solidFill>
+                  <a:schemeClr val="accent1"/>
+                </a:solidFill>
+              </a:defRPr>
+            </a:lvl1pPr>
+            <a:lvl2pPr marL="457200" indent="0">
+              <a:buFontTx/>
+              <a:buNone/>
+              <a:defRPr/>
+            </a:lvl2pPr>
+            <a:lvl3pPr marL="914400" indent="0">
+              <a:buFontTx/>
+              <a:buNone/>
+              <a:defRPr/>
+            </a:lvl3pPr>
+            <a:lvl4pPr marL="1371600" indent="0">
+              <a:buFontTx/>
+              <a:buNone/>
+              <a:defRPr/>
+            </a:lvl4pPr>
+            <a:lvl5pPr marL="1828800" indent="0">
+              <a:buFontTx/>
+              <a:buNone/>
+              <a:defRPr/>
+            </a:lvl5pPr>
+          </a:lstStyle>
+          <a:p>
+            <a:pPr lvl="0"/>
+            <a:r>
+              <a:rPr lang="en-US"/>
+              <a:t>Click to edit Master text styles</a:t>
+            </a:r>
+          </a:p>
+        </p:txBody>
+      </p:sp>
+      <p:sp>
+        <p:nvSpPr>
+          <p:cNvPr id="4" name="Text Placeholder 3"/>
+          <p:cNvSpPr>
+            <a:spLocks noGrp="1"/>
+          </p:cNvSpPr>
+          <p:nvPr>
+            <p:ph type="body" sz="half" idx="2"/>
+          </p:nvPr>
+        </p:nvSpPr>
+        <p:spPr>
+          <a:xfrm>
+            <a:off x="2589213" y="5181600"/>
+            <a:ext cx="8915400" cy="729622"/>
+          </a:xfrm>
+        </p:spPr>
+        <p:txBody>
+          <a:bodyPr vert="horz" lIns="91440" tIns="45720" rIns="91440" bIns="45720" rtlCol="0" anchor="t">
+            <a:normAutofit/>
+          </a:bodyPr>
+          <a:lstStyle>
+            <a:lvl1pPr>
+              <a:buNone/>
+              <a:defRPr lang="en-US">
+                <a:solidFill>
+                  <a:schemeClr val="tx1">
+                    <a:lumMod val="65000"/>
+                    <a:lumOff val="35000"/>
+                  </a:schemeClr>
+                </a:solidFill>
+              </a:defRPr>
+            </a:lvl1pPr>
+          </a:lstStyle>
+          <a:p>
+            <a:pPr marL="0" lvl="0" indent="0">
+              <a:buNone/>
+            </a:pPr>
+            <a:r>
+              <a:rPr lang="en-US"/>
+              <a:t>Click to edit Master text styles</a:t>
+            </a:r>
+          </a:p>
+        </p:txBody>
+      </p:sp>
+      <p:sp>
+        <p:nvSpPr>
+          <p:cNvPr id="5" name="Date Placeholder 4"/>
+          <p:cNvSpPr>
+            <a:spLocks noGrp="1"/>
+          </p:cNvSpPr>
+          <p:nvPr>
+            <p:ph type="dt" sz="half" idx="10"/>
+          </p:nvPr>
+        </p:nvSpPr>
+        <p:spPr/>
+        <p:txBody>
+          <a:bodyPr/>
+          <a:lstStyle/>
+          <a:p>
+            <a:fld id="{734BCCD4-CEB1-405B-A443-DD9CBCBEA552}" type="datetime1">
+              <a:rPr lang="en-US" smtClean="0"/>
+              <a:t>2021-12-13</a:t>
+            </a:fld>
+            <a:endParaRPr lang="en-US"/>
+          </a:p>
+        </p:txBody>
+      </p:sp>
+      <p:sp>
+        <p:nvSpPr>
+          <p:cNvPr id="6" name="Footer Placeholder 5"/>
+          <p:cNvSpPr>
+            <a:spLocks noGrp="1"/>
+          </p:cNvSpPr>
+          <p:nvPr>
+            <p:ph type="ftr" sz="quarter" idx="11"/>
+          </p:nvPr>
+        </p:nvSpPr>
+        <p:spPr/>
+        <p:txBody>
+          <a:bodyPr/>
+          <a:lstStyle/>
+          <a:p>
+            <a:endParaRPr lang="en-US" dirty="0"/>
+          </a:p>
+        </p:txBody>
+      </p:sp>
+      <p:sp>
+        <p:nvSpPr>
+          <p:cNvPr id="9" name="Freeform 11"/>
+          <p:cNvSpPr/>
+          <p:nvPr/>
+        </p:nvSpPr>
+        <p:spPr bwMode="auto">
+          <a:xfrm flipV="1">
+            <a:off x="-4189" y="4911725"/>
+            <a:ext cx="1588527" cy="507297"/>
+          </a:xfrm>
+          <a:custGeom>
+            <a:avLst/>
+            <a:gdLst/>
+            <a:ahLst/>
+            <a:cxnLst/>
+            <a:rect l="l" t="t" r="r" b="b"/>
+            <a:pathLst>
+              <a:path w="9248" h="10000">
+                <a:moveTo>
+                  <a:pt x="9248" y="4701"/>
+                </a:moveTo>
+                <a:lnTo>
+                  <a:pt x="7915" y="188"/>
+                </a:lnTo>
+                <a:cubicBezTo>
+                  <a:pt x="7906" y="156"/>
+                  <a:pt x="7895" y="126"/>
+                  <a:pt x="7886" y="94"/>
+                </a:cubicBezTo>
+                <a:cubicBezTo>
+                  <a:pt x="7859" y="0"/>
+                  <a:pt x="7831" y="0"/>
+                  <a:pt x="7803" y="0"/>
+                </a:cubicBezTo>
+                <a:lnTo>
+                  <a:pt x="7275" y="0"/>
+                </a:lnTo>
+                <a:lnTo>
+                  <a:pt x="0" y="70"/>
+                </a:lnTo>
+                <a:cubicBezTo>
+                  <a:pt x="8" y="3380"/>
+                  <a:pt x="17" y="6690"/>
+                  <a:pt x="25" y="10000"/>
+                </a:cubicBezTo>
+                <a:lnTo>
+                  <a:pt x="7275" y="9966"/>
+                </a:lnTo>
+                <a:lnTo>
+                  <a:pt x="7803" y="9966"/>
+                </a:lnTo>
+                <a:cubicBezTo>
+                  <a:pt x="7831" y="9966"/>
+                  <a:pt x="7859" y="9872"/>
+                  <a:pt x="7886" y="9872"/>
+                </a:cubicBezTo>
+                <a:cubicBezTo>
+                  <a:pt x="7886" y="9778"/>
+                  <a:pt x="7915" y="9778"/>
+                  <a:pt x="7915" y="9778"/>
+                </a:cubicBezTo>
+                <a:lnTo>
+                  <a:pt x="9248" y="5265"/>
+                </a:lnTo>
+                <a:cubicBezTo>
+                  <a:pt x="9303" y="5077"/>
+                  <a:pt x="9303" y="4889"/>
+                  <a:pt x="9248" y="4701"/>
+                </a:cubicBezTo>
+                <a:close/>
+              </a:path>
+            </a:pathLst>
+          </a:custGeom>
+          <a:solidFill>
+            <a:schemeClr val="accent1"/>
+          </a:solidFill>
+          <a:ln>
+            <a:noFill/>
+          </a:ln>
+        </p:spPr>
+      </p:sp>
+      <p:sp>
+        <p:nvSpPr>
+          <p:cNvPr id="7" name="Slide Number Placeholder 6"/>
+          <p:cNvSpPr>
+            <a:spLocks noGrp="1"/>
+          </p:cNvSpPr>
+          <p:nvPr>
+            <p:ph type="sldNum" sz="quarter" idx="12"/>
+          </p:nvPr>
+        </p:nvSpPr>
+        <p:spPr>
+          <a:xfrm>
+            <a:off x="531812" y="4983087"/>
+            <a:ext cx="779767" cy="365125"/>
+          </a:xfrm>
+        </p:spPr>
+        <p:txBody>
+          <a:bodyPr/>
+          <a:lstStyle/>
+          <a:p>
+            <a:fld id="{DFDF98CC-160E-494C-8C3C-8CDC5FA257DE}" type="slidenum">
+              <a:rPr lang="en-US" smtClean="0"/>
+              <a:pPr/>
+              <a:t>‹#›</a:t>
+            </a:fld>
+            <a:endParaRPr lang="en-US" dirty="0"/>
+          </a:p>
+        </p:txBody>
+      </p:sp>
+    </p:spTree>
+    <p:extLst>
+      <p:ext uri="{BB962C8B-B14F-4D97-AF65-F5344CB8AC3E}">
+        <p14:creationId xmlns:p14="http://schemas.microsoft.com/office/powerpoint/2010/main" val="1856632060"/>
+      </p:ext>
+    </p:extLst>
+  </p:cSld>
+  <p:clrMapOvr>
+    <a:masterClrMapping/>
+  </p:clrMapOvr>
+  <p:hf sldNum="0" hdr="0" ftr="0" dt="0"/>
+</p:sldLayout>
+</file>
+
+<file path=ppt/slideLayouts/slideLayout15.xml><?xml version="1.0" encoding="utf-8"?>
 <p:sldLayout xmlns:a="http://schemas.openxmlformats.org/drawingml/2006/main" xmlns:r="http://schemas.openxmlformats.org/officeDocument/2006/relationships" xmlns:p="http://schemas.openxmlformats.org/presentationml/2006/main" type="vertTx" preserve="1">
   <p:cSld name="Title and Vertical Text">
     <p:spTree>
@@ -410,13 +2262,7 @@
       </p:grpSpPr>
       <p:sp>
         <p:nvSpPr>
-          <p:cNvPr id="2" name="Title 1">
-            <a:extLst>
-              <a:ext uri="{FF2B5EF4-FFF2-40B4-BE49-F238E27FC236}">
-                <a16:creationId xmlns:a16="http://schemas.microsoft.com/office/drawing/2014/main" id="{63DF6B8E-1D8E-4105-9BBB-D53AD24B7381}"/>
-              </a:ext>
-            </a:extLst>
-          </p:cNvPr>
+          <p:cNvPr id="2" name="Title 1"/>
           <p:cNvSpPr>
             <a:spLocks noGrp="1"/>
           </p:cNvSpPr>
@@ -439,13 +2285,7 @@
       </p:sp>
       <p:sp>
         <p:nvSpPr>
-          <p:cNvPr id="3" name="Vertical Text Placeholder 2">
-            <a:extLst>
-              <a:ext uri="{FF2B5EF4-FFF2-40B4-BE49-F238E27FC236}">
-                <a16:creationId xmlns:a16="http://schemas.microsoft.com/office/drawing/2014/main" id="{03825530-6629-4FEA-9670-EB21A2F5BA4F}"/>
-              </a:ext>
-            </a:extLst>
-          </p:cNvPr>
+          <p:cNvPr id="3" name="Vertical Text Placeholder 2"/>
           <p:cNvSpPr>
             <a:spLocks noGrp="1"/>
           </p:cNvSpPr>
@@ -455,7 +2295,7 @@
         </p:nvSpPr>
         <p:spPr/>
         <p:txBody>
-          <a:bodyPr vert="eaVert"/>
+          <a:bodyPr vert="eaVert" anchor="t"/>
           <a:lstStyle/>
           <a:p>
             <a:pPr lvl="0"/>
@@ -491,18 +2331,13 @@
               <a:rPr lang="en-US"/>
               <a:t>Fifth level</a:t>
             </a:r>
-          </a:p>
-        </p:txBody>
-      </p:sp>
-      <p:sp>
-        <p:nvSpPr>
-          <p:cNvPr id="4" name="Date Placeholder 3">
-            <a:extLst>
-              <a:ext uri="{FF2B5EF4-FFF2-40B4-BE49-F238E27FC236}">
-                <a16:creationId xmlns:a16="http://schemas.microsoft.com/office/drawing/2014/main" id="{DC664C7A-A73F-46F5-BC33-696671DAEEE7}"/>
-              </a:ext>
-            </a:extLst>
-          </p:cNvPr>
+            <a:endParaRPr lang="en-US" dirty="0"/>
+          </a:p>
+        </p:txBody>
+      </p:sp>
+      <p:sp>
+        <p:nvSpPr>
+          <p:cNvPr id="4" name="Date Placeholder 3"/>
           <p:cNvSpPr>
             <a:spLocks noGrp="1"/>
           </p:cNvSpPr>
@@ -515,7 +2350,7 @@
           <a:bodyPr/>
           <a:lstStyle/>
           <a:p>
-            <a:fld id="{1E12F1F0-FE2D-4C1C-B320-8CB9BE735F0F}" type="datetime1">
+            <a:fld id="{734BCCD4-CEB1-405B-A443-DD9CBCBEA552}" type="datetime1">
               <a:rPr lang="en-US" smtClean="0"/>
               <a:t>2021-12-13</a:t>
             </a:fld>
@@ -525,13 +2360,7 @@
       </p:sp>
       <p:sp>
         <p:nvSpPr>
-          <p:cNvPr id="5" name="Footer Placeholder 4">
-            <a:extLst>
-              <a:ext uri="{FF2B5EF4-FFF2-40B4-BE49-F238E27FC236}">
-                <a16:creationId xmlns:a16="http://schemas.microsoft.com/office/drawing/2014/main" id="{512B3CC0-B649-4509-A4B6-DF9D20EFACE6}"/>
-              </a:ext>
-            </a:extLst>
-          </p:cNvPr>
+          <p:cNvPr id="5" name="Footer Placeholder 4"/>
           <p:cNvSpPr>
             <a:spLocks noGrp="1"/>
           </p:cNvSpPr>
@@ -544,19 +2373,95 @@
           <a:bodyPr/>
           <a:lstStyle/>
           <a:p>
-            <a:endParaRPr lang="en-US"/>
-          </a:p>
-        </p:txBody>
-      </p:sp>
-      <p:sp>
-        <p:nvSpPr>
-          <p:cNvPr id="6" name="Slide Number Placeholder 5">
-            <a:extLst>
-              <a:ext uri="{FF2B5EF4-FFF2-40B4-BE49-F238E27FC236}">
-                <a16:creationId xmlns:a16="http://schemas.microsoft.com/office/drawing/2014/main" id="{72CECCCA-3F2A-46F3-BF45-7C862FF1D752}"/>
-              </a:ext>
-            </a:extLst>
-          </p:cNvPr>
+            <a:endParaRPr lang="en-US" dirty="0"/>
+          </a:p>
+        </p:txBody>
+      </p:sp>
+      <p:sp>
+        <p:nvSpPr>
+          <p:cNvPr id="8" name="Freeform 11"/>
+          <p:cNvSpPr/>
+          <p:nvPr/>
+        </p:nvSpPr>
+        <p:spPr bwMode="auto">
+          <a:xfrm flipV="1">
+            <a:off x="-4189" y="714375"/>
+            <a:ext cx="1588527" cy="507297"/>
+          </a:xfrm>
+          <a:custGeom>
+            <a:avLst/>
+            <a:gdLst/>
+            <a:ahLst/>
+            <a:cxnLst/>
+            <a:rect l="l" t="t" r="r" b="b"/>
+            <a:pathLst>
+              <a:path w="9248" h="10000">
+                <a:moveTo>
+                  <a:pt x="9248" y="4701"/>
+                </a:moveTo>
+                <a:lnTo>
+                  <a:pt x="7915" y="188"/>
+                </a:lnTo>
+                <a:cubicBezTo>
+                  <a:pt x="7906" y="156"/>
+                  <a:pt x="7895" y="126"/>
+                  <a:pt x="7886" y="94"/>
+                </a:cubicBezTo>
+                <a:cubicBezTo>
+                  <a:pt x="7859" y="0"/>
+                  <a:pt x="7831" y="0"/>
+                  <a:pt x="7803" y="0"/>
+                </a:cubicBezTo>
+                <a:lnTo>
+                  <a:pt x="7275" y="0"/>
+                </a:lnTo>
+                <a:lnTo>
+                  <a:pt x="0" y="70"/>
+                </a:lnTo>
+                <a:cubicBezTo>
+                  <a:pt x="8" y="3380"/>
+                  <a:pt x="17" y="6690"/>
+                  <a:pt x="25" y="10000"/>
+                </a:cubicBezTo>
+                <a:lnTo>
+                  <a:pt x="7275" y="9966"/>
+                </a:lnTo>
+                <a:lnTo>
+                  <a:pt x="7803" y="9966"/>
+                </a:lnTo>
+                <a:cubicBezTo>
+                  <a:pt x="7831" y="9966"/>
+                  <a:pt x="7859" y="9872"/>
+                  <a:pt x="7886" y="9872"/>
+                </a:cubicBezTo>
+                <a:cubicBezTo>
+                  <a:pt x="7886" y="9778"/>
+                  <a:pt x="7915" y="9778"/>
+                  <a:pt x="7915" y="9778"/>
+                </a:cubicBezTo>
+                <a:lnTo>
+                  <a:pt x="9248" y="5265"/>
+                </a:lnTo>
+                <a:cubicBezTo>
+                  <a:pt x="9303" y="5077"/>
+                  <a:pt x="9303" y="4889"/>
+                  <a:pt x="9248" y="4701"/>
+                </a:cubicBezTo>
+                <a:close/>
+              </a:path>
+            </a:pathLst>
+          </a:custGeom>
+          <a:solidFill>
+            <a:schemeClr val="accent1"/>
+          </a:solidFill>
+          <a:ln>
+            <a:noFill/>
+          </a:ln>
+        </p:spPr>
+      </p:sp>
+      <p:sp>
+        <p:nvSpPr>
+          <p:cNvPr id="6" name="Slide Number Placeholder 5"/>
           <p:cNvSpPr>
             <a:spLocks noGrp="1"/>
           </p:cNvSpPr>
@@ -571,27 +2476,29 @@
           <a:p>
             <a:fld id="{DFDF98CC-160E-494C-8C3C-8CDC5FA257DE}" type="slidenum">
               <a:rPr lang="en-US" smtClean="0"/>
+              <a:pPr/>
               <a:t>‹#›</a:t>
             </a:fld>
-            <a:endParaRPr lang="en-US"/>
+            <a:endParaRPr lang="en-US" dirty="0"/>
           </a:p>
         </p:txBody>
       </p:sp>
     </p:spTree>
     <p:extLst>
       <p:ext uri="{BB962C8B-B14F-4D97-AF65-F5344CB8AC3E}">
-        <p14:creationId xmlns:p14="http://schemas.microsoft.com/office/powerpoint/2010/main" val="2742191260"/>
+        <p14:creationId xmlns:p14="http://schemas.microsoft.com/office/powerpoint/2010/main" val="3258947961"/>
       </p:ext>
     </p:extLst>
   </p:cSld>
   <p:clrMapOvr>
     <a:masterClrMapping/>
   </p:clrMapOvr>
+  <p:hf sldNum="0" hdr="0" ftr="0" dt="0"/>
 </p:sldLayout>
 </file>
 
-<file path=ppt/slideLayouts/slideLayout11.xml><?xml version="1.0" encoding="utf-8"?>
-<p:sldLayout xmlns:a="http://schemas.openxmlformats.org/drawingml/2006/main" xmlns:r="http://schemas.openxmlformats.org/officeDocument/2006/relationships" xmlns:p="http://schemas.openxmlformats.org/presentationml/2006/main" showMasterSp="0" type="vertTitleAndTx" preserve="1">
+<file path=ppt/slideLayouts/slideLayout16.xml><?xml version="1.0" encoding="utf-8"?>
+<p:sldLayout xmlns:a="http://schemas.openxmlformats.org/drawingml/2006/main" xmlns:r="http://schemas.openxmlformats.org/officeDocument/2006/relationships" xmlns:p="http://schemas.openxmlformats.org/presentationml/2006/main" type="vertTitleAndTx" preserve="1">
   <p:cSld name="Vertical Title and Text">
     <p:spTree>
       <p:nvGrpSpPr>
@@ -609,71 +2516,7 @@
       </p:grpSpPr>
       <p:sp>
         <p:nvSpPr>
-          <p:cNvPr id="10" name="Rectangle 9">
-            <a:extLst>
-              <a:ext uri="{FF2B5EF4-FFF2-40B4-BE49-F238E27FC236}">
-                <a16:creationId xmlns:a16="http://schemas.microsoft.com/office/drawing/2014/main" id="{BD7BD47B-C187-494C-812F-46BE0040B915}"/>
-              </a:ext>
-              <a:ext uri="{C183D7F6-B498-43B3-948B-1728B52AA6E4}">
-                <adec:decorative xmlns:adec="http://schemas.microsoft.com/office/drawing/2017/decorative" val="1"/>
-              </a:ext>
-            </a:extLst>
-          </p:cNvPr>
-          <p:cNvSpPr/>
-          <p:nvPr/>
-        </p:nvSpPr>
-        <p:spPr>
-          <a:xfrm>
-            <a:off x="0" y="0"/>
-            <a:ext cx="12188952" cy="6857995"/>
-          </a:xfrm>
-          <a:prstGeom prst="rect">
-            <a:avLst/>
-          </a:prstGeom>
-          <a:solidFill>
-            <a:schemeClr val="bg2">
-              <a:lumMod val="90000"/>
-              <a:alpha val="60000"/>
-            </a:schemeClr>
-          </a:solidFill>
-          <a:ln>
-            <a:noFill/>
-          </a:ln>
-        </p:spPr>
-        <p:style>
-          <a:lnRef idx="2">
-            <a:schemeClr val="accent1">
-              <a:shade val="50000"/>
-            </a:schemeClr>
-          </a:lnRef>
-          <a:fillRef idx="1">
-            <a:schemeClr val="accent1"/>
-          </a:fillRef>
-          <a:effectRef idx="0">
-            <a:schemeClr val="accent1"/>
-          </a:effectRef>
-          <a:fontRef idx="minor">
-            <a:schemeClr val="lt1"/>
-          </a:fontRef>
-        </p:style>
-        <p:txBody>
-          <a:bodyPr rtlCol="0" anchor="ctr"/>
-          <a:lstStyle/>
-          <a:p>
-            <a:pPr algn="ctr"/>
-            <a:endParaRPr lang="en-US" dirty="0"/>
-          </a:p>
-        </p:txBody>
-      </p:sp>
-      <p:sp>
-        <p:nvSpPr>
-          <p:cNvPr id="2" name="Vertical Title 1">
-            <a:extLst>
-              <a:ext uri="{FF2B5EF4-FFF2-40B4-BE49-F238E27FC236}">
-                <a16:creationId xmlns:a16="http://schemas.microsoft.com/office/drawing/2014/main" id="{5A50133B-2446-4168-AA17-6538910668FD}"/>
-              </a:ext>
-            </a:extLst>
-          </p:cNvPr>
+          <p:cNvPr id="2" name="Vertical Title 1"/>
           <p:cNvSpPr>
             <a:spLocks noGrp="1"/>
           </p:cNvSpPr>
@@ -683,12 +2526,12 @@
         </p:nvSpPr>
         <p:spPr>
           <a:xfrm>
-            <a:off x="6662168" y="996791"/>
-            <a:ext cx="5011962" cy="4956928"/>
-          </a:xfrm>
-        </p:spPr>
-        <p:txBody>
-          <a:bodyPr vert="eaVert"/>
+            <a:off x="9294812" y="627405"/>
+            <a:ext cx="2207601" cy="5283817"/>
+          </a:xfrm>
+        </p:spPr>
+        <p:txBody>
+          <a:bodyPr vert="eaVert" anchor="ctr"/>
           <a:lstStyle/>
           <a:p>
             <a:r>
@@ -701,13 +2544,7 @@
       </p:sp>
       <p:sp>
         <p:nvSpPr>
-          <p:cNvPr id="3" name="Vertical Text Placeholder 2">
-            <a:extLst>
-              <a:ext uri="{FF2B5EF4-FFF2-40B4-BE49-F238E27FC236}">
-                <a16:creationId xmlns:a16="http://schemas.microsoft.com/office/drawing/2014/main" id="{C006A9AD-2756-4C51-A958-6756301EB938}"/>
-              </a:ext>
-            </a:extLst>
-          </p:cNvPr>
+          <p:cNvPr id="3" name="Vertical Text Placeholder 2"/>
           <p:cNvSpPr>
             <a:spLocks noGrp="1"/>
           </p:cNvSpPr>
@@ -717,8 +2554,8 @@
         </p:nvSpPr>
         <p:spPr>
           <a:xfrm>
-            <a:off x="517870" y="996791"/>
-            <a:ext cx="5021183" cy="4956928"/>
+            <a:off x="2589212" y="627405"/>
+            <a:ext cx="6477000" cy="5283817"/>
           </a:xfrm>
         </p:spPr>
         <p:txBody>
@@ -764,13 +2601,7 @@
       </p:sp>
       <p:sp>
         <p:nvSpPr>
-          <p:cNvPr id="4" name="Date Placeholder 3">
-            <a:extLst>
-              <a:ext uri="{FF2B5EF4-FFF2-40B4-BE49-F238E27FC236}">
-                <a16:creationId xmlns:a16="http://schemas.microsoft.com/office/drawing/2014/main" id="{1E42995D-CCEA-43AF-973B-8B6B56A567E8}"/>
-              </a:ext>
-            </a:extLst>
-          </p:cNvPr>
+          <p:cNvPr id="4" name="Date Placeholder 3"/>
           <p:cNvSpPr>
             <a:spLocks noGrp="1"/>
           </p:cNvSpPr>
@@ -783,7 +2614,7 @@
           <a:bodyPr/>
           <a:lstStyle/>
           <a:p>
-            <a:fld id="{2CF1B96C-10FD-4EBC-9029-9652B7535D02}" type="datetime1">
+            <a:fld id="{734BCCD4-CEB1-405B-A443-DD9CBCBEA552}" type="datetime1">
               <a:rPr lang="en-US" smtClean="0"/>
               <a:t>2021-12-13</a:t>
             </a:fld>
@@ -793,13 +2624,7 @@
       </p:sp>
       <p:sp>
         <p:nvSpPr>
-          <p:cNvPr id="5" name="Footer Placeholder 4">
-            <a:extLst>
-              <a:ext uri="{FF2B5EF4-FFF2-40B4-BE49-F238E27FC236}">
-                <a16:creationId xmlns:a16="http://schemas.microsoft.com/office/drawing/2014/main" id="{2A4029CF-BA62-4CCD-956E-FFA0B37B8A3D}"/>
-              </a:ext>
-            </a:extLst>
-          </p:cNvPr>
+          <p:cNvPr id="5" name="Footer Placeholder 4"/>
           <p:cNvSpPr>
             <a:spLocks noGrp="1"/>
           </p:cNvSpPr>
@@ -812,19 +2637,95 @@
           <a:bodyPr/>
           <a:lstStyle/>
           <a:p>
-            <a:endParaRPr lang="en-US"/>
-          </a:p>
-        </p:txBody>
-      </p:sp>
-      <p:sp>
-        <p:nvSpPr>
-          <p:cNvPr id="6" name="Slide Number Placeholder 5">
-            <a:extLst>
-              <a:ext uri="{FF2B5EF4-FFF2-40B4-BE49-F238E27FC236}">
-                <a16:creationId xmlns:a16="http://schemas.microsoft.com/office/drawing/2014/main" id="{F2CE0B3D-96AB-41B3-ABDD-5B0DE863DAFC}"/>
-              </a:ext>
-            </a:extLst>
-          </p:cNvPr>
+            <a:endParaRPr lang="en-US" dirty="0"/>
+          </a:p>
+        </p:txBody>
+      </p:sp>
+      <p:sp>
+        <p:nvSpPr>
+          <p:cNvPr id="8" name="Freeform 11"/>
+          <p:cNvSpPr/>
+          <p:nvPr/>
+        </p:nvSpPr>
+        <p:spPr bwMode="auto">
+          <a:xfrm flipV="1">
+            <a:off x="-4189" y="714375"/>
+            <a:ext cx="1588527" cy="507297"/>
+          </a:xfrm>
+          <a:custGeom>
+            <a:avLst/>
+            <a:gdLst/>
+            <a:ahLst/>
+            <a:cxnLst/>
+            <a:rect l="l" t="t" r="r" b="b"/>
+            <a:pathLst>
+              <a:path w="9248" h="10000">
+                <a:moveTo>
+                  <a:pt x="9248" y="4701"/>
+                </a:moveTo>
+                <a:lnTo>
+                  <a:pt x="7915" y="188"/>
+                </a:lnTo>
+                <a:cubicBezTo>
+                  <a:pt x="7906" y="156"/>
+                  <a:pt x="7895" y="126"/>
+                  <a:pt x="7886" y="94"/>
+                </a:cubicBezTo>
+                <a:cubicBezTo>
+                  <a:pt x="7859" y="0"/>
+                  <a:pt x="7831" y="0"/>
+                  <a:pt x="7803" y="0"/>
+                </a:cubicBezTo>
+                <a:lnTo>
+                  <a:pt x="7275" y="0"/>
+                </a:lnTo>
+                <a:lnTo>
+                  <a:pt x="0" y="70"/>
+                </a:lnTo>
+                <a:cubicBezTo>
+                  <a:pt x="8" y="3380"/>
+                  <a:pt x="17" y="6690"/>
+                  <a:pt x="25" y="10000"/>
+                </a:cubicBezTo>
+                <a:lnTo>
+                  <a:pt x="7275" y="9966"/>
+                </a:lnTo>
+                <a:lnTo>
+                  <a:pt x="7803" y="9966"/>
+                </a:lnTo>
+                <a:cubicBezTo>
+                  <a:pt x="7831" y="9966"/>
+                  <a:pt x="7859" y="9872"/>
+                  <a:pt x="7886" y="9872"/>
+                </a:cubicBezTo>
+                <a:cubicBezTo>
+                  <a:pt x="7886" y="9778"/>
+                  <a:pt x="7915" y="9778"/>
+                  <a:pt x="7915" y="9778"/>
+                </a:cubicBezTo>
+                <a:lnTo>
+                  <a:pt x="9248" y="5265"/>
+                </a:lnTo>
+                <a:cubicBezTo>
+                  <a:pt x="9303" y="5077"/>
+                  <a:pt x="9303" y="4889"/>
+                  <a:pt x="9248" y="4701"/>
+                </a:cubicBezTo>
+                <a:close/>
+              </a:path>
+            </a:pathLst>
+          </a:custGeom>
+          <a:solidFill>
+            <a:schemeClr val="accent1"/>
+          </a:solidFill>
+          <a:ln>
+            <a:noFill/>
+          </a:ln>
+        </p:spPr>
+      </p:sp>
+      <p:sp>
+        <p:nvSpPr>
+          <p:cNvPr id="6" name="Slide Number Placeholder 5"/>
           <p:cNvSpPr>
             <a:spLocks noGrp="1"/>
           </p:cNvSpPr>
@@ -839,77 +2740,24 @@
           <a:p>
             <a:fld id="{DFDF98CC-160E-494C-8C3C-8CDC5FA257DE}" type="slidenum">
               <a:rPr lang="en-US" smtClean="0"/>
+              <a:pPr/>
               <a:t>‹#›</a:t>
             </a:fld>
-            <a:endParaRPr lang="en-US"/>
-          </a:p>
-        </p:txBody>
-      </p:sp>
-      <p:sp>
-        <p:nvSpPr>
-          <p:cNvPr id="12" name="Rectangle 11">
-            <a:extLst>
-              <a:ext uri="{FF2B5EF4-FFF2-40B4-BE49-F238E27FC236}">
-                <a16:creationId xmlns:a16="http://schemas.microsoft.com/office/drawing/2014/main" id="{4618136A-0796-46EB-89BB-4C73C0258FE9}"/>
-              </a:ext>
-              <a:ext uri="{C183D7F6-B498-43B3-948B-1728B52AA6E4}">
-                <adec:decorative xmlns:adec="http://schemas.microsoft.com/office/drawing/2017/decorative" val="1"/>
-              </a:ext>
-            </a:extLst>
-          </p:cNvPr>
-          <p:cNvSpPr/>
-          <p:nvPr/>
-        </p:nvSpPr>
-        <p:spPr>
-          <a:xfrm>
-            <a:off x="6662168" y="6209925"/>
-            <a:ext cx="5021183" cy="45719"/>
-          </a:xfrm>
-          <a:prstGeom prst="rect">
-            <a:avLst/>
-          </a:prstGeom>
-          <a:solidFill>
-            <a:schemeClr val="tx1"/>
-          </a:solidFill>
-          <a:ln>
-            <a:noFill/>
-          </a:ln>
-        </p:spPr>
-        <p:style>
-          <a:lnRef idx="2">
-            <a:schemeClr val="accent1">
-              <a:shade val="50000"/>
-            </a:schemeClr>
-          </a:lnRef>
-          <a:fillRef idx="1">
-            <a:schemeClr val="accent1"/>
-          </a:fillRef>
-          <a:effectRef idx="0">
-            <a:schemeClr val="accent1"/>
-          </a:effectRef>
-          <a:fontRef idx="minor">
-            <a:schemeClr val="lt1"/>
-          </a:fontRef>
-        </p:style>
-        <p:txBody>
-          <a:bodyPr rtlCol="0" anchor="ctr"/>
-          <a:lstStyle/>
-          <a:p>
-            <a:pPr algn="ctr"/>
-            <a:endParaRPr lang="en-US"/>
+            <a:endParaRPr lang="en-US" dirty="0"/>
           </a:p>
         </p:txBody>
       </p:sp>
     </p:spTree>
     <p:extLst>
       <p:ext uri="{BB962C8B-B14F-4D97-AF65-F5344CB8AC3E}">
-        <p14:creationId xmlns:p14="http://schemas.microsoft.com/office/powerpoint/2010/main" val="3473441526"/>
+        <p14:creationId xmlns:p14="http://schemas.microsoft.com/office/powerpoint/2010/main" val="525753856"/>
       </p:ext>
     </p:extLst>
   </p:cSld>
   <p:clrMapOvr>
     <a:masterClrMapping/>
   </p:clrMapOvr>
+  <p:hf sldNum="0" hdr="0" ftr="0" dt="0"/>
 </p:sldLayout>
 </file>
 
@@ -932,13 +2780,7 @@
       </p:grpSpPr>
       <p:sp>
         <p:nvSpPr>
-          <p:cNvPr id="2" name="Title 1">
-            <a:extLst>
-              <a:ext uri="{FF2B5EF4-FFF2-40B4-BE49-F238E27FC236}">
-                <a16:creationId xmlns:a16="http://schemas.microsoft.com/office/drawing/2014/main" id="{DD363D8A-C68D-4CF9-9D15-3E09BCC09F66}"/>
-              </a:ext>
-            </a:extLst>
-          </p:cNvPr>
+          <p:cNvPr id="2" name="Title 1"/>
           <p:cNvSpPr>
             <a:spLocks noGrp="1"/>
           </p:cNvSpPr>
@@ -946,7 +2788,12 @@
             <p:ph type="title"/>
           </p:nvPr>
         </p:nvSpPr>
-        <p:spPr/>
+        <p:spPr>
+          <a:xfrm>
+            <a:off x="2592925" y="624110"/>
+            <a:ext cx="8911687" cy="1280890"/>
+          </a:xfrm>
+        </p:spPr>
         <p:txBody>
           <a:bodyPr/>
           <a:lstStyle/>
@@ -961,13 +2808,7 @@
       </p:sp>
       <p:sp>
         <p:nvSpPr>
-          <p:cNvPr id="3" name="Content Placeholder 2">
-            <a:extLst>
-              <a:ext uri="{FF2B5EF4-FFF2-40B4-BE49-F238E27FC236}">
-                <a16:creationId xmlns:a16="http://schemas.microsoft.com/office/drawing/2014/main" id="{8524D94C-E537-4FF3-AAF8-A85F05C31A7E}"/>
-              </a:ext>
-            </a:extLst>
-          </p:cNvPr>
+          <p:cNvPr id="3" name="Content Placeholder 2"/>
           <p:cNvSpPr>
             <a:spLocks noGrp="1"/>
           </p:cNvSpPr>
@@ -975,7 +2816,12 @@
             <p:ph idx="1"/>
           </p:nvPr>
         </p:nvSpPr>
-        <p:spPr/>
+        <p:spPr>
+          <a:xfrm>
+            <a:off x="2589212" y="2133600"/>
+            <a:ext cx="8915400" cy="3777622"/>
+          </a:xfrm>
+        </p:spPr>
         <p:txBody>
           <a:bodyPr/>
           <a:lstStyle/>
@@ -1013,18 +2859,13 @@
               <a:rPr lang="en-US"/>
               <a:t>Fifth level</a:t>
             </a:r>
-          </a:p>
-        </p:txBody>
-      </p:sp>
-      <p:sp>
-        <p:nvSpPr>
-          <p:cNvPr id="4" name="Date Placeholder 3">
-            <a:extLst>
-              <a:ext uri="{FF2B5EF4-FFF2-40B4-BE49-F238E27FC236}">
-                <a16:creationId xmlns:a16="http://schemas.microsoft.com/office/drawing/2014/main" id="{0824B1D4-6731-4993-8609-16C1D3327986}"/>
-              </a:ext>
-            </a:extLst>
-          </p:cNvPr>
+            <a:endParaRPr lang="en-US" dirty="0"/>
+          </a:p>
+        </p:txBody>
+      </p:sp>
+      <p:sp>
+        <p:nvSpPr>
+          <p:cNvPr id="4" name="Date Placeholder 3"/>
           <p:cNvSpPr>
             <a:spLocks noGrp="1"/>
           </p:cNvSpPr>
@@ -1037,7 +2878,7 @@
           <a:bodyPr/>
           <a:lstStyle/>
           <a:p>
-            <a:fld id="{14878474-CC00-4A95-9D50-A41C12D1EEC4}" type="datetime1">
+            <a:fld id="{734BCCD4-CEB1-405B-A443-DD9CBCBEA552}" type="datetime1">
               <a:rPr lang="en-US" smtClean="0"/>
               <a:t>2021-12-13</a:t>
             </a:fld>
@@ -1047,13 +2888,7 @@
       </p:sp>
       <p:sp>
         <p:nvSpPr>
-          <p:cNvPr id="5" name="Footer Placeholder 4">
-            <a:extLst>
-              <a:ext uri="{FF2B5EF4-FFF2-40B4-BE49-F238E27FC236}">
-                <a16:creationId xmlns:a16="http://schemas.microsoft.com/office/drawing/2014/main" id="{3DFB7BBD-CEEB-4256-84B2-6D907E118806}"/>
-              </a:ext>
-            </a:extLst>
-          </p:cNvPr>
+          <p:cNvPr id="5" name="Footer Placeholder 4"/>
           <p:cNvSpPr>
             <a:spLocks noGrp="1"/>
           </p:cNvSpPr>
@@ -1066,19 +2901,95 @@
           <a:bodyPr/>
           <a:lstStyle/>
           <a:p>
-            <a:endParaRPr lang="en-US"/>
-          </a:p>
-        </p:txBody>
-      </p:sp>
-      <p:sp>
-        <p:nvSpPr>
-          <p:cNvPr id="6" name="Slide Number Placeholder 5">
-            <a:extLst>
-              <a:ext uri="{FF2B5EF4-FFF2-40B4-BE49-F238E27FC236}">
-                <a16:creationId xmlns:a16="http://schemas.microsoft.com/office/drawing/2014/main" id="{D972A8B7-F430-4F4A-BB63-481F51E58800}"/>
-              </a:ext>
-            </a:extLst>
-          </p:cNvPr>
+            <a:endParaRPr lang="en-US" dirty="0"/>
+          </a:p>
+        </p:txBody>
+      </p:sp>
+      <p:sp>
+        <p:nvSpPr>
+          <p:cNvPr id="8" name="Freeform 11"/>
+          <p:cNvSpPr/>
+          <p:nvPr/>
+        </p:nvSpPr>
+        <p:spPr bwMode="auto">
+          <a:xfrm flipV="1">
+            <a:off x="-4189" y="714375"/>
+            <a:ext cx="1588527" cy="507297"/>
+          </a:xfrm>
+          <a:custGeom>
+            <a:avLst/>
+            <a:gdLst/>
+            <a:ahLst/>
+            <a:cxnLst/>
+            <a:rect l="l" t="t" r="r" b="b"/>
+            <a:pathLst>
+              <a:path w="9248" h="10000">
+                <a:moveTo>
+                  <a:pt x="9248" y="4701"/>
+                </a:moveTo>
+                <a:lnTo>
+                  <a:pt x="7915" y="188"/>
+                </a:lnTo>
+                <a:cubicBezTo>
+                  <a:pt x="7906" y="156"/>
+                  <a:pt x="7895" y="126"/>
+                  <a:pt x="7886" y="94"/>
+                </a:cubicBezTo>
+                <a:cubicBezTo>
+                  <a:pt x="7859" y="0"/>
+                  <a:pt x="7831" y="0"/>
+                  <a:pt x="7803" y="0"/>
+                </a:cubicBezTo>
+                <a:lnTo>
+                  <a:pt x="7275" y="0"/>
+                </a:lnTo>
+                <a:lnTo>
+                  <a:pt x="0" y="70"/>
+                </a:lnTo>
+                <a:cubicBezTo>
+                  <a:pt x="8" y="3380"/>
+                  <a:pt x="17" y="6690"/>
+                  <a:pt x="25" y="10000"/>
+                </a:cubicBezTo>
+                <a:lnTo>
+                  <a:pt x="7275" y="9966"/>
+                </a:lnTo>
+                <a:lnTo>
+                  <a:pt x="7803" y="9966"/>
+                </a:lnTo>
+                <a:cubicBezTo>
+                  <a:pt x="7831" y="9966"/>
+                  <a:pt x="7859" y="9872"/>
+                  <a:pt x="7886" y="9872"/>
+                </a:cubicBezTo>
+                <a:cubicBezTo>
+                  <a:pt x="7886" y="9778"/>
+                  <a:pt x="7915" y="9778"/>
+                  <a:pt x="7915" y="9778"/>
+                </a:cubicBezTo>
+                <a:lnTo>
+                  <a:pt x="9248" y="5265"/>
+                </a:lnTo>
+                <a:cubicBezTo>
+                  <a:pt x="9303" y="5077"/>
+                  <a:pt x="9303" y="4889"/>
+                  <a:pt x="9248" y="4701"/>
+                </a:cubicBezTo>
+                <a:close/>
+              </a:path>
+            </a:pathLst>
+          </a:custGeom>
+          <a:solidFill>
+            <a:schemeClr val="accent1"/>
+          </a:solidFill>
+          <a:ln>
+            <a:noFill/>
+          </a:ln>
+        </p:spPr>
+      </p:sp>
+      <p:sp>
+        <p:nvSpPr>
+          <p:cNvPr id="6" name="Slide Number Placeholder 5"/>
           <p:cNvSpPr>
             <a:spLocks noGrp="1"/>
           </p:cNvSpPr>
@@ -1093,27 +3004,29 @@
           <a:p>
             <a:fld id="{DFDF98CC-160E-494C-8C3C-8CDC5FA257DE}" type="slidenum">
               <a:rPr lang="en-US" smtClean="0"/>
+              <a:pPr/>
               <a:t>‹#›</a:t>
             </a:fld>
-            <a:endParaRPr lang="en-US"/>
+            <a:endParaRPr lang="en-US" dirty="0"/>
           </a:p>
         </p:txBody>
       </p:sp>
     </p:spTree>
     <p:extLst>
       <p:ext uri="{BB962C8B-B14F-4D97-AF65-F5344CB8AC3E}">
-        <p14:creationId xmlns:p14="http://schemas.microsoft.com/office/powerpoint/2010/main" val="3363214024"/>
+        <p14:creationId xmlns:p14="http://schemas.microsoft.com/office/powerpoint/2010/main" val="1866731129"/>
       </p:ext>
     </p:extLst>
   </p:cSld>
   <p:clrMapOvr>
     <a:masterClrMapping/>
   </p:clrMapOvr>
+  <p:hf sldNum="0" hdr="0" ftr="0" dt="0"/>
 </p:sldLayout>
 </file>
 
 <file path=ppt/slideLayouts/slideLayout3.xml><?xml version="1.0" encoding="utf-8"?>
-<p:sldLayout xmlns:a="http://schemas.openxmlformats.org/drawingml/2006/main" xmlns:r="http://schemas.openxmlformats.org/officeDocument/2006/relationships" xmlns:p="http://schemas.openxmlformats.org/presentationml/2006/main" preserve="1">
+<p:sldLayout xmlns:a="http://schemas.openxmlformats.org/drawingml/2006/main" xmlns:r="http://schemas.openxmlformats.org/officeDocument/2006/relationships" xmlns:p="http://schemas.openxmlformats.org/presentationml/2006/main" type="secHead" preserve="1">
   <p:cSld name="Section Header">
     <p:spTree>
       <p:nvGrpSpPr>
@@ -1131,13 +3044,7 @@
       </p:grpSpPr>
       <p:sp>
         <p:nvSpPr>
-          <p:cNvPr id="2" name="Title 1">
-            <a:extLst>
-              <a:ext uri="{FF2B5EF4-FFF2-40B4-BE49-F238E27FC236}">
-                <a16:creationId xmlns:a16="http://schemas.microsoft.com/office/drawing/2014/main" id="{677BAC1C-A332-4BA5-8C9C-FE0396C81619}"/>
-              </a:ext>
-            </a:extLst>
-          </p:cNvPr>
+          <p:cNvPr id="2" name="Title 1"/>
           <p:cNvSpPr>
             <a:spLocks noGrp="1"/>
           </p:cNvSpPr>
@@ -1147,17 +3054,15 @@
         </p:nvSpPr>
         <p:spPr>
           <a:xfrm>
-            <a:off x="517870" y="978408"/>
-            <a:ext cx="5020056" cy="4870974"/>
-          </a:xfrm>
-        </p:spPr>
-        <p:txBody>
-          <a:bodyPr anchor="t">
-            <a:normAutofit/>
-          </a:bodyPr>
+            <a:off x="2589212" y="2058750"/>
+            <a:ext cx="8915399" cy="1468800"/>
+          </a:xfrm>
+        </p:spPr>
+        <p:txBody>
+          <a:bodyPr anchor="b"/>
           <a:lstStyle>
-            <a:lvl1pPr>
-              <a:defRPr sz="5400"/>
+            <a:lvl1pPr algn="l">
+              <a:defRPr sz="4000" b="0" cap="none"/>
             </a:lvl1pPr>
           </a:lstStyle>
           <a:p>
@@ -1171,13 +3076,7 @@
       </p:sp>
       <p:sp>
         <p:nvSpPr>
-          <p:cNvPr id="3" name="Text Placeholder 2">
-            <a:extLst>
-              <a:ext uri="{FF2B5EF4-FFF2-40B4-BE49-F238E27FC236}">
-                <a16:creationId xmlns:a16="http://schemas.microsoft.com/office/drawing/2014/main" id="{50D8D137-710E-4125-B5E9-F63E7F1C9C9D}"/>
-              </a:ext>
-            </a:extLst>
-          </p:cNvPr>
+          <p:cNvPr id="3" name="Text Placeholder 2"/>
           <p:cNvSpPr>
             <a:spLocks noGrp="1"/>
           </p:cNvSpPr>
@@ -1187,26 +3086,27 @@
         </p:nvSpPr>
         <p:spPr>
           <a:xfrm>
-            <a:off x="6662167" y="3566639"/>
-            <a:ext cx="5021183" cy="2279979"/>
-          </a:xfrm>
-        </p:spPr>
-        <p:txBody>
-          <a:bodyPr anchor="b">
-            <a:normAutofit/>
-          </a:bodyPr>
+            <a:off x="2589212" y="3530129"/>
+            <a:ext cx="8915399" cy="860400"/>
+          </a:xfrm>
+        </p:spPr>
+        <p:txBody>
+          <a:bodyPr anchor="t"/>
           <a:lstStyle>
-            <a:lvl1pPr marL="0" indent="0">
-              <a:buNone/>
-              <a:defRPr sz="2200" i="1">
+            <a:lvl1pPr marL="0" indent="0" algn="l">
+              <a:buNone/>
+              <a:defRPr sz="2000">
                 <a:solidFill>
-                  <a:schemeClr val="tx1"/>
+                  <a:schemeClr val="tx1">
+                    <a:lumMod val="65000"/>
+                    <a:lumOff val="35000"/>
+                  </a:schemeClr>
                 </a:solidFill>
               </a:defRPr>
             </a:lvl1pPr>
             <a:lvl2pPr marL="457200" indent="0">
               <a:buNone/>
-              <a:defRPr sz="2000">
+              <a:defRPr sz="1800">
                 <a:solidFill>
                   <a:schemeClr val="tx1">
                     <a:tint val="75000"/>
@@ -1216,7 +3116,7 @@
             </a:lvl2pPr>
             <a:lvl3pPr marL="914400" indent="0">
               <a:buNone/>
-              <a:defRPr sz="1800">
+              <a:defRPr sz="1600">
                 <a:solidFill>
                   <a:schemeClr val="tx1">
                     <a:tint val="75000"/>
@@ -1226,7 +3126,7 @@
             </a:lvl3pPr>
             <a:lvl4pPr marL="1371600" indent="0">
               <a:buNone/>
-              <a:defRPr sz="1600">
+              <a:defRPr sz="1400">
                 <a:solidFill>
                   <a:schemeClr val="tx1">
                     <a:tint val="75000"/>
@@ -1236,7 +3136,7 @@
             </a:lvl4pPr>
             <a:lvl5pPr marL="1828800" indent="0">
               <a:buNone/>
-              <a:defRPr sz="1600">
+              <a:defRPr sz="1400">
                 <a:solidFill>
                   <a:schemeClr val="tx1">
                     <a:tint val="75000"/>
@@ -1246,7 +3146,7 @@
             </a:lvl5pPr>
             <a:lvl6pPr marL="2286000" indent="0">
               <a:buNone/>
-              <a:defRPr sz="1600">
+              <a:defRPr sz="1400">
                 <a:solidFill>
                   <a:schemeClr val="tx1">
                     <a:tint val="75000"/>
@@ -1256,7 +3156,7 @@
             </a:lvl6pPr>
             <a:lvl7pPr marL="2743200" indent="0">
               <a:buNone/>
-              <a:defRPr sz="1600">
+              <a:defRPr sz="1400">
                 <a:solidFill>
                   <a:schemeClr val="tx1">
                     <a:tint val="75000"/>
@@ -1266,7 +3166,7 @@
             </a:lvl7pPr>
             <a:lvl8pPr marL="3200400" indent="0">
               <a:buNone/>
-              <a:defRPr sz="1600">
+              <a:defRPr sz="1400">
                 <a:solidFill>
                   <a:schemeClr val="tx1">
                     <a:tint val="75000"/>
@@ -1276,7 +3176,7 @@
             </a:lvl8pPr>
             <a:lvl9pPr marL="3657600" indent="0">
               <a:buNone/>
-              <a:defRPr sz="1600">
+              <a:defRPr sz="1400">
                 <a:solidFill>
                   <a:schemeClr val="tx1">
                     <a:tint val="75000"/>
@@ -1296,13 +3196,7 @@
       </p:sp>
       <p:sp>
         <p:nvSpPr>
-          <p:cNvPr id="4" name="Date Placeholder 3">
-            <a:extLst>
-              <a:ext uri="{FF2B5EF4-FFF2-40B4-BE49-F238E27FC236}">
-                <a16:creationId xmlns:a16="http://schemas.microsoft.com/office/drawing/2014/main" id="{6D5480C5-E9A6-425E-B050-03E444BE92C9}"/>
-              </a:ext>
-            </a:extLst>
-          </p:cNvPr>
+          <p:cNvPr id="4" name="Date Placeholder 3"/>
           <p:cNvSpPr>
             <a:spLocks noGrp="1"/>
           </p:cNvSpPr>
@@ -1325,13 +3219,7 @@
       </p:sp>
       <p:sp>
         <p:nvSpPr>
-          <p:cNvPr id="5" name="Footer Placeholder 4">
-            <a:extLst>
-              <a:ext uri="{FF2B5EF4-FFF2-40B4-BE49-F238E27FC236}">
-                <a16:creationId xmlns:a16="http://schemas.microsoft.com/office/drawing/2014/main" id="{951B4831-6C0B-4E0B-A341-91E4C5D36B79}"/>
-              </a:ext>
-            </a:extLst>
-          </p:cNvPr>
+          <p:cNvPr id="5" name="Footer Placeholder 4"/>
           <p:cNvSpPr>
             <a:spLocks noGrp="1"/>
           </p:cNvSpPr>
@@ -1350,13 +3238,89 @@
       </p:sp>
       <p:sp>
         <p:nvSpPr>
-          <p:cNvPr id="6" name="Slide Number Placeholder 5">
-            <a:extLst>
-              <a:ext uri="{FF2B5EF4-FFF2-40B4-BE49-F238E27FC236}">
-                <a16:creationId xmlns:a16="http://schemas.microsoft.com/office/drawing/2014/main" id="{BF011EE6-252D-46DD-94DF-C42657EF2CD9}"/>
-              </a:ext>
-            </a:extLst>
-          </p:cNvPr>
+          <p:cNvPr id="9" name="Freeform 11"/>
+          <p:cNvSpPr/>
+          <p:nvPr/>
+        </p:nvSpPr>
+        <p:spPr bwMode="auto">
+          <a:xfrm flipV="1">
+            <a:off x="-4189" y="3178175"/>
+            <a:ext cx="1588527" cy="507297"/>
+          </a:xfrm>
+          <a:custGeom>
+            <a:avLst/>
+            <a:gdLst/>
+            <a:ahLst/>
+            <a:cxnLst/>
+            <a:rect l="l" t="t" r="r" b="b"/>
+            <a:pathLst>
+              <a:path w="9248" h="10000">
+                <a:moveTo>
+                  <a:pt x="9248" y="4701"/>
+                </a:moveTo>
+                <a:lnTo>
+                  <a:pt x="7915" y="188"/>
+                </a:lnTo>
+                <a:cubicBezTo>
+                  <a:pt x="7906" y="156"/>
+                  <a:pt x="7895" y="126"/>
+                  <a:pt x="7886" y="94"/>
+                </a:cubicBezTo>
+                <a:cubicBezTo>
+                  <a:pt x="7859" y="0"/>
+                  <a:pt x="7831" y="0"/>
+                  <a:pt x="7803" y="0"/>
+                </a:cubicBezTo>
+                <a:lnTo>
+                  <a:pt x="7275" y="0"/>
+                </a:lnTo>
+                <a:lnTo>
+                  <a:pt x="0" y="70"/>
+                </a:lnTo>
+                <a:cubicBezTo>
+                  <a:pt x="8" y="3380"/>
+                  <a:pt x="17" y="6690"/>
+                  <a:pt x="25" y="10000"/>
+                </a:cubicBezTo>
+                <a:lnTo>
+                  <a:pt x="7275" y="9966"/>
+                </a:lnTo>
+                <a:lnTo>
+                  <a:pt x="7803" y="9966"/>
+                </a:lnTo>
+                <a:cubicBezTo>
+                  <a:pt x="7831" y="9966"/>
+                  <a:pt x="7859" y="9872"/>
+                  <a:pt x="7886" y="9872"/>
+                </a:cubicBezTo>
+                <a:cubicBezTo>
+                  <a:pt x="7886" y="9778"/>
+                  <a:pt x="7915" y="9778"/>
+                  <a:pt x="7915" y="9778"/>
+                </a:cubicBezTo>
+                <a:lnTo>
+                  <a:pt x="9248" y="5265"/>
+                </a:lnTo>
+                <a:cubicBezTo>
+                  <a:pt x="9303" y="5077"/>
+                  <a:pt x="9303" y="4889"/>
+                  <a:pt x="9248" y="4701"/>
+                </a:cubicBezTo>
+                <a:close/>
+              </a:path>
+            </a:pathLst>
+          </a:custGeom>
+          <a:solidFill>
+            <a:schemeClr val="accent1"/>
+          </a:solidFill>
+          <a:ln>
+            <a:noFill/>
+          </a:ln>
+        </p:spPr>
+      </p:sp>
+      <p:sp>
+        <p:nvSpPr>
+          <p:cNvPr id="6" name="Slide Number Placeholder 5"/>
           <p:cNvSpPr>
             <a:spLocks noGrp="1"/>
           </p:cNvSpPr>
@@ -1364,7 +3328,12 @@
             <p:ph type="sldNum" sz="quarter" idx="12"/>
           </p:nvPr>
         </p:nvSpPr>
-        <p:spPr/>
+        <p:spPr>
+          <a:xfrm>
+            <a:off x="531812" y="3244139"/>
+            <a:ext cx="779767" cy="365125"/>
+          </a:xfrm>
+        </p:spPr>
         <p:txBody>
           <a:bodyPr/>
           <a:lstStyle/>
@@ -1380,7 +3349,7 @@
     </p:spTree>
     <p:extLst>
       <p:ext uri="{BB962C8B-B14F-4D97-AF65-F5344CB8AC3E}">
-        <p14:creationId xmlns:p14="http://schemas.microsoft.com/office/powerpoint/2010/main" val="2576871222"/>
+        <p14:creationId xmlns:p14="http://schemas.microsoft.com/office/powerpoint/2010/main" val="3352966705"/>
       </p:ext>
     </p:extLst>
   </p:cSld>
@@ -1409,13 +3378,7 @@
       </p:grpSpPr>
       <p:sp>
         <p:nvSpPr>
-          <p:cNvPr id="2" name="Title 1">
-            <a:extLst>
-              <a:ext uri="{FF2B5EF4-FFF2-40B4-BE49-F238E27FC236}">
-                <a16:creationId xmlns:a16="http://schemas.microsoft.com/office/drawing/2014/main" id="{5B604B06-C54A-4B7B-B6D1-436428EAF8E2}"/>
-              </a:ext>
-            </a:extLst>
-          </p:cNvPr>
+          <p:cNvPr id="8" name="Title 7"/>
           <p:cNvSpPr>
             <a:spLocks noGrp="1"/>
           </p:cNvSpPr>
@@ -1423,12 +3386,7 @@
             <p:ph type="title"/>
           </p:nvPr>
         </p:nvSpPr>
-        <p:spPr>
-          <a:xfrm>
-            <a:off x="517870" y="978408"/>
-            <a:ext cx="5021182" cy="5207699"/>
-          </a:xfrm>
-        </p:spPr>
+        <p:spPr/>
         <p:txBody>
           <a:bodyPr/>
           <a:lstStyle/>
@@ -1443,13 +3401,7 @@
       </p:sp>
       <p:sp>
         <p:nvSpPr>
-          <p:cNvPr id="3" name="Content Placeholder 2">
-            <a:extLst>
-              <a:ext uri="{FF2B5EF4-FFF2-40B4-BE49-F238E27FC236}">
-                <a16:creationId xmlns:a16="http://schemas.microsoft.com/office/drawing/2014/main" id="{E5723919-9A2F-4D97-8F31-6E35BD5975B0}"/>
-              </a:ext>
-            </a:extLst>
-          </p:cNvPr>
+          <p:cNvPr id="3" name="Content Placeholder 2"/>
           <p:cNvSpPr>
             <a:spLocks noGrp="1"/>
           </p:cNvSpPr>
@@ -1459,12 +3411,14 @@
         </p:nvSpPr>
         <p:spPr>
           <a:xfrm>
-            <a:off x="6063049" y="969264"/>
-            <a:ext cx="5290751" cy="2555114"/>
-          </a:xfrm>
-        </p:spPr>
-        <p:txBody>
-          <a:bodyPr/>
+            <a:off x="2589212" y="2133600"/>
+            <a:ext cx="4313864" cy="3777622"/>
+          </a:xfrm>
+        </p:spPr>
+        <p:txBody>
+          <a:bodyPr>
+            <a:normAutofit/>
+          </a:bodyPr>
           <a:lstStyle/>
           <a:p>
             <a:pPr lvl="0"/>
@@ -1506,13 +3460,7 @@
       </p:sp>
       <p:sp>
         <p:nvSpPr>
-          <p:cNvPr id="4" name="Content Placeholder 3">
-            <a:extLst>
-              <a:ext uri="{FF2B5EF4-FFF2-40B4-BE49-F238E27FC236}">
-                <a16:creationId xmlns:a16="http://schemas.microsoft.com/office/drawing/2014/main" id="{7F8DA345-F684-4BAA-A22C-E725B3A6037F}"/>
-              </a:ext>
-            </a:extLst>
-          </p:cNvPr>
+          <p:cNvPr id="4" name="Content Placeholder 3"/>
           <p:cNvSpPr>
             <a:spLocks noGrp="1"/>
           </p:cNvSpPr>
@@ -1522,12 +3470,14 @@
         </p:nvSpPr>
         <p:spPr>
           <a:xfrm>
-            <a:off x="6063049" y="3621849"/>
-            <a:ext cx="5290751" cy="2555114"/>
-          </a:xfrm>
-        </p:spPr>
-        <p:txBody>
-          <a:bodyPr/>
+            <a:off x="7190747" y="2126222"/>
+            <a:ext cx="4313864" cy="3777622"/>
+          </a:xfrm>
+        </p:spPr>
+        <p:txBody>
+          <a:bodyPr>
+            <a:normAutofit/>
+          </a:bodyPr>
           <a:lstStyle/>
           <a:p>
             <a:pPr lvl="0"/>
@@ -1563,18 +3513,13 @@
               <a:rPr lang="en-US"/>
               <a:t>Fifth level</a:t>
             </a:r>
-          </a:p>
-        </p:txBody>
-      </p:sp>
-      <p:sp>
-        <p:nvSpPr>
-          <p:cNvPr id="5" name="Date Placeholder 4">
-            <a:extLst>
-              <a:ext uri="{FF2B5EF4-FFF2-40B4-BE49-F238E27FC236}">
-                <a16:creationId xmlns:a16="http://schemas.microsoft.com/office/drawing/2014/main" id="{96399C52-9753-45D8-9646-CF31BB01577C}"/>
-              </a:ext>
-            </a:extLst>
-          </p:cNvPr>
+            <a:endParaRPr lang="en-US" dirty="0"/>
+          </a:p>
+        </p:txBody>
+      </p:sp>
+      <p:sp>
+        <p:nvSpPr>
+          <p:cNvPr id="5" name="Date Placeholder 4"/>
           <p:cNvSpPr>
             <a:spLocks noGrp="1"/>
           </p:cNvSpPr>
@@ -1587,7 +3532,7 @@
           <a:bodyPr/>
           <a:lstStyle/>
           <a:p>
-            <a:fld id="{2BB8EE20-A5E2-47D3-8F6D-A2BA7AB2E093}" type="datetime1">
+            <a:fld id="{734BCCD4-CEB1-405B-A443-DD9CBCBEA552}" type="datetime1">
               <a:rPr lang="en-US" smtClean="0"/>
               <a:t>2021-12-13</a:t>
             </a:fld>
@@ -1597,13 +3542,7 @@
       </p:sp>
       <p:sp>
         <p:nvSpPr>
-          <p:cNvPr id="6" name="Footer Placeholder 5">
-            <a:extLst>
-              <a:ext uri="{FF2B5EF4-FFF2-40B4-BE49-F238E27FC236}">
-                <a16:creationId xmlns:a16="http://schemas.microsoft.com/office/drawing/2014/main" id="{C2F95E57-622C-4199-940E-F5462E1AC44A}"/>
-              </a:ext>
-            </a:extLst>
-          </p:cNvPr>
+          <p:cNvPr id="6" name="Footer Placeholder 5"/>
           <p:cNvSpPr>
             <a:spLocks noGrp="1"/>
           </p:cNvSpPr>
@@ -1616,19 +3555,95 @@
           <a:bodyPr/>
           <a:lstStyle/>
           <a:p>
-            <a:endParaRPr lang="en-US"/>
-          </a:p>
-        </p:txBody>
-      </p:sp>
-      <p:sp>
-        <p:nvSpPr>
-          <p:cNvPr id="7" name="Slide Number Placeholder 6">
-            <a:extLst>
-              <a:ext uri="{FF2B5EF4-FFF2-40B4-BE49-F238E27FC236}">
-                <a16:creationId xmlns:a16="http://schemas.microsoft.com/office/drawing/2014/main" id="{201B7592-00E8-41EF-B749-2A5EA8E460DA}"/>
-              </a:ext>
-            </a:extLst>
-          </p:cNvPr>
+            <a:endParaRPr lang="en-US" dirty="0"/>
+          </a:p>
+        </p:txBody>
+      </p:sp>
+      <p:sp>
+        <p:nvSpPr>
+          <p:cNvPr id="10" name="Freeform 11"/>
+          <p:cNvSpPr/>
+          <p:nvPr/>
+        </p:nvSpPr>
+        <p:spPr bwMode="auto">
+          <a:xfrm flipV="1">
+            <a:off x="-4189" y="714375"/>
+            <a:ext cx="1588527" cy="507297"/>
+          </a:xfrm>
+          <a:custGeom>
+            <a:avLst/>
+            <a:gdLst/>
+            <a:ahLst/>
+            <a:cxnLst/>
+            <a:rect l="l" t="t" r="r" b="b"/>
+            <a:pathLst>
+              <a:path w="9248" h="10000">
+                <a:moveTo>
+                  <a:pt x="9248" y="4701"/>
+                </a:moveTo>
+                <a:lnTo>
+                  <a:pt x="7915" y="188"/>
+                </a:lnTo>
+                <a:cubicBezTo>
+                  <a:pt x="7906" y="156"/>
+                  <a:pt x="7895" y="126"/>
+                  <a:pt x="7886" y="94"/>
+                </a:cubicBezTo>
+                <a:cubicBezTo>
+                  <a:pt x="7859" y="0"/>
+                  <a:pt x="7831" y="0"/>
+                  <a:pt x="7803" y="0"/>
+                </a:cubicBezTo>
+                <a:lnTo>
+                  <a:pt x="7275" y="0"/>
+                </a:lnTo>
+                <a:lnTo>
+                  <a:pt x="0" y="70"/>
+                </a:lnTo>
+                <a:cubicBezTo>
+                  <a:pt x="8" y="3380"/>
+                  <a:pt x="17" y="6690"/>
+                  <a:pt x="25" y="10000"/>
+                </a:cubicBezTo>
+                <a:lnTo>
+                  <a:pt x="7275" y="9966"/>
+                </a:lnTo>
+                <a:lnTo>
+                  <a:pt x="7803" y="9966"/>
+                </a:lnTo>
+                <a:cubicBezTo>
+                  <a:pt x="7831" y="9966"/>
+                  <a:pt x="7859" y="9872"/>
+                  <a:pt x="7886" y="9872"/>
+                </a:cubicBezTo>
+                <a:cubicBezTo>
+                  <a:pt x="7886" y="9778"/>
+                  <a:pt x="7915" y="9778"/>
+                  <a:pt x="7915" y="9778"/>
+                </a:cubicBezTo>
+                <a:lnTo>
+                  <a:pt x="9248" y="5265"/>
+                </a:lnTo>
+                <a:cubicBezTo>
+                  <a:pt x="9303" y="5077"/>
+                  <a:pt x="9303" y="4889"/>
+                  <a:pt x="9248" y="4701"/>
+                </a:cubicBezTo>
+                <a:close/>
+              </a:path>
+            </a:pathLst>
+          </a:custGeom>
+          <a:solidFill>
+            <a:schemeClr val="accent1"/>
+          </a:solidFill>
+          <a:ln>
+            <a:noFill/>
+          </a:ln>
+        </p:spPr>
+      </p:sp>
+      <p:sp>
+        <p:nvSpPr>
+          <p:cNvPr id="11" name="Slide Number Placeholder 5"/>
           <p:cNvSpPr>
             <a:spLocks noGrp="1"/>
           </p:cNvSpPr>
@@ -1636,34 +3651,41 @@
             <p:ph type="sldNum" sz="quarter" idx="12"/>
           </p:nvPr>
         </p:nvSpPr>
-        <p:spPr/>
+        <p:spPr>
+          <a:xfrm>
+            <a:off x="531812" y="787782"/>
+            <a:ext cx="779767" cy="365125"/>
+          </a:xfrm>
+        </p:spPr>
         <p:txBody>
           <a:bodyPr/>
           <a:lstStyle/>
           <a:p>
             <a:fld id="{DFDF98CC-160E-494C-8C3C-8CDC5FA257DE}" type="slidenum">
               <a:rPr lang="en-US" smtClean="0"/>
+              <a:pPr/>
               <a:t>‹#›</a:t>
             </a:fld>
-            <a:endParaRPr lang="en-US"/>
+            <a:endParaRPr lang="en-US" dirty="0"/>
           </a:p>
         </p:txBody>
       </p:sp>
     </p:spTree>
     <p:extLst>
       <p:ext uri="{BB962C8B-B14F-4D97-AF65-F5344CB8AC3E}">
-        <p14:creationId xmlns:p14="http://schemas.microsoft.com/office/powerpoint/2010/main" val="241781492"/>
+        <p14:creationId xmlns:p14="http://schemas.microsoft.com/office/powerpoint/2010/main" val="458511123"/>
       </p:ext>
     </p:extLst>
   </p:cSld>
   <p:clrMapOvr>
     <a:masterClrMapping/>
   </p:clrMapOvr>
+  <p:hf sldNum="0" hdr="0" ftr="0" dt="0"/>
 </p:sldLayout>
 </file>
 
 <file path=ppt/slideLayouts/slideLayout5.xml><?xml version="1.0" encoding="utf-8"?>
-<p:sldLayout xmlns:a="http://schemas.openxmlformats.org/drawingml/2006/main" xmlns:r="http://schemas.openxmlformats.org/officeDocument/2006/relationships" xmlns:p="http://schemas.openxmlformats.org/presentationml/2006/main" showMasterSp="0" type="twoTxTwoObj" preserve="1">
+<p:sldLayout xmlns:a="http://schemas.openxmlformats.org/drawingml/2006/main" xmlns:r="http://schemas.openxmlformats.org/officeDocument/2006/relationships" xmlns:p="http://schemas.openxmlformats.org/presentationml/2006/main" type="twoTxTwoObj" preserve="1">
   <p:cSld name="Comparison">
     <p:spTree>
       <p:nvGrpSpPr>
@@ -1681,147 +3703,7 @@
       </p:grpSpPr>
       <p:sp>
         <p:nvSpPr>
-          <p:cNvPr id="11" name="Rectangle 10">
-            <a:extLst>
-              <a:ext uri="{FF2B5EF4-FFF2-40B4-BE49-F238E27FC236}">
-                <a16:creationId xmlns:a16="http://schemas.microsoft.com/office/drawing/2014/main" id="{BF4AA536-072F-4374-926E-17E038EC7E98}"/>
-              </a:ext>
-              <a:ext uri="{C183D7F6-B498-43B3-948B-1728B52AA6E4}">
-                <adec:decorative xmlns:adec="http://schemas.microsoft.com/office/drawing/2017/decorative" val="1"/>
-              </a:ext>
-            </a:extLst>
-          </p:cNvPr>
-          <p:cNvSpPr/>
-          <p:nvPr/>
-        </p:nvSpPr>
-        <p:spPr>
-          <a:xfrm>
-            <a:off x="0" y="0"/>
-            <a:ext cx="12188952" cy="6857995"/>
-          </a:xfrm>
-          <a:prstGeom prst="rect">
-            <a:avLst/>
-          </a:prstGeom>
-          <a:solidFill>
-            <a:schemeClr val="bg2">
-              <a:lumMod val="90000"/>
-              <a:alpha val="40000"/>
-            </a:schemeClr>
-          </a:solidFill>
-          <a:ln>
-            <a:noFill/>
-          </a:ln>
-        </p:spPr>
-        <p:style>
-          <a:lnRef idx="2">
-            <a:schemeClr val="accent1">
-              <a:shade val="50000"/>
-            </a:schemeClr>
-          </a:lnRef>
-          <a:fillRef idx="1">
-            <a:schemeClr val="accent1"/>
-          </a:fillRef>
-          <a:effectRef idx="0">
-            <a:schemeClr val="accent1"/>
-          </a:effectRef>
-          <a:fontRef idx="minor">
-            <a:schemeClr val="lt1"/>
-          </a:fontRef>
-        </p:style>
-        <p:txBody>
-          <a:bodyPr rtlCol="0" anchor="ctr"/>
-          <a:lstStyle/>
-          <a:p>
-            <a:pPr algn="ctr"/>
-            <a:endParaRPr lang="en-US" b="0" cap="none" spc="0" dirty="0">
-              <a:ln w="0"/>
-              <a:solidFill>
-                <a:schemeClr val="tx1"/>
-              </a:solidFill>
-              <a:effectLst>
-                <a:outerShdw blurRad="38100" dist="19050" dir="2700000" algn="tl" rotWithShape="0">
-                  <a:schemeClr val="dk1">
-                    <a:alpha val="40000"/>
-                  </a:schemeClr>
-                </a:outerShdw>
-              </a:effectLst>
-            </a:endParaRPr>
-          </a:p>
-        </p:txBody>
-      </p:sp>
-      <p:sp>
-        <p:nvSpPr>
-          <p:cNvPr id="13" name="Rectangle 12">
-            <a:extLst>
-              <a:ext uri="{FF2B5EF4-FFF2-40B4-BE49-F238E27FC236}">
-                <a16:creationId xmlns:a16="http://schemas.microsoft.com/office/drawing/2014/main" id="{A2291277-967B-4176-B40B-9EC360626994}"/>
-              </a:ext>
-            </a:extLst>
-          </p:cNvPr>
-          <p:cNvSpPr/>
-          <p:nvPr/>
-        </p:nvSpPr>
-        <p:spPr>
-          <a:xfrm>
-            <a:off x="517869" y="508090"/>
-            <a:ext cx="11155680" cy="149279"/>
-          </a:xfrm>
-          <a:prstGeom prst="rect">
-            <a:avLst/>
-          </a:prstGeom>
-          <a:solidFill>
-            <a:schemeClr val="tx1"/>
-          </a:solidFill>
-          <a:ln>
-            <a:noFill/>
-          </a:ln>
-        </p:spPr>
-        <p:style>
-          <a:lnRef idx="2">
-            <a:schemeClr val="accent1">
-              <a:shade val="50000"/>
-            </a:schemeClr>
-          </a:lnRef>
-          <a:fillRef idx="1">
-            <a:schemeClr val="accent1"/>
-          </a:fillRef>
-          <a:effectRef idx="0">
-            <a:schemeClr val="accent1"/>
-          </a:effectRef>
-          <a:fontRef idx="minor">
-            <a:schemeClr val="lt1"/>
-          </a:fontRef>
-        </p:style>
-        <p:txBody>
-          <a:bodyPr rtlCol="0" anchor="ctr"/>
-          <a:lstStyle/>
-          <a:p>
-            <a:pPr algn="ctr"/>
-            <a:endParaRPr lang="en-US" b="0" cap="none" spc="0">
-              <a:ln w="0"/>
-              <a:solidFill>
-                <a:schemeClr val="tx1"/>
-              </a:solidFill>
-              <a:effectLst>
-                <a:outerShdw blurRad="38100" dist="19050" dir="2700000" algn="tl" rotWithShape="0">
-                  <a:schemeClr val="dk1">
-                    <a:alpha val="40000"/>
-                  </a:schemeClr>
-                </a:outerShdw>
-              </a:effectLst>
-            </a:endParaRPr>
-          </a:p>
-        </p:txBody>
-      </p:sp>
-      <p:sp>
-        <p:nvSpPr>
-          <p:cNvPr id="2" name="Title 1">
-            <a:extLst>
-              <a:ext uri="{FF2B5EF4-FFF2-40B4-BE49-F238E27FC236}">
-                <a16:creationId xmlns:a16="http://schemas.microsoft.com/office/drawing/2014/main" id="{FCB11C00-F7CB-4484-807A-D12745CD3CC8}"/>
-              </a:ext>
-            </a:extLst>
-          </p:cNvPr>
+          <p:cNvPr id="10" name="Title 13"/>
           <p:cNvSpPr>
             <a:spLocks noGrp="1"/>
           </p:cNvSpPr>
@@ -1829,12 +3711,7 @@
             <p:ph type="title"/>
           </p:nvPr>
         </p:nvSpPr>
-        <p:spPr>
-          <a:xfrm>
-            <a:off x="517869" y="978119"/>
-            <a:ext cx="11165481" cy="1073056"/>
-          </a:xfrm>
-        </p:spPr>
+        <p:spPr/>
         <p:txBody>
           <a:bodyPr/>
           <a:lstStyle/>
@@ -1849,13 +3726,7 @@
       </p:sp>
       <p:sp>
         <p:nvSpPr>
-          <p:cNvPr id="3" name="Text Placeholder 2">
-            <a:extLst>
-              <a:ext uri="{FF2B5EF4-FFF2-40B4-BE49-F238E27FC236}">
-                <a16:creationId xmlns:a16="http://schemas.microsoft.com/office/drawing/2014/main" id="{30FAAA6E-E243-48B3-9585-3C1420B3E19F}"/>
-              </a:ext>
-            </a:extLst>
-          </p:cNvPr>
+          <p:cNvPr id="3" name="Text Placeholder 2"/>
           <p:cNvSpPr>
             <a:spLocks noGrp="1"/>
           </p:cNvSpPr>
@@ -1865,18 +3736,18 @@
         </p:nvSpPr>
         <p:spPr>
           <a:xfrm>
-            <a:off x="517870" y="2178908"/>
-            <a:ext cx="5020056" cy="654908"/>
+            <a:off x="2939373" y="1972703"/>
+            <a:ext cx="3992732" cy="576262"/>
           </a:xfrm>
         </p:spPr>
         <p:txBody>
           <a:bodyPr anchor="b">
-            <a:normAutofit/>
+            <a:noAutofit/>
           </a:bodyPr>
           <a:lstStyle>
             <a:lvl1pPr marL="0" indent="0">
               <a:buNone/>
-              <a:defRPr sz="2200" b="0" i="1"/>
+              <a:defRPr sz="2400" b="0"/>
             </a:lvl1pPr>
             <a:lvl2pPr marL="457200" indent="0">
               <a:buNone/>
@@ -1922,13 +3793,7 @@
       </p:sp>
       <p:sp>
         <p:nvSpPr>
-          <p:cNvPr id="4" name="Content Placeholder 3">
-            <a:extLst>
-              <a:ext uri="{FF2B5EF4-FFF2-40B4-BE49-F238E27FC236}">
-                <a16:creationId xmlns:a16="http://schemas.microsoft.com/office/drawing/2014/main" id="{46ED01B8-0F2E-41A4-B21C-334393F6A677}"/>
-              </a:ext>
-            </a:extLst>
-          </p:cNvPr>
+          <p:cNvPr id="4" name="Content Placeholder 3"/>
           <p:cNvSpPr>
             <a:spLocks noGrp="1"/>
           </p:cNvSpPr>
@@ -1938,12 +3803,14 @@
         </p:nvSpPr>
         <p:spPr>
           <a:xfrm>
-            <a:off x="517870" y="2876085"/>
-            <a:ext cx="5020056" cy="3322895"/>
-          </a:xfrm>
-        </p:spPr>
-        <p:txBody>
-          <a:bodyPr/>
+            <a:off x="2589212" y="2548966"/>
+            <a:ext cx="4342893" cy="3354060"/>
+          </a:xfrm>
+        </p:spPr>
+        <p:txBody>
+          <a:bodyPr>
+            <a:normAutofit/>
+          </a:bodyPr>
           <a:lstStyle/>
           <a:p>
             <a:pPr lvl="0"/>
@@ -1985,13 +3852,7 @@
       </p:sp>
       <p:sp>
         <p:nvSpPr>
-          <p:cNvPr id="5" name="Text Placeholder 4">
-            <a:extLst>
-              <a:ext uri="{FF2B5EF4-FFF2-40B4-BE49-F238E27FC236}">
-                <a16:creationId xmlns:a16="http://schemas.microsoft.com/office/drawing/2014/main" id="{9A89B23F-3E60-415A-9CE7-0928B5CFB2B3}"/>
-              </a:ext>
-            </a:extLst>
-          </p:cNvPr>
+          <p:cNvPr id="5" name="Text Placeholder 4"/>
           <p:cNvSpPr>
             <a:spLocks noGrp="1"/>
           </p:cNvSpPr>
@@ -2001,18 +3862,18 @@
         </p:nvSpPr>
         <p:spPr>
           <a:xfrm>
-            <a:off x="6662168" y="2178908"/>
-            <a:ext cx="5021182" cy="654908"/>
+            <a:off x="7506629" y="1969475"/>
+            <a:ext cx="3999001" cy="576262"/>
           </a:xfrm>
         </p:spPr>
         <p:txBody>
           <a:bodyPr anchor="b">
-            <a:normAutofit/>
+            <a:noAutofit/>
           </a:bodyPr>
           <a:lstStyle>
             <a:lvl1pPr marL="0" indent="0">
               <a:buNone/>
-              <a:defRPr sz="2200" b="0" i="1"/>
+              <a:defRPr sz="2400" b="0"/>
             </a:lvl1pPr>
             <a:lvl2pPr marL="457200" indent="0">
               <a:buNone/>
@@ -2058,13 +3919,7 @@
       </p:sp>
       <p:sp>
         <p:nvSpPr>
-          <p:cNvPr id="6" name="Content Placeholder 5">
-            <a:extLst>
-              <a:ext uri="{FF2B5EF4-FFF2-40B4-BE49-F238E27FC236}">
-                <a16:creationId xmlns:a16="http://schemas.microsoft.com/office/drawing/2014/main" id="{A0223446-0CDC-402B-8D71-D9D29F6DFFCC}"/>
-              </a:ext>
-            </a:extLst>
-          </p:cNvPr>
+          <p:cNvPr id="6" name="Content Placeholder 5"/>
           <p:cNvSpPr>
             <a:spLocks noGrp="1"/>
           </p:cNvSpPr>
@@ -2074,12 +3929,14 @@
         </p:nvSpPr>
         <p:spPr>
           <a:xfrm>
-            <a:off x="6662168" y="2876085"/>
-            <a:ext cx="5021182" cy="3322895"/>
-          </a:xfrm>
-        </p:spPr>
-        <p:txBody>
-          <a:bodyPr/>
+            <a:off x="7166957" y="2545738"/>
+            <a:ext cx="4338674" cy="3354060"/>
+          </a:xfrm>
+        </p:spPr>
+        <p:txBody>
+          <a:bodyPr>
+            <a:normAutofit/>
+          </a:bodyPr>
           <a:lstStyle/>
           <a:p>
             <a:pPr lvl="0"/>
@@ -2121,13 +3978,7 @@
       </p:sp>
       <p:sp>
         <p:nvSpPr>
-          <p:cNvPr id="7" name="Date Placeholder 6">
-            <a:extLst>
-              <a:ext uri="{FF2B5EF4-FFF2-40B4-BE49-F238E27FC236}">
-                <a16:creationId xmlns:a16="http://schemas.microsoft.com/office/drawing/2014/main" id="{002B77D3-C6EC-4FFD-9E10-24E1AC542019}"/>
-              </a:ext>
-            </a:extLst>
-          </p:cNvPr>
+          <p:cNvPr id="7" name="Date Placeholder 6"/>
           <p:cNvSpPr>
             <a:spLocks noGrp="1"/>
           </p:cNvSpPr>
@@ -2135,17 +3986,12 @@
             <p:ph type="dt" sz="half" idx="10"/>
           </p:nvPr>
         </p:nvSpPr>
-        <p:spPr>
-          <a:xfrm>
-            <a:off x="517870" y="6420414"/>
-            <a:ext cx="2743200" cy="365125"/>
-          </a:xfrm>
-        </p:spPr>
+        <p:spPr/>
         <p:txBody>
           <a:bodyPr/>
           <a:lstStyle/>
           <a:p>
-            <a:fld id="{3382CF99-132F-413F-B7EF-71A5C33F2ED6}" type="datetime1">
+            <a:fld id="{734BCCD4-CEB1-405B-A443-DD9CBCBEA552}" type="datetime1">
               <a:rPr lang="en-US" smtClean="0"/>
               <a:t>2021-12-13</a:t>
             </a:fld>
@@ -2155,13 +4001,7 @@
       </p:sp>
       <p:sp>
         <p:nvSpPr>
-          <p:cNvPr id="8" name="Footer Placeholder 7">
-            <a:extLst>
-              <a:ext uri="{FF2B5EF4-FFF2-40B4-BE49-F238E27FC236}">
-                <a16:creationId xmlns:a16="http://schemas.microsoft.com/office/drawing/2014/main" id="{209DF31B-BD07-4DC2-95C2-B77E51AAEFF7}"/>
-              </a:ext>
-            </a:extLst>
-          </p:cNvPr>
+          <p:cNvPr id="8" name="Footer Placeholder 7"/>
           <p:cNvSpPr>
             <a:spLocks noGrp="1"/>
           </p:cNvSpPr>
@@ -2174,19 +4014,95 @@
           <a:bodyPr/>
           <a:lstStyle/>
           <a:p>
-            <a:endParaRPr lang="en-US"/>
-          </a:p>
-        </p:txBody>
-      </p:sp>
-      <p:sp>
-        <p:nvSpPr>
-          <p:cNvPr id="9" name="Slide Number Placeholder 8">
-            <a:extLst>
-              <a:ext uri="{FF2B5EF4-FFF2-40B4-BE49-F238E27FC236}">
-                <a16:creationId xmlns:a16="http://schemas.microsoft.com/office/drawing/2014/main" id="{C454CE5A-3A0A-4AAB-81D2-F1C20636E54C}"/>
-              </a:ext>
-            </a:extLst>
-          </p:cNvPr>
+            <a:endParaRPr lang="en-US" dirty="0"/>
+          </a:p>
+        </p:txBody>
+      </p:sp>
+      <p:sp>
+        <p:nvSpPr>
+          <p:cNvPr id="12" name="Freeform 11"/>
+          <p:cNvSpPr/>
+          <p:nvPr/>
+        </p:nvSpPr>
+        <p:spPr bwMode="auto">
+          <a:xfrm flipV="1">
+            <a:off x="-4189" y="714375"/>
+            <a:ext cx="1588527" cy="507297"/>
+          </a:xfrm>
+          <a:custGeom>
+            <a:avLst/>
+            <a:gdLst/>
+            <a:ahLst/>
+            <a:cxnLst/>
+            <a:rect l="l" t="t" r="r" b="b"/>
+            <a:pathLst>
+              <a:path w="9248" h="10000">
+                <a:moveTo>
+                  <a:pt x="9248" y="4701"/>
+                </a:moveTo>
+                <a:lnTo>
+                  <a:pt x="7915" y="188"/>
+                </a:lnTo>
+                <a:cubicBezTo>
+                  <a:pt x="7906" y="156"/>
+                  <a:pt x="7895" y="126"/>
+                  <a:pt x="7886" y="94"/>
+                </a:cubicBezTo>
+                <a:cubicBezTo>
+                  <a:pt x="7859" y="0"/>
+                  <a:pt x="7831" y="0"/>
+                  <a:pt x="7803" y="0"/>
+                </a:cubicBezTo>
+                <a:lnTo>
+                  <a:pt x="7275" y="0"/>
+                </a:lnTo>
+                <a:lnTo>
+                  <a:pt x="0" y="70"/>
+                </a:lnTo>
+                <a:cubicBezTo>
+                  <a:pt x="8" y="3380"/>
+                  <a:pt x="17" y="6690"/>
+                  <a:pt x="25" y="10000"/>
+                </a:cubicBezTo>
+                <a:lnTo>
+                  <a:pt x="7275" y="9966"/>
+                </a:lnTo>
+                <a:lnTo>
+                  <a:pt x="7803" y="9966"/>
+                </a:lnTo>
+                <a:cubicBezTo>
+                  <a:pt x="7831" y="9966"/>
+                  <a:pt x="7859" y="9872"/>
+                  <a:pt x="7886" y="9872"/>
+                </a:cubicBezTo>
+                <a:cubicBezTo>
+                  <a:pt x="7886" y="9778"/>
+                  <a:pt x="7915" y="9778"/>
+                  <a:pt x="7915" y="9778"/>
+                </a:cubicBezTo>
+                <a:lnTo>
+                  <a:pt x="9248" y="5265"/>
+                </a:lnTo>
+                <a:cubicBezTo>
+                  <a:pt x="9303" y="5077"/>
+                  <a:pt x="9303" y="4889"/>
+                  <a:pt x="9248" y="4701"/>
+                </a:cubicBezTo>
+                <a:close/>
+              </a:path>
+            </a:pathLst>
+          </a:custGeom>
+          <a:solidFill>
+            <a:schemeClr val="accent1"/>
+          </a:solidFill>
+          <a:ln>
+            <a:noFill/>
+          </a:ln>
+        </p:spPr>
+      </p:sp>
+      <p:sp>
+        <p:nvSpPr>
+          <p:cNvPr id="13" name="Slide Number Placeholder 5"/>
           <p:cNvSpPr>
             <a:spLocks noGrp="1"/>
           </p:cNvSpPr>
@@ -2194,29 +4110,36 @@
             <p:ph type="sldNum" sz="quarter" idx="12"/>
           </p:nvPr>
         </p:nvSpPr>
-        <p:spPr/>
+        <p:spPr>
+          <a:xfrm>
+            <a:off x="531812" y="787782"/>
+            <a:ext cx="779767" cy="365125"/>
+          </a:xfrm>
+        </p:spPr>
         <p:txBody>
           <a:bodyPr/>
           <a:lstStyle/>
           <a:p>
             <a:fld id="{DFDF98CC-160E-494C-8C3C-8CDC5FA257DE}" type="slidenum">
               <a:rPr lang="en-US" smtClean="0"/>
+              <a:pPr/>
               <a:t>‹#›</a:t>
             </a:fld>
-            <a:endParaRPr lang="en-US"/>
+            <a:endParaRPr lang="en-US" dirty="0"/>
           </a:p>
         </p:txBody>
       </p:sp>
     </p:spTree>
     <p:extLst>
       <p:ext uri="{BB962C8B-B14F-4D97-AF65-F5344CB8AC3E}">
-        <p14:creationId xmlns:p14="http://schemas.microsoft.com/office/powerpoint/2010/main" val="1497982337"/>
+        <p14:creationId xmlns:p14="http://schemas.microsoft.com/office/powerpoint/2010/main" val="336021541"/>
       </p:ext>
     </p:extLst>
   </p:cSld>
   <p:clrMapOvr>
     <a:masterClrMapping/>
   </p:clrMapOvr>
+  <p:hf sldNum="0" hdr="0" ftr="0" dt="0"/>
 </p:sldLayout>
 </file>
 
@@ -2239,13 +4162,7 @@
       </p:grpSpPr>
       <p:sp>
         <p:nvSpPr>
-          <p:cNvPr id="2" name="Title 1">
-            <a:extLst>
-              <a:ext uri="{FF2B5EF4-FFF2-40B4-BE49-F238E27FC236}">
-                <a16:creationId xmlns:a16="http://schemas.microsoft.com/office/drawing/2014/main" id="{A08216B8-52AB-412B-BBE7-B6BE698FA29B}"/>
-              </a:ext>
-            </a:extLst>
-          </p:cNvPr>
+          <p:cNvPr id="2" name="Title 1"/>
           <p:cNvSpPr>
             <a:spLocks noGrp="1"/>
           </p:cNvSpPr>
@@ -2268,13 +4185,7 @@
       </p:sp>
       <p:sp>
         <p:nvSpPr>
-          <p:cNvPr id="3" name="Date Placeholder 2">
-            <a:extLst>
-              <a:ext uri="{FF2B5EF4-FFF2-40B4-BE49-F238E27FC236}">
-                <a16:creationId xmlns:a16="http://schemas.microsoft.com/office/drawing/2014/main" id="{0BF779C3-9D19-467E-A5D2-0920834DA13C}"/>
-              </a:ext>
-            </a:extLst>
-          </p:cNvPr>
+          <p:cNvPr id="3" name="Date Placeholder 2"/>
           <p:cNvSpPr>
             <a:spLocks noGrp="1"/>
           </p:cNvSpPr>
@@ -2297,13 +4208,7 @@
       </p:sp>
       <p:sp>
         <p:nvSpPr>
-          <p:cNvPr id="4" name="Footer Placeholder 3">
-            <a:extLst>
-              <a:ext uri="{FF2B5EF4-FFF2-40B4-BE49-F238E27FC236}">
-                <a16:creationId xmlns:a16="http://schemas.microsoft.com/office/drawing/2014/main" id="{8E272BB4-C8D8-4F74-9677-5AC979932A75}"/>
-              </a:ext>
-            </a:extLst>
-          </p:cNvPr>
+          <p:cNvPr id="4" name="Footer Placeholder 3"/>
           <p:cNvSpPr>
             <a:spLocks noGrp="1"/>
           </p:cNvSpPr>
@@ -2322,13 +4227,89 @@
       </p:sp>
       <p:sp>
         <p:nvSpPr>
-          <p:cNvPr id="5" name="Slide Number Placeholder 4">
-            <a:extLst>
-              <a:ext uri="{FF2B5EF4-FFF2-40B4-BE49-F238E27FC236}">
-                <a16:creationId xmlns:a16="http://schemas.microsoft.com/office/drawing/2014/main" id="{596B49B8-779F-4492-ABD9-96F0D042AC41}"/>
-              </a:ext>
-            </a:extLst>
-          </p:cNvPr>
+          <p:cNvPr id="7" name="Freeform 11"/>
+          <p:cNvSpPr/>
+          <p:nvPr/>
+        </p:nvSpPr>
+        <p:spPr bwMode="auto">
+          <a:xfrm flipV="1">
+            <a:off x="-4189" y="714375"/>
+            <a:ext cx="1588527" cy="507297"/>
+          </a:xfrm>
+          <a:custGeom>
+            <a:avLst/>
+            <a:gdLst/>
+            <a:ahLst/>
+            <a:cxnLst/>
+            <a:rect l="l" t="t" r="r" b="b"/>
+            <a:pathLst>
+              <a:path w="9248" h="10000">
+                <a:moveTo>
+                  <a:pt x="9248" y="4701"/>
+                </a:moveTo>
+                <a:lnTo>
+                  <a:pt x="7915" y="188"/>
+                </a:lnTo>
+                <a:cubicBezTo>
+                  <a:pt x="7906" y="156"/>
+                  <a:pt x="7895" y="126"/>
+                  <a:pt x="7886" y="94"/>
+                </a:cubicBezTo>
+                <a:cubicBezTo>
+                  <a:pt x="7859" y="0"/>
+                  <a:pt x="7831" y="0"/>
+                  <a:pt x="7803" y="0"/>
+                </a:cubicBezTo>
+                <a:lnTo>
+                  <a:pt x="7275" y="0"/>
+                </a:lnTo>
+                <a:lnTo>
+                  <a:pt x="0" y="70"/>
+                </a:lnTo>
+                <a:cubicBezTo>
+                  <a:pt x="8" y="3380"/>
+                  <a:pt x="17" y="6690"/>
+                  <a:pt x="25" y="10000"/>
+                </a:cubicBezTo>
+                <a:lnTo>
+                  <a:pt x="7275" y="9966"/>
+                </a:lnTo>
+                <a:lnTo>
+                  <a:pt x="7803" y="9966"/>
+                </a:lnTo>
+                <a:cubicBezTo>
+                  <a:pt x="7831" y="9966"/>
+                  <a:pt x="7859" y="9872"/>
+                  <a:pt x="7886" y="9872"/>
+                </a:cubicBezTo>
+                <a:cubicBezTo>
+                  <a:pt x="7886" y="9778"/>
+                  <a:pt x="7915" y="9778"/>
+                  <a:pt x="7915" y="9778"/>
+                </a:cubicBezTo>
+                <a:lnTo>
+                  <a:pt x="9248" y="5265"/>
+                </a:lnTo>
+                <a:cubicBezTo>
+                  <a:pt x="9303" y="5077"/>
+                  <a:pt x="9303" y="4889"/>
+                  <a:pt x="9248" y="4701"/>
+                </a:cubicBezTo>
+                <a:close/>
+              </a:path>
+            </a:pathLst>
+          </a:custGeom>
+          <a:solidFill>
+            <a:schemeClr val="accent1"/>
+          </a:solidFill>
+          <a:ln>
+            <a:noFill/>
+          </a:ln>
+        </p:spPr>
+      </p:sp>
+      <p:sp>
+        <p:nvSpPr>
+          <p:cNvPr id="5" name="Slide Number Placeholder 4"/>
           <p:cNvSpPr>
             <a:spLocks noGrp="1"/>
           </p:cNvSpPr>
@@ -2352,7 +4333,7 @@
     </p:spTree>
     <p:extLst>
       <p:ext uri="{BB962C8B-B14F-4D97-AF65-F5344CB8AC3E}">
-        <p14:creationId xmlns:p14="http://schemas.microsoft.com/office/powerpoint/2010/main" val="1016149601"/>
+        <p14:creationId xmlns:p14="http://schemas.microsoft.com/office/powerpoint/2010/main" val="70182891"/>
       </p:ext>
     </p:extLst>
   </p:cSld>
@@ -2381,13 +4362,7 @@
       </p:grpSpPr>
       <p:sp>
         <p:nvSpPr>
-          <p:cNvPr id="2" name="Date Placeholder 1">
-            <a:extLst>
-              <a:ext uri="{FF2B5EF4-FFF2-40B4-BE49-F238E27FC236}">
-                <a16:creationId xmlns:a16="http://schemas.microsoft.com/office/drawing/2014/main" id="{93B976BF-9339-48D6-881A-280D15492E05}"/>
-              </a:ext>
-            </a:extLst>
-          </p:cNvPr>
+          <p:cNvPr id="2" name="Date Placeholder 1"/>
           <p:cNvSpPr>
             <a:spLocks noGrp="1"/>
           </p:cNvSpPr>
@@ -2410,13 +4385,7 @@
       </p:sp>
       <p:sp>
         <p:nvSpPr>
-          <p:cNvPr id="3" name="Footer Placeholder 2">
-            <a:extLst>
-              <a:ext uri="{FF2B5EF4-FFF2-40B4-BE49-F238E27FC236}">
-                <a16:creationId xmlns:a16="http://schemas.microsoft.com/office/drawing/2014/main" id="{45277605-C9C8-432E-9662-D7D410B151D5}"/>
-              </a:ext>
-            </a:extLst>
-          </p:cNvPr>
+          <p:cNvPr id="3" name="Footer Placeholder 2"/>
           <p:cNvSpPr>
             <a:spLocks noGrp="1"/>
           </p:cNvSpPr>
@@ -2435,13 +4404,89 @@
       </p:sp>
       <p:sp>
         <p:nvSpPr>
-          <p:cNvPr id="4" name="Slide Number Placeholder 3">
-            <a:extLst>
-              <a:ext uri="{FF2B5EF4-FFF2-40B4-BE49-F238E27FC236}">
-                <a16:creationId xmlns:a16="http://schemas.microsoft.com/office/drawing/2014/main" id="{522432B6-4A12-46EF-98A7-B5D50BD516F0}"/>
-              </a:ext>
-            </a:extLst>
-          </p:cNvPr>
+          <p:cNvPr id="6" name="Freeform 11"/>
+          <p:cNvSpPr/>
+          <p:nvPr/>
+        </p:nvSpPr>
+        <p:spPr bwMode="auto">
+          <a:xfrm flipV="1">
+            <a:off x="-4189" y="714375"/>
+            <a:ext cx="1588527" cy="507297"/>
+          </a:xfrm>
+          <a:custGeom>
+            <a:avLst/>
+            <a:gdLst/>
+            <a:ahLst/>
+            <a:cxnLst/>
+            <a:rect l="l" t="t" r="r" b="b"/>
+            <a:pathLst>
+              <a:path w="9248" h="10000">
+                <a:moveTo>
+                  <a:pt x="9248" y="4701"/>
+                </a:moveTo>
+                <a:lnTo>
+                  <a:pt x="7915" y="188"/>
+                </a:lnTo>
+                <a:cubicBezTo>
+                  <a:pt x="7906" y="156"/>
+                  <a:pt x="7895" y="126"/>
+                  <a:pt x="7886" y="94"/>
+                </a:cubicBezTo>
+                <a:cubicBezTo>
+                  <a:pt x="7859" y="0"/>
+                  <a:pt x="7831" y="0"/>
+                  <a:pt x="7803" y="0"/>
+                </a:cubicBezTo>
+                <a:lnTo>
+                  <a:pt x="7275" y="0"/>
+                </a:lnTo>
+                <a:lnTo>
+                  <a:pt x="0" y="70"/>
+                </a:lnTo>
+                <a:cubicBezTo>
+                  <a:pt x="8" y="3380"/>
+                  <a:pt x="17" y="6690"/>
+                  <a:pt x="25" y="10000"/>
+                </a:cubicBezTo>
+                <a:lnTo>
+                  <a:pt x="7275" y="9966"/>
+                </a:lnTo>
+                <a:lnTo>
+                  <a:pt x="7803" y="9966"/>
+                </a:lnTo>
+                <a:cubicBezTo>
+                  <a:pt x="7831" y="9966"/>
+                  <a:pt x="7859" y="9872"/>
+                  <a:pt x="7886" y="9872"/>
+                </a:cubicBezTo>
+                <a:cubicBezTo>
+                  <a:pt x="7886" y="9778"/>
+                  <a:pt x="7915" y="9778"/>
+                  <a:pt x="7915" y="9778"/>
+                </a:cubicBezTo>
+                <a:lnTo>
+                  <a:pt x="9248" y="5265"/>
+                </a:lnTo>
+                <a:cubicBezTo>
+                  <a:pt x="9303" y="5077"/>
+                  <a:pt x="9303" y="4889"/>
+                  <a:pt x="9248" y="4701"/>
+                </a:cubicBezTo>
+                <a:close/>
+              </a:path>
+            </a:pathLst>
+          </a:custGeom>
+          <a:solidFill>
+            <a:schemeClr val="accent1"/>
+          </a:solidFill>
+          <a:ln>
+            <a:noFill/>
+          </a:ln>
+        </p:spPr>
+      </p:sp>
+      <p:sp>
+        <p:nvSpPr>
+          <p:cNvPr id="4" name="Slide Number Placeholder 3"/>
           <p:cNvSpPr>
             <a:spLocks noGrp="1"/>
           </p:cNvSpPr>
@@ -2465,7 +4510,7 @@
     </p:spTree>
     <p:extLst>
       <p:ext uri="{BB962C8B-B14F-4D97-AF65-F5344CB8AC3E}">
-        <p14:creationId xmlns:p14="http://schemas.microsoft.com/office/powerpoint/2010/main" val="1808587978"/>
+        <p14:creationId xmlns:p14="http://schemas.microsoft.com/office/powerpoint/2010/main" val="650399017"/>
       </p:ext>
     </p:extLst>
   </p:cSld>
@@ -2494,13 +4539,7 @@
       </p:grpSpPr>
       <p:sp>
         <p:nvSpPr>
-          <p:cNvPr id="2" name="Title 1">
-            <a:extLst>
-              <a:ext uri="{FF2B5EF4-FFF2-40B4-BE49-F238E27FC236}">
-                <a16:creationId xmlns:a16="http://schemas.microsoft.com/office/drawing/2014/main" id="{E5BF191C-AF68-4230-A7B2-F8F07B486EDC}"/>
-              </a:ext>
-            </a:extLst>
-          </p:cNvPr>
+          <p:cNvPr id="2" name="Title 1"/>
           <p:cNvSpPr>
             <a:spLocks noGrp="1"/>
           </p:cNvSpPr>
@@ -2510,17 +4549,15 @@
         </p:nvSpPr>
         <p:spPr>
           <a:xfrm>
-            <a:off x="517870" y="978408"/>
-            <a:ext cx="5020948" cy="2270641"/>
-          </a:xfrm>
-        </p:spPr>
-        <p:txBody>
-          <a:bodyPr anchor="t">
-            <a:noAutofit/>
-          </a:bodyPr>
+            <a:off x="2589212" y="446088"/>
+            <a:ext cx="3505199" cy="976312"/>
+          </a:xfrm>
+        </p:spPr>
+        <p:txBody>
+          <a:bodyPr anchor="b"/>
           <a:lstStyle>
-            <a:lvl1pPr>
-              <a:defRPr sz="4400"/>
+            <a:lvl1pPr algn="l">
+              <a:defRPr sz="2000" b="0"/>
             </a:lvl1pPr>
           </a:lstStyle>
           <a:p>
@@ -2534,13 +4571,7 @@
       </p:sp>
       <p:sp>
         <p:nvSpPr>
-          <p:cNvPr id="3" name="Content Placeholder 2">
-            <a:extLst>
-              <a:ext uri="{FF2B5EF4-FFF2-40B4-BE49-F238E27FC236}">
-                <a16:creationId xmlns:a16="http://schemas.microsoft.com/office/drawing/2014/main" id="{358F9F11-5FCF-4D7E-BA51-38CB84277DC9}"/>
-              </a:ext>
-            </a:extLst>
-          </p:cNvPr>
+          <p:cNvPr id="3" name="Content Placeholder 2"/>
           <p:cNvSpPr>
             <a:spLocks noGrp="1"/>
           </p:cNvSpPr>
@@ -2550,43 +4581,15 @@
         </p:nvSpPr>
         <p:spPr>
           <a:xfrm>
-            <a:off x="6653182" y="987423"/>
-            <a:ext cx="5020948" cy="4873625"/>
-          </a:xfrm>
-        </p:spPr>
-        <p:txBody>
-          <a:bodyPr>
+            <a:off x="6323012" y="446088"/>
+            <a:ext cx="5181600" cy="5414963"/>
+          </a:xfrm>
+        </p:spPr>
+        <p:txBody>
+          <a:bodyPr anchor="ctr">
             <a:normAutofit/>
           </a:bodyPr>
-          <a:lstStyle>
-            <a:lvl1pPr>
-              <a:defRPr sz="2000"/>
-            </a:lvl1pPr>
-            <a:lvl2pPr>
-              <a:defRPr sz="1800"/>
-            </a:lvl2pPr>
-            <a:lvl3pPr>
-              <a:defRPr sz="1600"/>
-            </a:lvl3pPr>
-            <a:lvl4pPr>
-              <a:defRPr sz="1400"/>
-            </a:lvl4pPr>
-            <a:lvl5pPr>
-              <a:defRPr sz="1400"/>
-            </a:lvl5pPr>
-            <a:lvl6pPr>
-              <a:defRPr sz="2000"/>
-            </a:lvl6pPr>
-            <a:lvl7pPr>
-              <a:defRPr sz="2000"/>
-            </a:lvl7pPr>
-            <a:lvl8pPr>
-              <a:defRPr sz="2000"/>
-            </a:lvl8pPr>
-            <a:lvl9pPr>
-              <a:defRPr sz="2000"/>
-            </a:lvl9pPr>
-          </a:lstStyle>
+          <a:lstStyle/>
           <a:p>
             <a:pPr lvl="0"/>
             <a:r>
@@ -2627,13 +4630,7 @@
       </p:sp>
       <p:sp>
         <p:nvSpPr>
-          <p:cNvPr id="4" name="Text Placeholder 3">
-            <a:extLst>
-              <a:ext uri="{FF2B5EF4-FFF2-40B4-BE49-F238E27FC236}">
-                <a16:creationId xmlns:a16="http://schemas.microsoft.com/office/drawing/2014/main" id="{373B519B-06C0-41BC-95FB-FB1FE436375E}"/>
-              </a:ext>
-            </a:extLst>
-          </p:cNvPr>
+          <p:cNvPr id="4" name="Text Placeholder 3"/>
           <p:cNvSpPr>
             <a:spLocks noGrp="1"/>
           </p:cNvSpPr>
@@ -2643,50 +4640,48 @@
         </p:nvSpPr>
         <p:spPr>
           <a:xfrm>
-            <a:off x="517870" y="3361038"/>
-            <a:ext cx="5020948" cy="2507949"/>
-          </a:xfrm>
-        </p:spPr>
-        <p:txBody>
-          <a:bodyPr>
-            <a:normAutofit/>
-          </a:bodyPr>
+            <a:off x="2589212" y="1598613"/>
+            <a:ext cx="3505199" cy="4262436"/>
+          </a:xfrm>
+        </p:spPr>
+        <p:txBody>
+          <a:bodyPr/>
           <a:lstStyle>
             <a:lvl1pPr marL="0" indent="0">
               <a:buNone/>
-              <a:defRPr sz="2400" b="0" i="1"/>
+              <a:defRPr sz="1400"/>
             </a:lvl1pPr>
             <a:lvl2pPr marL="457200" indent="0">
               <a:buNone/>
-              <a:defRPr sz="1400"/>
+              <a:defRPr sz="1200"/>
             </a:lvl2pPr>
             <a:lvl3pPr marL="914400" indent="0">
               <a:buNone/>
-              <a:defRPr sz="1200"/>
+              <a:defRPr sz="1000"/>
             </a:lvl3pPr>
             <a:lvl4pPr marL="1371600" indent="0">
               <a:buNone/>
-              <a:defRPr sz="1000"/>
+              <a:defRPr sz="900"/>
             </a:lvl4pPr>
             <a:lvl5pPr marL="1828800" indent="0">
               <a:buNone/>
-              <a:defRPr sz="1000"/>
+              <a:defRPr sz="900"/>
             </a:lvl5pPr>
             <a:lvl6pPr marL="2286000" indent="0">
               <a:buNone/>
-              <a:defRPr sz="1000"/>
+              <a:defRPr sz="900"/>
             </a:lvl6pPr>
             <a:lvl7pPr marL="2743200" indent="0">
               <a:buNone/>
-              <a:defRPr sz="1000"/>
+              <a:defRPr sz="900"/>
             </a:lvl7pPr>
             <a:lvl8pPr marL="3200400" indent="0">
               <a:buNone/>
-              <a:defRPr sz="1000"/>
+              <a:defRPr sz="900"/>
             </a:lvl8pPr>
             <a:lvl9pPr marL="3657600" indent="0">
               <a:buNone/>
-              <a:defRPr sz="1000"/>
+              <a:defRPr sz="900"/>
             </a:lvl9pPr>
           </a:lstStyle>
           <a:p>
@@ -2700,13 +4695,7 @@
       </p:sp>
       <p:sp>
         <p:nvSpPr>
-          <p:cNvPr id="5" name="Date Placeholder 4">
-            <a:extLst>
-              <a:ext uri="{FF2B5EF4-FFF2-40B4-BE49-F238E27FC236}">
-                <a16:creationId xmlns:a16="http://schemas.microsoft.com/office/drawing/2014/main" id="{5BB8B70C-015C-4832-AFF6-D033E022746B}"/>
-              </a:ext>
-            </a:extLst>
-          </p:cNvPr>
+          <p:cNvPr id="5" name="Date Placeholder 4"/>
           <p:cNvSpPr>
             <a:spLocks noGrp="1"/>
           </p:cNvSpPr>
@@ -2719,7 +4708,7 @@
           <a:bodyPr/>
           <a:lstStyle/>
           <a:p>
-            <a:fld id="{FC366D49-0BBA-4C5A-AD96-6448CA63451A}" type="datetime1">
+            <a:fld id="{734BCCD4-CEB1-405B-A443-DD9CBCBEA552}" type="datetime1">
               <a:rPr lang="en-US" smtClean="0"/>
               <a:t>2021-12-13</a:t>
             </a:fld>
@@ -2729,13 +4718,7 @@
       </p:sp>
       <p:sp>
         <p:nvSpPr>
-          <p:cNvPr id="6" name="Footer Placeholder 5">
-            <a:extLst>
-              <a:ext uri="{FF2B5EF4-FFF2-40B4-BE49-F238E27FC236}">
-                <a16:creationId xmlns:a16="http://schemas.microsoft.com/office/drawing/2014/main" id="{BEF1A6FB-8C14-46D1-90A5-0FF11DE78632}"/>
-              </a:ext>
-            </a:extLst>
-          </p:cNvPr>
+          <p:cNvPr id="6" name="Footer Placeholder 5"/>
           <p:cNvSpPr>
             <a:spLocks noGrp="1"/>
           </p:cNvSpPr>
@@ -2748,19 +4731,95 @@
           <a:bodyPr/>
           <a:lstStyle/>
           <a:p>
-            <a:endParaRPr lang="en-US"/>
-          </a:p>
-        </p:txBody>
-      </p:sp>
-      <p:sp>
-        <p:nvSpPr>
-          <p:cNvPr id="7" name="Slide Number Placeholder 6">
-            <a:extLst>
-              <a:ext uri="{FF2B5EF4-FFF2-40B4-BE49-F238E27FC236}">
-                <a16:creationId xmlns:a16="http://schemas.microsoft.com/office/drawing/2014/main" id="{6782C585-6FA1-4E94-9C1C-A1DEDE551086}"/>
-              </a:ext>
-            </a:extLst>
-          </p:cNvPr>
+            <a:endParaRPr lang="en-US" dirty="0"/>
+          </a:p>
+        </p:txBody>
+      </p:sp>
+      <p:sp>
+        <p:nvSpPr>
+          <p:cNvPr id="9" name="Freeform 11"/>
+          <p:cNvSpPr/>
+          <p:nvPr/>
+        </p:nvSpPr>
+        <p:spPr bwMode="auto">
+          <a:xfrm flipV="1">
+            <a:off x="-4189" y="714375"/>
+            <a:ext cx="1588527" cy="507297"/>
+          </a:xfrm>
+          <a:custGeom>
+            <a:avLst/>
+            <a:gdLst/>
+            <a:ahLst/>
+            <a:cxnLst/>
+            <a:rect l="l" t="t" r="r" b="b"/>
+            <a:pathLst>
+              <a:path w="9248" h="10000">
+                <a:moveTo>
+                  <a:pt x="9248" y="4701"/>
+                </a:moveTo>
+                <a:lnTo>
+                  <a:pt x="7915" y="188"/>
+                </a:lnTo>
+                <a:cubicBezTo>
+                  <a:pt x="7906" y="156"/>
+                  <a:pt x="7895" y="126"/>
+                  <a:pt x="7886" y="94"/>
+                </a:cubicBezTo>
+                <a:cubicBezTo>
+                  <a:pt x="7859" y="0"/>
+                  <a:pt x="7831" y="0"/>
+                  <a:pt x="7803" y="0"/>
+                </a:cubicBezTo>
+                <a:lnTo>
+                  <a:pt x="7275" y="0"/>
+                </a:lnTo>
+                <a:lnTo>
+                  <a:pt x="0" y="70"/>
+                </a:lnTo>
+                <a:cubicBezTo>
+                  <a:pt x="8" y="3380"/>
+                  <a:pt x="17" y="6690"/>
+                  <a:pt x="25" y="10000"/>
+                </a:cubicBezTo>
+                <a:lnTo>
+                  <a:pt x="7275" y="9966"/>
+                </a:lnTo>
+                <a:lnTo>
+                  <a:pt x="7803" y="9966"/>
+                </a:lnTo>
+                <a:cubicBezTo>
+                  <a:pt x="7831" y="9966"/>
+                  <a:pt x="7859" y="9872"/>
+                  <a:pt x="7886" y="9872"/>
+                </a:cubicBezTo>
+                <a:cubicBezTo>
+                  <a:pt x="7886" y="9778"/>
+                  <a:pt x="7915" y="9778"/>
+                  <a:pt x="7915" y="9778"/>
+                </a:cubicBezTo>
+                <a:lnTo>
+                  <a:pt x="9248" y="5265"/>
+                </a:lnTo>
+                <a:cubicBezTo>
+                  <a:pt x="9303" y="5077"/>
+                  <a:pt x="9303" y="4889"/>
+                  <a:pt x="9248" y="4701"/>
+                </a:cubicBezTo>
+                <a:close/>
+              </a:path>
+            </a:pathLst>
+          </a:custGeom>
+          <a:solidFill>
+            <a:schemeClr val="accent1"/>
+          </a:solidFill>
+          <a:ln>
+            <a:noFill/>
+          </a:ln>
+        </p:spPr>
+      </p:sp>
+      <p:sp>
+        <p:nvSpPr>
+          <p:cNvPr id="7" name="Slide Number Placeholder 6"/>
           <p:cNvSpPr>
             <a:spLocks noGrp="1"/>
           </p:cNvSpPr>
@@ -2775,22 +4834,24 @@
           <a:p>
             <a:fld id="{DFDF98CC-160E-494C-8C3C-8CDC5FA257DE}" type="slidenum">
               <a:rPr lang="en-US" smtClean="0"/>
+              <a:pPr/>
               <a:t>‹#›</a:t>
             </a:fld>
-            <a:endParaRPr lang="en-US"/>
+            <a:endParaRPr lang="en-US" dirty="0"/>
           </a:p>
         </p:txBody>
       </p:sp>
     </p:spTree>
     <p:extLst>
       <p:ext uri="{BB962C8B-B14F-4D97-AF65-F5344CB8AC3E}">
-        <p14:creationId xmlns:p14="http://schemas.microsoft.com/office/powerpoint/2010/main" val="3118220953"/>
+        <p14:creationId xmlns:p14="http://schemas.microsoft.com/office/powerpoint/2010/main" val="3713477874"/>
       </p:ext>
     </p:extLst>
   </p:cSld>
   <p:clrMapOvr>
     <a:masterClrMapping/>
   </p:clrMapOvr>
+  <p:hf sldNum="0" hdr="0" ftr="0" dt="0"/>
 </p:sldLayout>
 </file>
 
@@ -2813,13 +4874,7 @@
       </p:grpSpPr>
       <p:sp>
         <p:nvSpPr>
-          <p:cNvPr id="2" name="Title 1">
-            <a:extLst>
-              <a:ext uri="{FF2B5EF4-FFF2-40B4-BE49-F238E27FC236}">
-                <a16:creationId xmlns:a16="http://schemas.microsoft.com/office/drawing/2014/main" id="{4E198B43-D1CE-43F4-A367-EF1FE9688913}"/>
-              </a:ext>
-            </a:extLst>
-          </p:cNvPr>
+          <p:cNvPr id="2" name="Title 1"/>
           <p:cNvSpPr>
             <a:spLocks noGrp="1"/>
           </p:cNvSpPr>
@@ -2829,17 +4884,17 @@
         </p:nvSpPr>
         <p:spPr>
           <a:xfrm>
-            <a:off x="517870" y="978408"/>
-            <a:ext cx="5020948" cy="2270641"/>
-          </a:xfrm>
-        </p:spPr>
-        <p:txBody>
-          <a:bodyPr anchor="t">
-            <a:noAutofit/>
+            <a:off x="2589213" y="4800600"/>
+            <a:ext cx="8915400" cy="566738"/>
+          </a:xfrm>
+        </p:spPr>
+        <p:txBody>
+          <a:bodyPr anchor="b">
+            <a:normAutofit/>
           </a:bodyPr>
           <a:lstStyle>
-            <a:lvl1pPr>
-              <a:defRPr sz="4400"/>
+            <a:lvl1pPr algn="l">
+              <a:defRPr sz="2400" b="0"/>
             </a:lvl1pPr>
           </a:lstStyle>
           <a:p>
@@ -2853,15 +4908,9 @@
       </p:sp>
       <p:sp>
         <p:nvSpPr>
-          <p:cNvPr id="3" name="Picture Placeholder 2">
-            <a:extLst>
-              <a:ext uri="{FF2B5EF4-FFF2-40B4-BE49-F238E27FC236}">
-                <a16:creationId xmlns:a16="http://schemas.microsoft.com/office/drawing/2014/main" id="{E2B73978-8CDF-4C0E-ABA1-7291A0347362}"/>
-              </a:ext>
-            </a:extLst>
-          </p:cNvPr>
+          <p:cNvPr id="3" name="Picture Placeholder 2"/>
           <p:cNvSpPr>
-            <a:spLocks noGrp="1"/>
+            <a:spLocks noGrp="1" noChangeAspect="1"/>
           </p:cNvSpPr>
           <p:nvPr>
             <p:ph type="pic" idx="1"/>
@@ -2869,48 +4918,50 @@
         </p:nvSpPr>
         <p:spPr>
           <a:xfrm>
-            <a:off x="6662168" y="987425"/>
-            <a:ext cx="5027005" cy="4873625"/>
-          </a:xfrm>
-        </p:spPr>
-        <p:txBody>
-          <a:bodyPr/>
+            <a:off x="2589212" y="634965"/>
+            <a:ext cx="8915400" cy="3854970"/>
+          </a:xfrm>
+        </p:spPr>
+        <p:txBody>
+          <a:bodyPr anchor="t">
+            <a:normAutofit/>
+          </a:bodyPr>
           <a:lstStyle>
-            <a:lvl1pPr marL="0" indent="0">
-              <a:buNone/>
-              <a:defRPr sz="3200"/>
+            <a:lvl1pPr marL="0" indent="0" algn="ctr">
+              <a:buNone/>
+              <a:defRPr sz="1600"/>
             </a:lvl1pPr>
             <a:lvl2pPr marL="457200" indent="0">
               <a:buNone/>
-              <a:defRPr sz="2800"/>
+              <a:defRPr sz="1600"/>
             </a:lvl2pPr>
             <a:lvl3pPr marL="914400" indent="0">
               <a:buNone/>
-              <a:defRPr sz="2400"/>
+              <a:defRPr sz="1600"/>
             </a:lvl3pPr>
             <a:lvl4pPr marL="1371600" indent="0">
               <a:buNone/>
-              <a:defRPr sz="2000"/>
+              <a:defRPr sz="1600"/>
             </a:lvl4pPr>
             <a:lvl5pPr marL="1828800" indent="0">
               <a:buNone/>
-              <a:defRPr sz="2000"/>
+              <a:defRPr sz="1600"/>
             </a:lvl5pPr>
             <a:lvl6pPr marL="2286000" indent="0">
               <a:buNone/>
-              <a:defRPr sz="2000"/>
+              <a:defRPr sz="1600"/>
             </a:lvl6pPr>
             <a:lvl7pPr marL="2743200" indent="0">
               <a:buNone/>
-              <a:defRPr sz="2000"/>
+              <a:defRPr sz="1600"/>
             </a:lvl7pPr>
             <a:lvl8pPr marL="3200400" indent="0">
               <a:buNone/>
-              <a:defRPr sz="2000"/>
+              <a:defRPr sz="1600"/>
             </a:lvl8pPr>
             <a:lvl9pPr marL="3657600" indent="0">
               <a:buNone/>
-              <a:defRPr sz="2000"/>
+              <a:defRPr sz="1600"/>
             </a:lvl9pPr>
           </a:lstStyle>
           <a:p>
@@ -2924,13 +4975,7 @@
       </p:sp>
       <p:sp>
         <p:nvSpPr>
-          <p:cNvPr id="4" name="Text Placeholder 3">
-            <a:extLst>
-              <a:ext uri="{FF2B5EF4-FFF2-40B4-BE49-F238E27FC236}">
-                <a16:creationId xmlns:a16="http://schemas.microsoft.com/office/drawing/2014/main" id="{45BECC62-ED45-451E-BEC5-A03C6A554D26}"/>
-              </a:ext>
-            </a:extLst>
-          </p:cNvPr>
+          <p:cNvPr id="4" name="Text Placeholder 3"/>
           <p:cNvSpPr>
             <a:spLocks noGrp="1"/>
           </p:cNvSpPr>
@@ -2940,8 +4985,8 @@
         </p:nvSpPr>
         <p:spPr>
           <a:xfrm>
-            <a:off x="517870" y="3340442"/>
-            <a:ext cx="5020948" cy="2528545"/>
+            <a:off x="2589213" y="5367338"/>
+            <a:ext cx="8915400" cy="493712"/>
           </a:xfrm>
         </p:spPr>
         <p:txBody>
@@ -2951,39 +4996,39 @@
           <a:lstStyle>
             <a:lvl1pPr marL="0" indent="0">
               <a:buNone/>
-              <a:defRPr sz="2200" b="0" i="1"/>
+              <a:defRPr sz="1200"/>
             </a:lvl1pPr>
             <a:lvl2pPr marL="457200" indent="0">
               <a:buNone/>
-              <a:defRPr sz="1400"/>
+              <a:defRPr sz="1200"/>
             </a:lvl2pPr>
             <a:lvl3pPr marL="914400" indent="0">
               <a:buNone/>
-              <a:defRPr sz="1200"/>
+              <a:defRPr sz="1000"/>
             </a:lvl3pPr>
             <a:lvl4pPr marL="1371600" indent="0">
               <a:buNone/>
-              <a:defRPr sz="1000"/>
+              <a:defRPr sz="900"/>
             </a:lvl4pPr>
             <a:lvl5pPr marL="1828800" indent="0">
               <a:buNone/>
-              <a:defRPr sz="1000"/>
+              <a:defRPr sz="900"/>
             </a:lvl5pPr>
             <a:lvl6pPr marL="2286000" indent="0">
               <a:buNone/>
-              <a:defRPr sz="1000"/>
+              <a:defRPr sz="900"/>
             </a:lvl6pPr>
             <a:lvl7pPr marL="2743200" indent="0">
               <a:buNone/>
-              <a:defRPr sz="1000"/>
+              <a:defRPr sz="900"/>
             </a:lvl7pPr>
             <a:lvl8pPr marL="3200400" indent="0">
               <a:buNone/>
-              <a:defRPr sz="1000"/>
+              <a:defRPr sz="900"/>
             </a:lvl8pPr>
             <a:lvl9pPr marL="3657600" indent="0">
               <a:buNone/>
-              <a:defRPr sz="1000"/>
+              <a:defRPr sz="900"/>
             </a:lvl9pPr>
           </a:lstStyle>
           <a:p>
@@ -2997,13 +5042,7 @@
       </p:sp>
       <p:sp>
         <p:nvSpPr>
-          <p:cNvPr id="5" name="Date Placeholder 4">
-            <a:extLst>
-              <a:ext uri="{FF2B5EF4-FFF2-40B4-BE49-F238E27FC236}">
-                <a16:creationId xmlns:a16="http://schemas.microsoft.com/office/drawing/2014/main" id="{531A7A86-B983-4315-9312-936B4FCF75FE}"/>
-              </a:ext>
-            </a:extLst>
-          </p:cNvPr>
+          <p:cNvPr id="5" name="Date Placeholder 4"/>
           <p:cNvSpPr>
             <a:spLocks noGrp="1"/>
           </p:cNvSpPr>
@@ -3026,13 +5065,7 @@
       </p:sp>
       <p:sp>
         <p:nvSpPr>
-          <p:cNvPr id="6" name="Footer Placeholder 5">
-            <a:extLst>
-              <a:ext uri="{FF2B5EF4-FFF2-40B4-BE49-F238E27FC236}">
-                <a16:creationId xmlns:a16="http://schemas.microsoft.com/office/drawing/2014/main" id="{1E2E88C0-25A5-46F9-AB35-EAD50E6B913C}"/>
-              </a:ext>
-            </a:extLst>
-          </p:cNvPr>
+          <p:cNvPr id="6" name="Footer Placeholder 5"/>
           <p:cNvSpPr>
             <a:spLocks noGrp="1"/>
           </p:cNvSpPr>
@@ -3051,13 +5084,89 @@
       </p:sp>
       <p:sp>
         <p:nvSpPr>
-          <p:cNvPr id="7" name="Slide Number Placeholder 6">
-            <a:extLst>
-              <a:ext uri="{FF2B5EF4-FFF2-40B4-BE49-F238E27FC236}">
-                <a16:creationId xmlns:a16="http://schemas.microsoft.com/office/drawing/2014/main" id="{6A0F9EA8-45AD-478E-8606-9328245BC8A6}"/>
-              </a:ext>
-            </a:extLst>
-          </p:cNvPr>
+          <p:cNvPr id="9" name="Freeform 11"/>
+          <p:cNvSpPr/>
+          <p:nvPr/>
+        </p:nvSpPr>
+        <p:spPr bwMode="auto">
+          <a:xfrm flipV="1">
+            <a:off x="-4189" y="4911725"/>
+            <a:ext cx="1588527" cy="507297"/>
+          </a:xfrm>
+          <a:custGeom>
+            <a:avLst/>
+            <a:gdLst/>
+            <a:ahLst/>
+            <a:cxnLst/>
+            <a:rect l="l" t="t" r="r" b="b"/>
+            <a:pathLst>
+              <a:path w="9248" h="10000">
+                <a:moveTo>
+                  <a:pt x="9248" y="4701"/>
+                </a:moveTo>
+                <a:lnTo>
+                  <a:pt x="7915" y="188"/>
+                </a:lnTo>
+                <a:cubicBezTo>
+                  <a:pt x="7906" y="156"/>
+                  <a:pt x="7895" y="126"/>
+                  <a:pt x="7886" y="94"/>
+                </a:cubicBezTo>
+                <a:cubicBezTo>
+                  <a:pt x="7859" y="0"/>
+                  <a:pt x="7831" y="0"/>
+                  <a:pt x="7803" y="0"/>
+                </a:cubicBezTo>
+                <a:lnTo>
+                  <a:pt x="7275" y="0"/>
+                </a:lnTo>
+                <a:lnTo>
+                  <a:pt x="0" y="70"/>
+                </a:lnTo>
+                <a:cubicBezTo>
+                  <a:pt x="8" y="3380"/>
+                  <a:pt x="17" y="6690"/>
+                  <a:pt x="25" y="10000"/>
+                </a:cubicBezTo>
+                <a:lnTo>
+                  <a:pt x="7275" y="9966"/>
+                </a:lnTo>
+                <a:lnTo>
+                  <a:pt x="7803" y="9966"/>
+                </a:lnTo>
+                <a:cubicBezTo>
+                  <a:pt x="7831" y="9966"/>
+                  <a:pt x="7859" y="9872"/>
+                  <a:pt x="7886" y="9872"/>
+                </a:cubicBezTo>
+                <a:cubicBezTo>
+                  <a:pt x="7886" y="9778"/>
+                  <a:pt x="7915" y="9778"/>
+                  <a:pt x="7915" y="9778"/>
+                </a:cubicBezTo>
+                <a:lnTo>
+                  <a:pt x="9248" y="5265"/>
+                </a:lnTo>
+                <a:cubicBezTo>
+                  <a:pt x="9303" y="5077"/>
+                  <a:pt x="9303" y="4889"/>
+                  <a:pt x="9248" y="4701"/>
+                </a:cubicBezTo>
+                <a:close/>
+              </a:path>
+            </a:pathLst>
+          </a:custGeom>
+          <a:solidFill>
+            <a:schemeClr val="accent1"/>
+          </a:solidFill>
+          <a:ln>
+            <a:noFill/>
+          </a:ln>
+        </p:spPr>
+      </p:sp>
+      <p:sp>
+        <p:nvSpPr>
+          <p:cNvPr id="7" name="Slide Number Placeholder 6"/>
           <p:cNvSpPr>
             <a:spLocks noGrp="1"/>
           </p:cNvSpPr>
@@ -3065,7 +5174,12 @@
             <p:ph type="sldNum" sz="quarter" idx="12"/>
           </p:nvPr>
         </p:nvSpPr>
-        <p:spPr/>
+        <p:spPr>
+          <a:xfrm>
+            <a:off x="531812" y="4983087"/>
+            <a:ext cx="779767" cy="365125"/>
+          </a:xfrm>
+        </p:spPr>
         <p:txBody>
           <a:bodyPr/>
           <a:lstStyle/>
@@ -3078,48 +5192,10 @@
           </a:p>
         </p:txBody>
       </p:sp>
-      <p:cxnSp>
-        <p:nvCxnSpPr>
-          <p:cNvPr id="9" name="Straight Connector 8">
-            <a:extLst>
-              <a:ext uri="{FF2B5EF4-FFF2-40B4-BE49-F238E27FC236}">
-                <a16:creationId xmlns:a16="http://schemas.microsoft.com/office/drawing/2014/main" id="{E51E4AC6-B446-4768-97EF-CA4B8261433B}"/>
-              </a:ext>
-            </a:extLst>
-          </p:cNvPr>
-          <p:cNvCxnSpPr>
-            <a:cxnSpLocks/>
-          </p:cNvCxnSpPr>
-          <p:nvPr/>
-        </p:nvCxnSpPr>
-        <p:spPr>
-          <a:xfrm>
-            <a:off x="11689174" y="2172428"/>
-            <a:ext cx="0" cy="3354741"/>
-          </a:xfrm>
-          <a:prstGeom prst="line">
-            <a:avLst/>
-          </a:prstGeom>
-        </p:spPr>
-        <p:style>
-          <a:lnRef idx="1">
-            <a:schemeClr val="accent1"/>
-          </a:lnRef>
-          <a:fillRef idx="0">
-            <a:schemeClr val="accent1"/>
-          </a:fillRef>
-          <a:effectRef idx="0">
-            <a:schemeClr val="accent1"/>
-          </a:effectRef>
-          <a:fontRef idx="minor">
-            <a:schemeClr val="tx1"/>
-          </a:fontRef>
-        </p:style>
-      </p:cxnSp>
     </p:spTree>
     <p:extLst>
       <p:ext uri="{BB962C8B-B14F-4D97-AF65-F5344CB8AC3E}">
-        <p14:creationId xmlns:p14="http://schemas.microsoft.com/office/powerpoint/2010/main" val="1638232300"/>
+        <p14:creationId xmlns:p14="http://schemas.microsoft.com/office/powerpoint/2010/main" val="2085721301"/>
       </p:ext>
     </p:extLst>
   </p:cSld>
@@ -3133,7 +5209,7 @@
 <p:sldMaster xmlns:a="http://schemas.openxmlformats.org/drawingml/2006/main" xmlns:r="http://schemas.openxmlformats.org/officeDocument/2006/relationships" xmlns:p="http://schemas.openxmlformats.org/presentationml/2006/main">
   <p:cSld>
     <p:bg>
-      <p:bgRef idx="1001">
+      <p:bgRef idx="1003">
         <a:schemeClr val="bg2"/>
       </p:bgRef>
     </p:bg>
@@ -3151,15 +5227,1826 @@
           <a:chExt cx="0" cy="0"/>
         </a:xfrm>
       </p:grpSpPr>
-      <p:sp>
-        <p:nvSpPr>
-          <p:cNvPr id="2" name="Title Placeholder 1">
-            <a:extLst>
-              <a:ext uri="{FF2B5EF4-FFF2-40B4-BE49-F238E27FC236}">
-                <a16:creationId xmlns:a16="http://schemas.microsoft.com/office/drawing/2014/main" id="{8D61AD20-E240-4E6F-AF91-689F7AEEE33A}"/>
-              </a:ext>
-            </a:extLst>
-          </p:cNvPr>
+      <p:grpSp>
+        <p:nvGrpSpPr>
+          <p:cNvPr id="23" name="Group 22"/>
+          <p:cNvGrpSpPr/>
+          <p:nvPr/>
+        </p:nvGrpSpPr>
+        <p:grpSpPr>
+          <a:xfrm>
+            <a:off x="1" y="228600"/>
+            <a:ext cx="2851516" cy="6638628"/>
+            <a:chOff x="2487613" y="285750"/>
+            <a:chExt cx="2428875" cy="5654676"/>
+          </a:xfrm>
+        </p:grpSpPr>
+        <p:sp>
+          <p:nvSpPr>
+            <p:cNvPr id="24" name="Freeform 11"/>
+            <p:cNvSpPr/>
+            <p:nvPr/>
+          </p:nvSpPr>
+          <p:spPr bwMode="auto">
+            <a:xfrm>
+              <a:off x="2487613" y="2284413"/>
+              <a:ext cx="85725" cy="533400"/>
+            </a:xfrm>
+            <a:custGeom>
+              <a:avLst/>
+              <a:gdLst/>
+              <a:ahLst/>
+              <a:cxnLst/>
+              <a:rect l="0" t="0" r="r" b="b"/>
+              <a:pathLst>
+                <a:path w="22" h="136">
+                  <a:moveTo>
+                    <a:pt x="22" y="136"/>
+                  </a:moveTo>
+                  <a:cubicBezTo>
+                    <a:pt x="20" y="117"/>
+                    <a:pt x="19" y="99"/>
+                    <a:pt x="17" y="80"/>
+                  </a:cubicBezTo>
+                  <a:cubicBezTo>
+                    <a:pt x="11" y="54"/>
+                    <a:pt x="6" y="27"/>
+                    <a:pt x="0" y="0"/>
+                  </a:cubicBezTo>
+                  <a:cubicBezTo>
+                    <a:pt x="0" y="35"/>
+                    <a:pt x="0" y="35"/>
+                    <a:pt x="0" y="35"/>
+                  </a:cubicBezTo>
+                  <a:cubicBezTo>
+                    <a:pt x="6" y="64"/>
+                    <a:pt x="13" y="94"/>
+                    <a:pt x="20" y="124"/>
+                  </a:cubicBezTo>
+                  <a:cubicBezTo>
+                    <a:pt x="20" y="128"/>
+                    <a:pt x="21" y="132"/>
+                    <a:pt x="22" y="136"/>
+                  </a:cubicBezTo>
+                  <a:close/>
+                </a:path>
+              </a:pathLst>
+            </a:custGeom>
+            <a:solidFill>
+              <a:schemeClr val="tx2">
+                <a:alpha val="20000"/>
+              </a:schemeClr>
+            </a:solidFill>
+            <a:ln>
+              <a:noFill/>
+            </a:ln>
+          </p:spPr>
+        </p:sp>
+        <p:sp>
+          <p:nvSpPr>
+            <p:cNvPr id="25" name="Freeform 12"/>
+            <p:cNvSpPr/>
+            <p:nvPr/>
+          </p:nvSpPr>
+          <p:spPr bwMode="auto">
+            <a:xfrm>
+              <a:off x="2597151" y="2779713"/>
+              <a:ext cx="550863" cy="1978025"/>
+            </a:xfrm>
+            <a:custGeom>
+              <a:avLst/>
+              <a:gdLst/>
+              <a:ahLst/>
+              <a:cxnLst/>
+              <a:rect l="0" t="0" r="r" b="b"/>
+              <a:pathLst>
+                <a:path w="140" h="504">
+                  <a:moveTo>
+                    <a:pt x="86" y="350"/>
+                  </a:moveTo>
+                  <a:cubicBezTo>
+                    <a:pt x="103" y="402"/>
+                    <a:pt x="120" y="453"/>
+                    <a:pt x="139" y="504"/>
+                  </a:cubicBezTo>
+                  <a:cubicBezTo>
+                    <a:pt x="139" y="495"/>
+                    <a:pt x="139" y="487"/>
+                    <a:pt x="140" y="478"/>
+                  </a:cubicBezTo>
+                  <a:cubicBezTo>
+                    <a:pt x="124" y="435"/>
+                    <a:pt x="109" y="391"/>
+                    <a:pt x="95" y="347"/>
+                  </a:cubicBezTo>
+                  <a:cubicBezTo>
+                    <a:pt x="58" y="233"/>
+                    <a:pt x="27" y="117"/>
+                    <a:pt x="0" y="0"/>
+                  </a:cubicBezTo>
+                  <a:cubicBezTo>
+                    <a:pt x="2" y="20"/>
+                    <a:pt x="4" y="41"/>
+                    <a:pt x="6" y="61"/>
+                  </a:cubicBezTo>
+                  <a:cubicBezTo>
+                    <a:pt x="30" y="158"/>
+                    <a:pt x="56" y="255"/>
+                    <a:pt x="86" y="350"/>
+                  </a:cubicBezTo>
+                  <a:close/>
+                </a:path>
+              </a:pathLst>
+            </a:custGeom>
+            <a:solidFill>
+              <a:schemeClr val="tx2">
+                <a:alpha val="20000"/>
+              </a:schemeClr>
+            </a:solidFill>
+            <a:ln>
+              <a:noFill/>
+            </a:ln>
+          </p:spPr>
+        </p:sp>
+        <p:sp>
+          <p:nvSpPr>
+            <p:cNvPr id="26" name="Freeform 13"/>
+            <p:cNvSpPr/>
+            <p:nvPr/>
+          </p:nvSpPr>
+          <p:spPr bwMode="auto">
+            <a:xfrm>
+              <a:off x="3175001" y="4730750"/>
+              <a:ext cx="519113" cy="1209675"/>
+            </a:xfrm>
+            <a:custGeom>
+              <a:avLst/>
+              <a:gdLst/>
+              <a:ahLst/>
+              <a:cxnLst/>
+              <a:rect l="0" t="0" r="r" b="b"/>
+              <a:pathLst>
+                <a:path w="132" h="308">
+                  <a:moveTo>
+                    <a:pt x="8" y="22"/>
+                  </a:moveTo>
+                  <a:cubicBezTo>
+                    <a:pt x="5" y="15"/>
+                    <a:pt x="2" y="8"/>
+                    <a:pt x="0" y="0"/>
+                  </a:cubicBezTo>
+                  <a:cubicBezTo>
+                    <a:pt x="0" y="10"/>
+                    <a:pt x="0" y="19"/>
+                    <a:pt x="0" y="29"/>
+                  </a:cubicBezTo>
+                  <a:cubicBezTo>
+                    <a:pt x="21" y="85"/>
+                    <a:pt x="44" y="140"/>
+                    <a:pt x="68" y="194"/>
+                  </a:cubicBezTo>
+                  <a:cubicBezTo>
+                    <a:pt x="85" y="232"/>
+                    <a:pt x="104" y="270"/>
+                    <a:pt x="123" y="308"/>
+                  </a:cubicBezTo>
+                  <a:cubicBezTo>
+                    <a:pt x="132" y="308"/>
+                    <a:pt x="132" y="308"/>
+                    <a:pt x="132" y="308"/>
+                  </a:cubicBezTo>
+                  <a:cubicBezTo>
+                    <a:pt x="113" y="269"/>
+                    <a:pt x="94" y="230"/>
+                    <a:pt x="77" y="190"/>
+                  </a:cubicBezTo>
+                  <a:cubicBezTo>
+                    <a:pt x="52" y="135"/>
+                    <a:pt x="29" y="79"/>
+                    <a:pt x="8" y="22"/>
+                  </a:cubicBezTo>
+                  <a:close/>
+                </a:path>
+              </a:pathLst>
+            </a:custGeom>
+            <a:solidFill>
+              <a:schemeClr val="tx2">
+                <a:alpha val="20000"/>
+              </a:schemeClr>
+            </a:solidFill>
+            <a:ln>
+              <a:noFill/>
+            </a:ln>
+          </p:spPr>
+        </p:sp>
+        <p:sp>
+          <p:nvSpPr>
+            <p:cNvPr id="27" name="Freeform 14"/>
+            <p:cNvSpPr/>
+            <p:nvPr/>
+          </p:nvSpPr>
+          <p:spPr bwMode="auto">
+            <a:xfrm>
+              <a:off x="3305176" y="5630863"/>
+              <a:ext cx="146050" cy="309563"/>
+            </a:xfrm>
+            <a:custGeom>
+              <a:avLst/>
+              <a:gdLst/>
+              <a:ahLst/>
+              <a:cxnLst/>
+              <a:rect l="0" t="0" r="r" b="b"/>
+              <a:pathLst>
+                <a:path w="37" h="79">
+                  <a:moveTo>
+                    <a:pt x="28" y="79"/>
+                  </a:moveTo>
+                  <a:cubicBezTo>
+                    <a:pt x="37" y="79"/>
+                    <a:pt x="37" y="79"/>
+                    <a:pt x="37" y="79"/>
+                  </a:cubicBezTo>
+                  <a:cubicBezTo>
+                    <a:pt x="24" y="53"/>
+                    <a:pt x="12" y="27"/>
+                    <a:pt x="0" y="0"/>
+                  </a:cubicBezTo>
+                  <a:cubicBezTo>
+                    <a:pt x="8" y="27"/>
+                    <a:pt x="17" y="53"/>
+                    <a:pt x="28" y="79"/>
+                  </a:cubicBezTo>
+                  <a:close/>
+                </a:path>
+              </a:pathLst>
+            </a:custGeom>
+            <a:solidFill>
+              <a:schemeClr val="tx2">
+                <a:alpha val="20000"/>
+              </a:schemeClr>
+            </a:solidFill>
+            <a:ln>
+              <a:noFill/>
+            </a:ln>
+          </p:spPr>
+        </p:sp>
+        <p:sp>
+          <p:nvSpPr>
+            <p:cNvPr id="28" name="Freeform 15"/>
+            <p:cNvSpPr/>
+            <p:nvPr/>
+          </p:nvSpPr>
+          <p:spPr bwMode="auto">
+            <a:xfrm>
+              <a:off x="2573338" y="2817813"/>
+              <a:ext cx="700088" cy="2835275"/>
+            </a:xfrm>
+            <a:custGeom>
+              <a:avLst/>
+              <a:gdLst/>
+              <a:ahLst/>
+              <a:cxnLst/>
+              <a:rect l="0" t="0" r="r" b="b"/>
+              <a:pathLst>
+                <a:path w="178" h="722">
+                  <a:moveTo>
+                    <a:pt x="162" y="660"/>
+                  </a:moveTo>
+                  <a:cubicBezTo>
+                    <a:pt x="145" y="618"/>
+                    <a:pt x="130" y="576"/>
+                    <a:pt x="116" y="534"/>
+                  </a:cubicBezTo>
+                  <a:cubicBezTo>
+                    <a:pt x="84" y="437"/>
+                    <a:pt x="59" y="337"/>
+                    <a:pt x="40" y="236"/>
+                  </a:cubicBezTo>
+                  <a:cubicBezTo>
+                    <a:pt x="29" y="175"/>
+                    <a:pt x="20" y="113"/>
+                    <a:pt x="12" y="51"/>
+                  </a:cubicBezTo>
+                  <a:cubicBezTo>
+                    <a:pt x="8" y="34"/>
+                    <a:pt x="4" y="17"/>
+                    <a:pt x="0" y="0"/>
+                  </a:cubicBezTo>
+                  <a:cubicBezTo>
+                    <a:pt x="8" y="79"/>
+                    <a:pt x="19" y="159"/>
+                    <a:pt x="33" y="237"/>
+                  </a:cubicBezTo>
+                  <a:cubicBezTo>
+                    <a:pt x="51" y="339"/>
+                    <a:pt x="76" y="439"/>
+                    <a:pt x="107" y="537"/>
+                  </a:cubicBezTo>
+                  <a:cubicBezTo>
+                    <a:pt x="123" y="586"/>
+                    <a:pt x="141" y="634"/>
+                    <a:pt x="160" y="681"/>
+                  </a:cubicBezTo>
+                  <a:cubicBezTo>
+                    <a:pt x="166" y="695"/>
+                    <a:pt x="172" y="708"/>
+                    <a:pt x="178" y="722"/>
+                  </a:cubicBezTo>
+                  <a:cubicBezTo>
+                    <a:pt x="176" y="717"/>
+                    <a:pt x="175" y="713"/>
+                    <a:pt x="174" y="708"/>
+                  </a:cubicBezTo>
+                  <a:cubicBezTo>
+                    <a:pt x="169" y="692"/>
+                    <a:pt x="165" y="676"/>
+                    <a:pt x="162" y="660"/>
+                  </a:cubicBezTo>
+                  <a:close/>
+                </a:path>
+              </a:pathLst>
+            </a:custGeom>
+            <a:solidFill>
+              <a:schemeClr val="tx2">
+                <a:alpha val="20000"/>
+              </a:schemeClr>
+            </a:solidFill>
+            <a:ln>
+              <a:noFill/>
+            </a:ln>
+          </p:spPr>
+        </p:sp>
+        <p:sp>
+          <p:nvSpPr>
+            <p:cNvPr id="29" name="Freeform 16"/>
+            <p:cNvSpPr/>
+            <p:nvPr/>
+          </p:nvSpPr>
+          <p:spPr bwMode="auto">
+            <a:xfrm>
+              <a:off x="2506663" y="285750"/>
+              <a:ext cx="90488" cy="2493963"/>
+            </a:xfrm>
+            <a:custGeom>
+              <a:avLst/>
+              <a:gdLst/>
+              <a:ahLst/>
+              <a:cxnLst/>
+              <a:rect l="0" t="0" r="r" b="b"/>
+              <a:pathLst>
+                <a:path w="23" h="635">
+                  <a:moveTo>
+                    <a:pt x="11" y="577"/>
+                  </a:moveTo>
+                  <a:cubicBezTo>
+                    <a:pt x="12" y="581"/>
+                    <a:pt x="12" y="585"/>
+                    <a:pt x="12" y="589"/>
+                  </a:cubicBezTo>
+                  <a:cubicBezTo>
+                    <a:pt x="15" y="603"/>
+                    <a:pt x="19" y="617"/>
+                    <a:pt x="22" y="632"/>
+                  </a:cubicBezTo>
+                  <a:cubicBezTo>
+                    <a:pt x="22" y="633"/>
+                    <a:pt x="22" y="634"/>
+                    <a:pt x="23" y="635"/>
+                  </a:cubicBezTo>
+                  <a:cubicBezTo>
+                    <a:pt x="21" y="615"/>
+                    <a:pt x="19" y="596"/>
+                    <a:pt x="17" y="576"/>
+                  </a:cubicBezTo>
+                  <a:cubicBezTo>
+                    <a:pt x="9" y="474"/>
+                    <a:pt x="5" y="372"/>
+                    <a:pt x="5" y="269"/>
+                  </a:cubicBezTo>
+                  <a:cubicBezTo>
+                    <a:pt x="6" y="179"/>
+                    <a:pt x="9" y="90"/>
+                    <a:pt x="15" y="0"/>
+                  </a:cubicBezTo>
+                  <a:cubicBezTo>
+                    <a:pt x="12" y="0"/>
+                    <a:pt x="12" y="0"/>
+                    <a:pt x="12" y="0"/>
+                  </a:cubicBezTo>
+                  <a:cubicBezTo>
+                    <a:pt x="5" y="89"/>
+                    <a:pt x="2" y="179"/>
+                    <a:pt x="1" y="269"/>
+                  </a:cubicBezTo>
+                  <a:cubicBezTo>
+                    <a:pt x="0" y="372"/>
+                    <a:pt x="3" y="474"/>
+                    <a:pt x="11" y="577"/>
+                  </a:cubicBezTo>
+                  <a:close/>
+                </a:path>
+              </a:pathLst>
+            </a:custGeom>
+            <a:solidFill>
+              <a:schemeClr val="tx2">
+                <a:alpha val="20000"/>
+              </a:schemeClr>
+            </a:solidFill>
+            <a:ln>
+              <a:noFill/>
+            </a:ln>
+          </p:spPr>
+        </p:sp>
+        <p:sp>
+          <p:nvSpPr>
+            <p:cNvPr id="30" name="Freeform 17"/>
+            <p:cNvSpPr/>
+            <p:nvPr/>
+          </p:nvSpPr>
+          <p:spPr bwMode="auto">
+            <a:xfrm>
+              <a:off x="2554288" y="2598738"/>
+              <a:ext cx="66675" cy="420688"/>
+            </a:xfrm>
+            <a:custGeom>
+              <a:avLst/>
+              <a:gdLst/>
+              <a:ahLst/>
+              <a:cxnLst/>
+              <a:rect l="0" t="0" r="r" b="b"/>
+              <a:pathLst>
+                <a:path w="17" h="107">
+                  <a:moveTo>
+                    <a:pt x="0" y="0"/>
+                  </a:moveTo>
+                  <a:cubicBezTo>
+                    <a:pt x="2" y="19"/>
+                    <a:pt x="3" y="37"/>
+                    <a:pt x="5" y="56"/>
+                  </a:cubicBezTo>
+                  <a:cubicBezTo>
+                    <a:pt x="9" y="73"/>
+                    <a:pt x="13" y="90"/>
+                    <a:pt x="17" y="107"/>
+                  </a:cubicBezTo>
+                  <a:cubicBezTo>
+                    <a:pt x="15" y="87"/>
+                    <a:pt x="13" y="66"/>
+                    <a:pt x="11" y="46"/>
+                  </a:cubicBezTo>
+                  <a:cubicBezTo>
+                    <a:pt x="10" y="45"/>
+                    <a:pt x="10" y="44"/>
+                    <a:pt x="10" y="43"/>
+                  </a:cubicBezTo>
+                  <a:cubicBezTo>
+                    <a:pt x="7" y="28"/>
+                    <a:pt x="3" y="14"/>
+                    <a:pt x="0" y="0"/>
+                  </a:cubicBezTo>
+                  <a:close/>
+                </a:path>
+              </a:pathLst>
+            </a:custGeom>
+            <a:solidFill>
+              <a:schemeClr val="tx2">
+                <a:alpha val="20000"/>
+              </a:schemeClr>
+            </a:solidFill>
+            <a:ln>
+              <a:noFill/>
+            </a:ln>
+          </p:spPr>
+        </p:sp>
+        <p:sp>
+          <p:nvSpPr>
+            <p:cNvPr id="31" name="Freeform 18"/>
+            <p:cNvSpPr/>
+            <p:nvPr/>
+          </p:nvSpPr>
+          <p:spPr bwMode="auto">
+            <a:xfrm>
+              <a:off x="3143251" y="4757738"/>
+              <a:ext cx="161925" cy="873125"/>
+            </a:xfrm>
+            <a:custGeom>
+              <a:avLst/>
+              <a:gdLst/>
+              <a:ahLst/>
+              <a:cxnLst/>
+              <a:rect l="0" t="0" r="r" b="b"/>
+              <a:pathLst>
+                <a:path w="41" h="222">
+                  <a:moveTo>
+                    <a:pt x="0" y="0"/>
+                  </a:moveTo>
+                  <a:cubicBezTo>
+                    <a:pt x="0" y="31"/>
+                    <a:pt x="2" y="62"/>
+                    <a:pt x="5" y="93"/>
+                  </a:cubicBezTo>
+                  <a:cubicBezTo>
+                    <a:pt x="8" y="117"/>
+                    <a:pt x="12" y="142"/>
+                    <a:pt x="17" y="166"/>
+                  </a:cubicBezTo>
+                  <a:cubicBezTo>
+                    <a:pt x="19" y="172"/>
+                    <a:pt x="22" y="178"/>
+                    <a:pt x="24" y="184"/>
+                  </a:cubicBezTo>
+                  <a:cubicBezTo>
+                    <a:pt x="30" y="197"/>
+                    <a:pt x="35" y="209"/>
+                    <a:pt x="41" y="222"/>
+                  </a:cubicBezTo>
+                  <a:cubicBezTo>
+                    <a:pt x="40" y="219"/>
+                    <a:pt x="39" y="215"/>
+                    <a:pt x="38" y="212"/>
+                  </a:cubicBezTo>
+                  <a:cubicBezTo>
+                    <a:pt x="26" y="172"/>
+                    <a:pt x="18" y="132"/>
+                    <a:pt x="13" y="92"/>
+                  </a:cubicBezTo>
+                  <a:cubicBezTo>
+                    <a:pt x="11" y="68"/>
+                    <a:pt x="9" y="45"/>
+                    <a:pt x="8" y="22"/>
+                  </a:cubicBezTo>
+                  <a:cubicBezTo>
+                    <a:pt x="8" y="21"/>
+                    <a:pt x="7" y="20"/>
+                    <a:pt x="7" y="18"/>
+                  </a:cubicBezTo>
+                  <a:cubicBezTo>
+                    <a:pt x="5" y="12"/>
+                    <a:pt x="2" y="6"/>
+                    <a:pt x="0" y="0"/>
+                  </a:cubicBezTo>
+                  <a:close/>
+                </a:path>
+              </a:pathLst>
+            </a:custGeom>
+            <a:solidFill>
+              <a:schemeClr val="tx2">
+                <a:alpha val="20000"/>
+              </a:schemeClr>
+            </a:solidFill>
+            <a:ln>
+              <a:noFill/>
+            </a:ln>
+          </p:spPr>
+        </p:sp>
+        <p:sp>
+          <p:nvSpPr>
+            <p:cNvPr id="32" name="Freeform 19"/>
+            <p:cNvSpPr/>
+            <p:nvPr/>
+          </p:nvSpPr>
+          <p:spPr bwMode="auto">
+            <a:xfrm>
+              <a:off x="3148013" y="1282700"/>
+              <a:ext cx="1768475" cy="3448050"/>
+            </a:xfrm>
+            <a:custGeom>
+              <a:avLst/>
+              <a:gdLst/>
+              <a:ahLst/>
+              <a:cxnLst/>
+              <a:rect l="0" t="0" r="r" b="b"/>
+              <a:pathLst>
+                <a:path w="450" h="878">
+                  <a:moveTo>
+                    <a:pt x="7" y="854"/>
+                  </a:moveTo>
+                  <a:cubicBezTo>
+                    <a:pt x="10" y="772"/>
+                    <a:pt x="26" y="691"/>
+                    <a:pt x="50" y="613"/>
+                  </a:cubicBezTo>
+                  <a:cubicBezTo>
+                    <a:pt x="75" y="535"/>
+                    <a:pt x="109" y="460"/>
+                    <a:pt x="149" y="388"/>
+                  </a:cubicBezTo>
+                  <a:cubicBezTo>
+                    <a:pt x="189" y="316"/>
+                    <a:pt x="235" y="248"/>
+                    <a:pt x="285" y="183"/>
+                  </a:cubicBezTo>
+                  <a:cubicBezTo>
+                    <a:pt x="310" y="151"/>
+                    <a:pt x="337" y="119"/>
+                    <a:pt x="364" y="89"/>
+                  </a:cubicBezTo>
+                  <a:cubicBezTo>
+                    <a:pt x="378" y="74"/>
+                    <a:pt x="392" y="58"/>
+                    <a:pt x="406" y="44"/>
+                  </a:cubicBezTo>
+                  <a:cubicBezTo>
+                    <a:pt x="421" y="29"/>
+                    <a:pt x="435" y="15"/>
+                    <a:pt x="450" y="1"/>
+                  </a:cubicBezTo>
+                  <a:cubicBezTo>
+                    <a:pt x="450" y="0"/>
+                    <a:pt x="450" y="0"/>
+                    <a:pt x="450" y="0"/>
+                  </a:cubicBezTo>
+                  <a:cubicBezTo>
+                    <a:pt x="434" y="14"/>
+                    <a:pt x="420" y="28"/>
+                    <a:pt x="405" y="43"/>
+                  </a:cubicBezTo>
+                  <a:cubicBezTo>
+                    <a:pt x="391" y="57"/>
+                    <a:pt x="377" y="72"/>
+                    <a:pt x="363" y="88"/>
+                  </a:cubicBezTo>
+                  <a:cubicBezTo>
+                    <a:pt x="335" y="118"/>
+                    <a:pt x="308" y="149"/>
+                    <a:pt x="283" y="181"/>
+                  </a:cubicBezTo>
+                  <a:cubicBezTo>
+                    <a:pt x="232" y="246"/>
+                    <a:pt x="185" y="314"/>
+                    <a:pt x="145" y="386"/>
+                  </a:cubicBezTo>
+                  <a:cubicBezTo>
+                    <a:pt x="104" y="457"/>
+                    <a:pt x="70" y="533"/>
+                    <a:pt x="45" y="611"/>
+                  </a:cubicBezTo>
+                  <a:cubicBezTo>
+                    <a:pt x="19" y="690"/>
+                    <a:pt x="3" y="771"/>
+                    <a:pt x="0" y="854"/>
+                  </a:cubicBezTo>
+                  <a:cubicBezTo>
+                    <a:pt x="0" y="856"/>
+                    <a:pt x="0" y="857"/>
+                    <a:pt x="0" y="859"/>
+                  </a:cubicBezTo>
+                  <a:cubicBezTo>
+                    <a:pt x="2" y="865"/>
+                    <a:pt x="4" y="872"/>
+                    <a:pt x="7" y="878"/>
+                  </a:cubicBezTo>
+                  <a:cubicBezTo>
+                    <a:pt x="7" y="870"/>
+                    <a:pt x="7" y="862"/>
+                    <a:pt x="7" y="854"/>
+                  </a:cubicBezTo>
+                  <a:close/>
+                </a:path>
+              </a:pathLst>
+            </a:custGeom>
+            <a:solidFill>
+              <a:schemeClr val="tx2">
+                <a:alpha val="20000"/>
+              </a:schemeClr>
+            </a:solidFill>
+            <a:ln>
+              <a:noFill/>
+            </a:ln>
+          </p:spPr>
+        </p:sp>
+        <p:sp>
+          <p:nvSpPr>
+            <p:cNvPr id="33" name="Freeform 20"/>
+            <p:cNvSpPr/>
+            <p:nvPr/>
+          </p:nvSpPr>
+          <p:spPr bwMode="auto">
+            <a:xfrm>
+              <a:off x="3273426" y="5653088"/>
+              <a:ext cx="138113" cy="287338"/>
+            </a:xfrm>
+            <a:custGeom>
+              <a:avLst/>
+              <a:gdLst/>
+              <a:ahLst/>
+              <a:cxnLst/>
+              <a:rect l="0" t="0" r="r" b="b"/>
+              <a:pathLst>
+                <a:path w="35" h="73">
+                  <a:moveTo>
+                    <a:pt x="0" y="0"/>
+                  </a:moveTo>
+                  <a:cubicBezTo>
+                    <a:pt x="7" y="24"/>
+                    <a:pt x="16" y="49"/>
+                    <a:pt x="26" y="73"/>
+                  </a:cubicBezTo>
+                  <a:cubicBezTo>
+                    <a:pt x="35" y="73"/>
+                    <a:pt x="35" y="73"/>
+                    <a:pt x="35" y="73"/>
+                  </a:cubicBezTo>
+                  <a:cubicBezTo>
+                    <a:pt x="23" y="49"/>
+                    <a:pt x="11" y="24"/>
+                    <a:pt x="0" y="0"/>
+                  </a:cubicBezTo>
+                  <a:close/>
+                </a:path>
+              </a:pathLst>
+            </a:custGeom>
+            <a:solidFill>
+              <a:schemeClr val="tx2">
+                <a:alpha val="20000"/>
+              </a:schemeClr>
+            </a:solidFill>
+            <a:ln>
+              <a:noFill/>
+            </a:ln>
+          </p:spPr>
+        </p:sp>
+        <p:sp>
+          <p:nvSpPr>
+            <p:cNvPr id="34" name="Freeform 21"/>
+            <p:cNvSpPr/>
+            <p:nvPr/>
+          </p:nvSpPr>
+          <p:spPr bwMode="auto">
+            <a:xfrm>
+              <a:off x="3143251" y="4656138"/>
+              <a:ext cx="31750" cy="188913"/>
+            </a:xfrm>
+            <a:custGeom>
+              <a:avLst/>
+              <a:gdLst/>
+              <a:ahLst/>
+              <a:cxnLst/>
+              <a:rect l="0" t="0" r="r" b="b"/>
+              <a:pathLst>
+                <a:path w="8" h="48">
+                  <a:moveTo>
+                    <a:pt x="7" y="44"/>
+                  </a:moveTo>
+                  <a:cubicBezTo>
+                    <a:pt x="7" y="46"/>
+                    <a:pt x="8" y="47"/>
+                    <a:pt x="8" y="48"/>
+                  </a:cubicBezTo>
+                  <a:cubicBezTo>
+                    <a:pt x="8" y="38"/>
+                    <a:pt x="8" y="29"/>
+                    <a:pt x="8" y="19"/>
+                  </a:cubicBezTo>
+                  <a:cubicBezTo>
+                    <a:pt x="5" y="13"/>
+                    <a:pt x="3" y="6"/>
+                    <a:pt x="1" y="0"/>
+                  </a:cubicBezTo>
+                  <a:cubicBezTo>
+                    <a:pt x="0" y="9"/>
+                    <a:pt x="0" y="17"/>
+                    <a:pt x="0" y="26"/>
+                  </a:cubicBezTo>
+                  <a:cubicBezTo>
+                    <a:pt x="2" y="32"/>
+                    <a:pt x="5" y="38"/>
+                    <a:pt x="7" y="44"/>
+                  </a:cubicBezTo>
+                  <a:close/>
+                </a:path>
+              </a:pathLst>
+            </a:custGeom>
+            <a:solidFill>
+              <a:schemeClr val="tx2">
+                <a:alpha val="20000"/>
+              </a:schemeClr>
+            </a:solidFill>
+            <a:ln>
+              <a:noFill/>
+            </a:ln>
+          </p:spPr>
+        </p:sp>
+        <p:sp>
+          <p:nvSpPr>
+            <p:cNvPr id="35" name="Freeform 22"/>
+            <p:cNvSpPr/>
+            <p:nvPr/>
+          </p:nvSpPr>
+          <p:spPr bwMode="auto">
+            <a:xfrm>
+              <a:off x="3211513" y="5410200"/>
+              <a:ext cx="203200" cy="530225"/>
+            </a:xfrm>
+            <a:custGeom>
+              <a:avLst/>
+              <a:gdLst/>
+              <a:ahLst/>
+              <a:cxnLst/>
+              <a:rect l="0" t="0" r="r" b="b"/>
+              <a:pathLst>
+                <a:path w="52" h="135">
+                  <a:moveTo>
+                    <a:pt x="7" y="18"/>
+                  </a:moveTo>
+                  <a:cubicBezTo>
+                    <a:pt x="5" y="12"/>
+                    <a:pt x="2" y="6"/>
+                    <a:pt x="0" y="0"/>
+                  </a:cubicBezTo>
+                  <a:cubicBezTo>
+                    <a:pt x="3" y="16"/>
+                    <a:pt x="7" y="32"/>
+                    <a:pt x="12" y="48"/>
+                  </a:cubicBezTo>
+                  <a:cubicBezTo>
+                    <a:pt x="13" y="53"/>
+                    <a:pt x="14" y="57"/>
+                    <a:pt x="16" y="62"/>
+                  </a:cubicBezTo>
+                  <a:cubicBezTo>
+                    <a:pt x="27" y="86"/>
+                    <a:pt x="39" y="111"/>
+                    <a:pt x="51" y="135"/>
+                  </a:cubicBezTo>
+                  <a:cubicBezTo>
+                    <a:pt x="52" y="135"/>
+                    <a:pt x="52" y="135"/>
+                    <a:pt x="52" y="135"/>
+                  </a:cubicBezTo>
+                  <a:cubicBezTo>
+                    <a:pt x="41" y="109"/>
+                    <a:pt x="32" y="83"/>
+                    <a:pt x="24" y="56"/>
+                  </a:cubicBezTo>
+                  <a:cubicBezTo>
+                    <a:pt x="18" y="43"/>
+                    <a:pt x="13" y="31"/>
+                    <a:pt x="7" y="18"/>
+                  </a:cubicBezTo>
+                  <a:close/>
+                </a:path>
+              </a:pathLst>
+            </a:custGeom>
+            <a:solidFill>
+              <a:schemeClr val="tx2">
+                <a:alpha val="20000"/>
+              </a:schemeClr>
+            </a:solidFill>
+            <a:ln>
+              <a:noFill/>
+            </a:ln>
+          </p:spPr>
+        </p:sp>
+      </p:grpSp>
+      <p:grpSp>
+        <p:nvGrpSpPr>
+          <p:cNvPr id="10" name="Group 9"/>
+          <p:cNvGrpSpPr/>
+          <p:nvPr/>
+        </p:nvGrpSpPr>
+        <p:grpSpPr>
+          <a:xfrm>
+            <a:off x="27221" y="-32"/>
+            <a:ext cx="2356674" cy="6853285"/>
+            <a:chOff x="6627813" y="195454"/>
+            <a:chExt cx="1952625" cy="5678297"/>
+          </a:xfrm>
+        </p:grpSpPr>
+        <p:sp>
+          <p:nvSpPr>
+            <p:cNvPr id="11" name="Freeform 27"/>
+            <p:cNvSpPr/>
+            <p:nvPr/>
+          </p:nvSpPr>
+          <p:spPr bwMode="auto">
+            <a:xfrm>
+              <a:off x="6627813" y="195454"/>
+              <a:ext cx="409575" cy="3646488"/>
+            </a:xfrm>
+            <a:custGeom>
+              <a:avLst/>
+              <a:gdLst/>
+              <a:ahLst/>
+              <a:cxnLst/>
+              <a:rect l="0" t="0" r="r" b="b"/>
+              <a:pathLst>
+                <a:path w="103" h="920">
+                  <a:moveTo>
+                    <a:pt x="7" y="210"/>
+                  </a:moveTo>
+                  <a:cubicBezTo>
+                    <a:pt x="11" y="288"/>
+                    <a:pt x="17" y="367"/>
+                    <a:pt x="26" y="445"/>
+                  </a:cubicBezTo>
+                  <a:cubicBezTo>
+                    <a:pt x="34" y="523"/>
+                    <a:pt x="44" y="601"/>
+                    <a:pt x="57" y="679"/>
+                  </a:cubicBezTo>
+                  <a:cubicBezTo>
+                    <a:pt x="69" y="757"/>
+                    <a:pt x="84" y="834"/>
+                    <a:pt x="101" y="911"/>
+                  </a:cubicBezTo>
+                  <a:cubicBezTo>
+                    <a:pt x="102" y="914"/>
+                    <a:pt x="103" y="917"/>
+                    <a:pt x="103" y="920"/>
+                  </a:cubicBezTo>
+                  <a:cubicBezTo>
+                    <a:pt x="102" y="905"/>
+                    <a:pt x="100" y="889"/>
+                    <a:pt x="99" y="874"/>
+                  </a:cubicBezTo>
+                  <a:cubicBezTo>
+                    <a:pt x="99" y="871"/>
+                    <a:pt x="99" y="868"/>
+                    <a:pt x="99" y="866"/>
+                  </a:cubicBezTo>
+                  <a:cubicBezTo>
+                    <a:pt x="85" y="803"/>
+                    <a:pt x="73" y="741"/>
+                    <a:pt x="63" y="678"/>
+                  </a:cubicBezTo>
+                  <a:cubicBezTo>
+                    <a:pt x="50" y="600"/>
+                    <a:pt x="39" y="523"/>
+                    <a:pt x="30" y="444"/>
+                  </a:cubicBezTo>
+                  <a:cubicBezTo>
+                    <a:pt x="21" y="366"/>
+                    <a:pt x="14" y="288"/>
+                    <a:pt x="9" y="209"/>
+                  </a:cubicBezTo>
+                  <a:cubicBezTo>
+                    <a:pt x="7" y="170"/>
+                    <a:pt x="5" y="131"/>
+                    <a:pt x="3" y="92"/>
+                  </a:cubicBezTo>
+                  <a:cubicBezTo>
+                    <a:pt x="2" y="61"/>
+                    <a:pt x="1" y="31"/>
+                    <a:pt x="1" y="0"/>
+                  </a:cubicBezTo>
+                  <a:cubicBezTo>
+                    <a:pt x="0" y="0"/>
+                    <a:pt x="0" y="0"/>
+                    <a:pt x="0" y="0"/>
+                  </a:cubicBezTo>
+                  <a:cubicBezTo>
+                    <a:pt x="0" y="31"/>
+                    <a:pt x="1" y="61"/>
+                    <a:pt x="1" y="92"/>
+                  </a:cubicBezTo>
+                  <a:cubicBezTo>
+                    <a:pt x="3" y="131"/>
+                    <a:pt x="4" y="170"/>
+                    <a:pt x="7" y="210"/>
+                  </a:cubicBezTo>
+                  <a:close/>
+                </a:path>
+              </a:pathLst>
+            </a:custGeom>
+            <a:solidFill>
+              <a:schemeClr val="tx2"/>
+            </a:solidFill>
+            <a:ln>
+              <a:noFill/>
+            </a:ln>
+          </p:spPr>
+        </p:sp>
+        <p:sp>
+          <p:nvSpPr>
+            <p:cNvPr id="12" name="Freeform 28"/>
+            <p:cNvSpPr/>
+            <p:nvPr/>
+          </p:nvSpPr>
+          <p:spPr bwMode="auto">
+            <a:xfrm>
+              <a:off x="7061201" y="3771900"/>
+              <a:ext cx="350838" cy="1309688"/>
+            </a:xfrm>
+            <a:custGeom>
+              <a:avLst/>
+              <a:gdLst/>
+              <a:ahLst/>
+              <a:cxnLst/>
+              <a:rect l="0" t="0" r="r" b="b"/>
+              <a:pathLst>
+                <a:path w="88" h="330">
+                  <a:moveTo>
+                    <a:pt x="53" y="229"/>
+                  </a:moveTo>
+                  <a:cubicBezTo>
+                    <a:pt x="64" y="263"/>
+                    <a:pt x="75" y="297"/>
+                    <a:pt x="88" y="330"/>
+                  </a:cubicBezTo>
+                  <a:cubicBezTo>
+                    <a:pt x="88" y="323"/>
+                    <a:pt x="88" y="315"/>
+                    <a:pt x="88" y="308"/>
+                  </a:cubicBezTo>
+                  <a:cubicBezTo>
+                    <a:pt x="88" y="307"/>
+                    <a:pt x="88" y="305"/>
+                    <a:pt x="88" y="304"/>
+                  </a:cubicBezTo>
+                  <a:cubicBezTo>
+                    <a:pt x="79" y="278"/>
+                    <a:pt x="70" y="252"/>
+                    <a:pt x="62" y="226"/>
+                  </a:cubicBezTo>
+                  <a:cubicBezTo>
+                    <a:pt x="38" y="152"/>
+                    <a:pt x="17" y="76"/>
+                    <a:pt x="0" y="0"/>
+                  </a:cubicBezTo>
+                  <a:cubicBezTo>
+                    <a:pt x="2" y="21"/>
+                    <a:pt x="4" y="42"/>
+                    <a:pt x="7" y="63"/>
+                  </a:cubicBezTo>
+                  <a:cubicBezTo>
+                    <a:pt x="21" y="119"/>
+                    <a:pt x="36" y="174"/>
+                    <a:pt x="53" y="229"/>
+                  </a:cubicBezTo>
+                  <a:close/>
+                </a:path>
+              </a:pathLst>
+            </a:custGeom>
+            <a:solidFill>
+              <a:schemeClr val="tx2"/>
+            </a:solidFill>
+            <a:ln>
+              <a:noFill/>
+            </a:ln>
+          </p:spPr>
+        </p:sp>
+        <p:sp>
+          <p:nvSpPr>
+            <p:cNvPr id="13" name="Freeform 29"/>
+            <p:cNvSpPr/>
+            <p:nvPr/>
+          </p:nvSpPr>
+          <p:spPr bwMode="auto">
+            <a:xfrm>
+              <a:off x="7439026" y="5053013"/>
+              <a:ext cx="357188" cy="820738"/>
+            </a:xfrm>
+            <a:custGeom>
+              <a:avLst/>
+              <a:gdLst/>
+              <a:ahLst/>
+              <a:cxnLst/>
+              <a:rect l="0" t="0" r="r" b="b"/>
+              <a:pathLst>
+                <a:path w="90" h="207">
+                  <a:moveTo>
+                    <a:pt x="6" y="15"/>
+                  </a:moveTo>
+                  <a:cubicBezTo>
+                    <a:pt x="4" y="10"/>
+                    <a:pt x="2" y="5"/>
+                    <a:pt x="0" y="0"/>
+                  </a:cubicBezTo>
+                  <a:cubicBezTo>
+                    <a:pt x="0" y="9"/>
+                    <a:pt x="0" y="19"/>
+                    <a:pt x="1" y="29"/>
+                  </a:cubicBezTo>
+                  <a:cubicBezTo>
+                    <a:pt x="14" y="62"/>
+                    <a:pt x="27" y="95"/>
+                    <a:pt x="42" y="127"/>
+                  </a:cubicBezTo>
+                  <a:cubicBezTo>
+                    <a:pt x="54" y="154"/>
+                    <a:pt x="67" y="181"/>
+                    <a:pt x="80" y="207"/>
+                  </a:cubicBezTo>
+                  <a:cubicBezTo>
+                    <a:pt x="90" y="207"/>
+                    <a:pt x="90" y="207"/>
+                    <a:pt x="90" y="207"/>
+                  </a:cubicBezTo>
+                  <a:cubicBezTo>
+                    <a:pt x="76" y="180"/>
+                    <a:pt x="63" y="152"/>
+                    <a:pt x="50" y="123"/>
+                  </a:cubicBezTo>
+                  <a:cubicBezTo>
+                    <a:pt x="34" y="88"/>
+                    <a:pt x="20" y="51"/>
+                    <a:pt x="6" y="15"/>
+                  </a:cubicBezTo>
+                  <a:close/>
+                </a:path>
+              </a:pathLst>
+            </a:custGeom>
+            <a:solidFill>
+              <a:schemeClr val="tx2"/>
+            </a:solidFill>
+            <a:ln>
+              <a:noFill/>
+            </a:ln>
+          </p:spPr>
+        </p:sp>
+        <p:sp>
+          <p:nvSpPr>
+            <p:cNvPr id="14" name="Freeform 30"/>
+            <p:cNvSpPr/>
+            <p:nvPr/>
+          </p:nvSpPr>
+          <p:spPr bwMode="auto">
+            <a:xfrm>
+              <a:off x="7037388" y="3811588"/>
+              <a:ext cx="457200" cy="1852613"/>
+            </a:xfrm>
+            <a:custGeom>
+              <a:avLst/>
+              <a:gdLst/>
+              <a:ahLst/>
+              <a:cxnLst/>
+              <a:rect l="0" t="0" r="r" b="b"/>
+              <a:pathLst>
+                <a:path w="115" h="467">
+                  <a:moveTo>
+                    <a:pt x="101" y="409"/>
+                  </a:moveTo>
+                  <a:cubicBezTo>
+                    <a:pt x="93" y="388"/>
+                    <a:pt x="85" y="366"/>
+                    <a:pt x="78" y="344"/>
+                  </a:cubicBezTo>
+                  <a:cubicBezTo>
+                    <a:pt x="57" y="281"/>
+                    <a:pt x="41" y="216"/>
+                    <a:pt x="29" y="151"/>
+                  </a:cubicBezTo>
+                  <a:cubicBezTo>
+                    <a:pt x="22" y="119"/>
+                    <a:pt x="17" y="86"/>
+                    <a:pt x="13" y="53"/>
+                  </a:cubicBezTo>
+                  <a:cubicBezTo>
+                    <a:pt x="9" y="35"/>
+                    <a:pt x="4" y="18"/>
+                    <a:pt x="0" y="0"/>
+                  </a:cubicBezTo>
+                  <a:cubicBezTo>
+                    <a:pt x="5" y="51"/>
+                    <a:pt x="12" y="102"/>
+                    <a:pt x="21" y="152"/>
+                  </a:cubicBezTo>
+                  <a:cubicBezTo>
+                    <a:pt x="33" y="218"/>
+                    <a:pt x="49" y="283"/>
+                    <a:pt x="69" y="347"/>
+                  </a:cubicBezTo>
+                  <a:cubicBezTo>
+                    <a:pt x="79" y="378"/>
+                    <a:pt x="90" y="410"/>
+                    <a:pt x="103" y="441"/>
+                  </a:cubicBezTo>
+                  <a:cubicBezTo>
+                    <a:pt x="107" y="449"/>
+                    <a:pt x="111" y="458"/>
+                    <a:pt x="115" y="467"/>
+                  </a:cubicBezTo>
+                  <a:cubicBezTo>
+                    <a:pt x="114" y="464"/>
+                    <a:pt x="113" y="461"/>
+                    <a:pt x="112" y="458"/>
+                  </a:cubicBezTo>
+                  <a:cubicBezTo>
+                    <a:pt x="108" y="442"/>
+                    <a:pt x="104" y="425"/>
+                    <a:pt x="101" y="409"/>
+                  </a:cubicBezTo>
+                  <a:close/>
+                </a:path>
+              </a:pathLst>
+            </a:custGeom>
+            <a:solidFill>
+              <a:schemeClr val="tx2"/>
+            </a:solidFill>
+            <a:ln>
+              <a:noFill/>
+            </a:ln>
+          </p:spPr>
+        </p:sp>
+        <p:sp>
+          <p:nvSpPr>
+            <p:cNvPr id="15" name="Freeform 31"/>
+            <p:cNvSpPr/>
+            <p:nvPr/>
+          </p:nvSpPr>
+          <p:spPr bwMode="auto">
+            <a:xfrm>
+              <a:off x="6992938" y="1263650"/>
+              <a:ext cx="144463" cy="2508250"/>
+            </a:xfrm>
+            <a:custGeom>
+              <a:avLst/>
+              <a:gdLst/>
+              <a:ahLst/>
+              <a:cxnLst/>
+              <a:rect l="0" t="0" r="r" b="b"/>
+              <a:pathLst>
+                <a:path w="36" h="633">
+                  <a:moveTo>
+                    <a:pt x="17" y="633"/>
+                  </a:moveTo>
+                  <a:cubicBezTo>
+                    <a:pt x="15" y="621"/>
+                    <a:pt x="14" y="609"/>
+                    <a:pt x="13" y="597"/>
+                  </a:cubicBezTo>
+                  <a:cubicBezTo>
+                    <a:pt x="8" y="530"/>
+                    <a:pt x="5" y="464"/>
+                    <a:pt x="5" y="398"/>
+                  </a:cubicBezTo>
+                  <a:cubicBezTo>
+                    <a:pt x="5" y="331"/>
+                    <a:pt x="8" y="265"/>
+                    <a:pt x="13" y="198"/>
+                  </a:cubicBezTo>
+                  <a:cubicBezTo>
+                    <a:pt x="15" y="165"/>
+                    <a:pt x="18" y="132"/>
+                    <a:pt x="22" y="99"/>
+                  </a:cubicBezTo>
+                  <a:cubicBezTo>
+                    <a:pt x="26" y="66"/>
+                    <a:pt x="30" y="33"/>
+                    <a:pt x="36" y="0"/>
+                  </a:cubicBezTo>
+                  <a:cubicBezTo>
+                    <a:pt x="35" y="0"/>
+                    <a:pt x="35" y="0"/>
+                    <a:pt x="35" y="0"/>
+                  </a:cubicBezTo>
+                  <a:cubicBezTo>
+                    <a:pt x="29" y="33"/>
+                    <a:pt x="24" y="66"/>
+                    <a:pt x="20" y="99"/>
+                  </a:cubicBezTo>
+                  <a:cubicBezTo>
+                    <a:pt x="16" y="132"/>
+                    <a:pt x="13" y="165"/>
+                    <a:pt x="10" y="198"/>
+                  </a:cubicBezTo>
+                  <a:cubicBezTo>
+                    <a:pt x="4" y="264"/>
+                    <a:pt x="1" y="331"/>
+                    <a:pt x="1" y="398"/>
+                  </a:cubicBezTo>
+                  <a:cubicBezTo>
+                    <a:pt x="0" y="461"/>
+                    <a:pt x="2" y="525"/>
+                    <a:pt x="7" y="589"/>
+                  </a:cubicBezTo>
+                  <a:cubicBezTo>
+                    <a:pt x="10" y="603"/>
+                    <a:pt x="13" y="618"/>
+                    <a:pt x="16" y="632"/>
+                  </a:cubicBezTo>
+                  <a:cubicBezTo>
+                    <a:pt x="16" y="632"/>
+                    <a:pt x="17" y="633"/>
+                    <a:pt x="17" y="633"/>
+                  </a:cubicBezTo>
+                  <a:close/>
+                </a:path>
+              </a:pathLst>
+            </a:custGeom>
+            <a:solidFill>
+              <a:schemeClr val="tx2"/>
+            </a:solidFill>
+            <a:ln>
+              <a:noFill/>
+            </a:ln>
+          </p:spPr>
+        </p:sp>
+        <p:sp>
+          <p:nvSpPr>
+            <p:cNvPr id="16" name="Freeform 32"/>
+            <p:cNvSpPr/>
+            <p:nvPr/>
+          </p:nvSpPr>
+          <p:spPr bwMode="auto">
+            <a:xfrm>
+              <a:off x="7526338" y="5640388"/>
+              <a:ext cx="111125" cy="233363"/>
+            </a:xfrm>
+            <a:custGeom>
+              <a:avLst/>
+              <a:gdLst/>
+              <a:ahLst/>
+              <a:cxnLst/>
+              <a:rect l="0" t="0" r="r" b="b"/>
+              <a:pathLst>
+                <a:path w="28" h="59">
+                  <a:moveTo>
+                    <a:pt x="22" y="59"/>
+                  </a:moveTo>
+                  <a:cubicBezTo>
+                    <a:pt x="28" y="59"/>
+                    <a:pt x="28" y="59"/>
+                    <a:pt x="28" y="59"/>
+                  </a:cubicBezTo>
+                  <a:cubicBezTo>
+                    <a:pt x="18" y="40"/>
+                    <a:pt x="9" y="20"/>
+                    <a:pt x="0" y="0"/>
+                  </a:cubicBezTo>
+                  <a:cubicBezTo>
+                    <a:pt x="6" y="20"/>
+                    <a:pt x="13" y="40"/>
+                    <a:pt x="22" y="59"/>
+                  </a:cubicBezTo>
+                  <a:close/>
+                </a:path>
+              </a:pathLst>
+            </a:custGeom>
+            <a:solidFill>
+              <a:schemeClr val="tx2"/>
+            </a:solidFill>
+            <a:ln>
+              <a:noFill/>
+            </a:ln>
+          </p:spPr>
+        </p:sp>
+        <p:sp>
+          <p:nvSpPr>
+            <p:cNvPr id="17" name="Freeform 33"/>
+            <p:cNvSpPr/>
+            <p:nvPr/>
+          </p:nvSpPr>
+          <p:spPr bwMode="auto">
+            <a:xfrm>
+              <a:off x="7021513" y="3598863"/>
+              <a:ext cx="68263" cy="423863"/>
+            </a:xfrm>
+            <a:custGeom>
+              <a:avLst/>
+              <a:gdLst/>
+              <a:ahLst/>
+              <a:cxnLst/>
+              <a:rect l="0" t="0" r="r" b="b"/>
+              <a:pathLst>
+                <a:path w="17" h="107">
+                  <a:moveTo>
+                    <a:pt x="4" y="54"/>
+                  </a:moveTo>
+                  <a:cubicBezTo>
+                    <a:pt x="8" y="72"/>
+                    <a:pt x="13" y="89"/>
+                    <a:pt x="17" y="107"/>
+                  </a:cubicBezTo>
+                  <a:cubicBezTo>
+                    <a:pt x="14" y="86"/>
+                    <a:pt x="12" y="65"/>
+                    <a:pt x="10" y="44"/>
+                  </a:cubicBezTo>
+                  <a:cubicBezTo>
+                    <a:pt x="10" y="44"/>
+                    <a:pt x="9" y="43"/>
+                    <a:pt x="9" y="43"/>
+                  </a:cubicBezTo>
+                  <a:cubicBezTo>
+                    <a:pt x="6" y="29"/>
+                    <a:pt x="3" y="14"/>
+                    <a:pt x="0" y="0"/>
+                  </a:cubicBezTo>
+                  <a:cubicBezTo>
+                    <a:pt x="0" y="2"/>
+                    <a:pt x="0" y="5"/>
+                    <a:pt x="0" y="8"/>
+                  </a:cubicBezTo>
+                  <a:cubicBezTo>
+                    <a:pt x="1" y="23"/>
+                    <a:pt x="3" y="39"/>
+                    <a:pt x="4" y="54"/>
+                  </a:cubicBezTo>
+                  <a:close/>
+                </a:path>
+              </a:pathLst>
+            </a:custGeom>
+            <a:solidFill>
+              <a:schemeClr val="tx2"/>
+            </a:solidFill>
+            <a:ln>
+              <a:noFill/>
+            </a:ln>
+          </p:spPr>
+        </p:sp>
+        <p:sp>
+          <p:nvSpPr>
+            <p:cNvPr id="18" name="Freeform 34"/>
+            <p:cNvSpPr/>
+            <p:nvPr/>
+          </p:nvSpPr>
+          <p:spPr bwMode="auto">
+            <a:xfrm>
+              <a:off x="7412038" y="2801938"/>
+              <a:ext cx="1168400" cy="2251075"/>
+            </a:xfrm>
+            <a:custGeom>
+              <a:avLst/>
+              <a:gdLst/>
+              <a:ahLst/>
+              <a:cxnLst/>
+              <a:rect l="0" t="0" r="r" b="b"/>
+              <a:pathLst>
+                <a:path w="294" h="568">
+                  <a:moveTo>
+                    <a:pt x="8" y="553"/>
+                  </a:moveTo>
+                  <a:cubicBezTo>
+                    <a:pt x="9" y="501"/>
+                    <a:pt x="19" y="448"/>
+                    <a:pt x="35" y="397"/>
+                  </a:cubicBezTo>
+                  <a:cubicBezTo>
+                    <a:pt x="51" y="347"/>
+                    <a:pt x="73" y="298"/>
+                    <a:pt x="99" y="252"/>
+                  </a:cubicBezTo>
+                  <a:cubicBezTo>
+                    <a:pt x="124" y="205"/>
+                    <a:pt x="154" y="161"/>
+                    <a:pt x="187" y="119"/>
+                  </a:cubicBezTo>
+                  <a:cubicBezTo>
+                    <a:pt x="203" y="98"/>
+                    <a:pt x="220" y="77"/>
+                    <a:pt x="238" y="58"/>
+                  </a:cubicBezTo>
+                  <a:cubicBezTo>
+                    <a:pt x="247" y="48"/>
+                    <a:pt x="256" y="38"/>
+                    <a:pt x="265" y="28"/>
+                  </a:cubicBezTo>
+                  <a:cubicBezTo>
+                    <a:pt x="274" y="19"/>
+                    <a:pt x="284" y="9"/>
+                    <a:pt x="294" y="0"/>
+                  </a:cubicBezTo>
+                  <a:cubicBezTo>
+                    <a:pt x="293" y="0"/>
+                    <a:pt x="293" y="0"/>
+                    <a:pt x="293" y="0"/>
+                  </a:cubicBezTo>
+                  <a:cubicBezTo>
+                    <a:pt x="283" y="9"/>
+                    <a:pt x="273" y="18"/>
+                    <a:pt x="264" y="27"/>
+                  </a:cubicBezTo>
+                  <a:cubicBezTo>
+                    <a:pt x="255" y="37"/>
+                    <a:pt x="246" y="47"/>
+                    <a:pt x="237" y="56"/>
+                  </a:cubicBezTo>
+                  <a:cubicBezTo>
+                    <a:pt x="218" y="76"/>
+                    <a:pt x="201" y="96"/>
+                    <a:pt x="185" y="117"/>
+                  </a:cubicBezTo>
+                  <a:cubicBezTo>
+                    <a:pt x="151" y="159"/>
+                    <a:pt x="121" y="203"/>
+                    <a:pt x="95" y="249"/>
+                  </a:cubicBezTo>
+                  <a:cubicBezTo>
+                    <a:pt x="68" y="296"/>
+                    <a:pt x="46" y="345"/>
+                    <a:pt x="30" y="396"/>
+                  </a:cubicBezTo>
+                  <a:cubicBezTo>
+                    <a:pt x="13" y="445"/>
+                    <a:pt x="3" y="497"/>
+                    <a:pt x="0" y="549"/>
+                  </a:cubicBezTo>
+                  <a:cubicBezTo>
+                    <a:pt x="3" y="555"/>
+                    <a:pt x="5" y="561"/>
+                    <a:pt x="7" y="568"/>
+                  </a:cubicBezTo>
+                  <a:cubicBezTo>
+                    <a:pt x="7" y="563"/>
+                    <a:pt x="7" y="558"/>
+                    <a:pt x="8" y="553"/>
+                  </a:cubicBezTo>
+                  <a:close/>
+                </a:path>
+              </a:pathLst>
+            </a:custGeom>
+            <a:solidFill>
+              <a:schemeClr val="tx2"/>
+            </a:solidFill>
+            <a:ln>
+              <a:noFill/>
+            </a:ln>
+          </p:spPr>
+        </p:sp>
+        <p:sp>
+          <p:nvSpPr>
+            <p:cNvPr id="19" name="Freeform 35"/>
+            <p:cNvSpPr/>
+            <p:nvPr/>
+          </p:nvSpPr>
+          <p:spPr bwMode="auto">
+            <a:xfrm>
+              <a:off x="7494588" y="5664200"/>
+              <a:ext cx="100013" cy="209550"/>
+            </a:xfrm>
+            <a:custGeom>
+              <a:avLst/>
+              <a:gdLst/>
+              <a:ahLst/>
+              <a:cxnLst/>
+              <a:rect l="0" t="0" r="r" b="b"/>
+              <a:pathLst>
+                <a:path w="25" h="53">
+                  <a:moveTo>
+                    <a:pt x="0" y="0"/>
+                  </a:moveTo>
+                  <a:cubicBezTo>
+                    <a:pt x="5" y="18"/>
+                    <a:pt x="12" y="36"/>
+                    <a:pt x="19" y="53"/>
+                  </a:cubicBezTo>
+                  <a:cubicBezTo>
+                    <a:pt x="25" y="53"/>
+                    <a:pt x="25" y="53"/>
+                    <a:pt x="25" y="53"/>
+                  </a:cubicBezTo>
+                  <a:cubicBezTo>
+                    <a:pt x="16" y="36"/>
+                    <a:pt x="8" y="18"/>
+                    <a:pt x="0" y="0"/>
+                  </a:cubicBezTo>
+                  <a:close/>
+                </a:path>
+              </a:pathLst>
+            </a:custGeom>
+            <a:solidFill>
+              <a:schemeClr val="tx2"/>
+            </a:solidFill>
+            <a:ln>
+              <a:noFill/>
+            </a:ln>
+          </p:spPr>
+        </p:sp>
+        <p:sp>
+          <p:nvSpPr>
+            <p:cNvPr id="20" name="Freeform 36"/>
+            <p:cNvSpPr/>
+            <p:nvPr/>
+          </p:nvSpPr>
+          <p:spPr bwMode="auto">
+            <a:xfrm>
+              <a:off x="7412038" y="5081588"/>
+              <a:ext cx="114300" cy="558800"/>
+            </a:xfrm>
+            <a:custGeom>
+              <a:avLst/>
+              <a:gdLst/>
+              <a:ahLst/>
+              <a:cxnLst/>
+              <a:rect l="0" t="0" r="r" b="b"/>
+              <a:pathLst>
+                <a:path w="29" h="141">
+                  <a:moveTo>
+                    <a:pt x="0" y="0"/>
+                  </a:moveTo>
+                  <a:cubicBezTo>
+                    <a:pt x="0" y="30"/>
+                    <a:pt x="2" y="60"/>
+                    <a:pt x="7" y="89"/>
+                  </a:cubicBezTo>
+                  <a:cubicBezTo>
+                    <a:pt x="11" y="98"/>
+                    <a:pt x="14" y="108"/>
+                    <a:pt x="18" y="117"/>
+                  </a:cubicBezTo>
+                  <a:cubicBezTo>
+                    <a:pt x="22" y="125"/>
+                    <a:pt x="25" y="133"/>
+                    <a:pt x="29" y="141"/>
+                  </a:cubicBezTo>
+                  <a:cubicBezTo>
+                    <a:pt x="28" y="139"/>
+                    <a:pt x="28" y="137"/>
+                    <a:pt x="27" y="135"/>
+                  </a:cubicBezTo>
+                  <a:cubicBezTo>
+                    <a:pt x="16" y="98"/>
+                    <a:pt x="10" y="60"/>
+                    <a:pt x="8" y="22"/>
+                  </a:cubicBezTo>
+                  <a:cubicBezTo>
+                    <a:pt x="7" y="18"/>
+                    <a:pt x="5" y="15"/>
+                    <a:pt x="4" y="11"/>
+                  </a:cubicBezTo>
+                  <a:cubicBezTo>
+                    <a:pt x="2" y="7"/>
+                    <a:pt x="1" y="3"/>
+                    <a:pt x="0" y="0"/>
+                  </a:cubicBezTo>
+                  <a:close/>
+                </a:path>
+              </a:pathLst>
+            </a:custGeom>
+            <a:solidFill>
+              <a:schemeClr val="tx2"/>
+            </a:solidFill>
+            <a:ln>
+              <a:noFill/>
+            </a:ln>
+          </p:spPr>
+        </p:sp>
+        <p:sp>
+          <p:nvSpPr>
+            <p:cNvPr id="21" name="Freeform 37"/>
+            <p:cNvSpPr/>
+            <p:nvPr/>
+          </p:nvSpPr>
+          <p:spPr bwMode="auto">
+            <a:xfrm>
+              <a:off x="7412038" y="4978400"/>
+              <a:ext cx="31750" cy="188913"/>
+            </a:xfrm>
+            <a:custGeom>
+              <a:avLst/>
+              <a:gdLst/>
+              <a:ahLst/>
+              <a:cxnLst/>
+              <a:rect l="0" t="0" r="r" b="b"/>
+              <a:pathLst>
+                <a:path w="8" h="48">
+                  <a:moveTo>
+                    <a:pt x="0" y="26"/>
+                  </a:moveTo>
+                  <a:cubicBezTo>
+                    <a:pt x="1" y="29"/>
+                    <a:pt x="2" y="33"/>
+                    <a:pt x="4" y="37"/>
+                  </a:cubicBezTo>
+                  <a:cubicBezTo>
+                    <a:pt x="5" y="41"/>
+                    <a:pt x="7" y="44"/>
+                    <a:pt x="8" y="48"/>
+                  </a:cubicBezTo>
+                  <a:cubicBezTo>
+                    <a:pt x="7" y="38"/>
+                    <a:pt x="7" y="28"/>
+                    <a:pt x="7" y="19"/>
+                  </a:cubicBezTo>
+                  <a:cubicBezTo>
+                    <a:pt x="5" y="12"/>
+                    <a:pt x="3" y="6"/>
+                    <a:pt x="0" y="0"/>
+                  </a:cubicBezTo>
+                  <a:cubicBezTo>
+                    <a:pt x="0" y="1"/>
+                    <a:pt x="0" y="3"/>
+                    <a:pt x="0" y="4"/>
+                  </a:cubicBezTo>
+                  <a:cubicBezTo>
+                    <a:pt x="0" y="11"/>
+                    <a:pt x="0" y="19"/>
+                    <a:pt x="0" y="26"/>
+                  </a:cubicBezTo>
+                  <a:close/>
+                </a:path>
+              </a:pathLst>
+            </a:custGeom>
+            <a:solidFill>
+              <a:schemeClr val="tx2"/>
+            </a:solidFill>
+            <a:ln>
+              <a:noFill/>
+            </a:ln>
+          </p:spPr>
+        </p:sp>
+        <p:sp>
+          <p:nvSpPr>
+            <p:cNvPr id="22" name="Freeform 38"/>
+            <p:cNvSpPr/>
+            <p:nvPr/>
+          </p:nvSpPr>
+          <p:spPr bwMode="auto">
+            <a:xfrm>
+              <a:off x="7439026" y="5434013"/>
+              <a:ext cx="174625" cy="439738"/>
+            </a:xfrm>
+            <a:custGeom>
+              <a:avLst/>
+              <a:gdLst/>
+              <a:ahLst/>
+              <a:cxnLst/>
+              <a:rect l="0" t="0" r="r" b="b"/>
+              <a:pathLst>
+                <a:path w="44" h="111">
+                  <a:moveTo>
+                    <a:pt x="11" y="28"/>
+                  </a:moveTo>
+                  <a:cubicBezTo>
+                    <a:pt x="7" y="19"/>
+                    <a:pt x="4" y="9"/>
+                    <a:pt x="0" y="0"/>
+                  </a:cubicBezTo>
+                  <a:cubicBezTo>
+                    <a:pt x="3" y="16"/>
+                    <a:pt x="7" y="33"/>
+                    <a:pt x="11" y="49"/>
+                  </a:cubicBezTo>
+                  <a:cubicBezTo>
+                    <a:pt x="12" y="52"/>
+                    <a:pt x="13" y="55"/>
+                    <a:pt x="14" y="58"/>
+                  </a:cubicBezTo>
+                  <a:cubicBezTo>
+                    <a:pt x="22" y="76"/>
+                    <a:pt x="30" y="94"/>
+                    <a:pt x="39" y="111"/>
+                  </a:cubicBezTo>
+                  <a:cubicBezTo>
+                    <a:pt x="44" y="111"/>
+                    <a:pt x="44" y="111"/>
+                    <a:pt x="44" y="111"/>
+                  </a:cubicBezTo>
+                  <a:cubicBezTo>
+                    <a:pt x="35" y="92"/>
+                    <a:pt x="28" y="72"/>
+                    <a:pt x="22" y="52"/>
+                  </a:cubicBezTo>
+                  <a:cubicBezTo>
+                    <a:pt x="18" y="44"/>
+                    <a:pt x="15" y="36"/>
+                    <a:pt x="11" y="28"/>
+                  </a:cubicBezTo>
+                  <a:close/>
+                </a:path>
+              </a:pathLst>
+            </a:custGeom>
+            <a:solidFill>
+              <a:schemeClr val="tx2"/>
+            </a:solidFill>
+            <a:ln>
+              <a:noFill/>
+            </a:ln>
+          </p:spPr>
+        </p:sp>
+      </p:grpSp>
+      <p:sp>
+        <p:nvSpPr>
+          <p:cNvPr id="7" name="Rectangle 6"/>
+          <p:cNvSpPr/>
+          <p:nvPr/>
+        </p:nvSpPr>
+        <p:spPr>
+          <a:xfrm>
+            <a:off x="0" y="0"/>
+            <a:ext cx="182880" cy="6858000"/>
+          </a:xfrm>
+          <a:prstGeom prst="rect">
+            <a:avLst/>
+          </a:prstGeom>
+          <a:solidFill>
+            <a:schemeClr val="tx2"/>
+          </a:solidFill>
+          <a:ln>
+            <a:noFill/>
+          </a:ln>
+          <a:effectLst/>
+        </p:spPr>
+        <p:style>
+          <a:lnRef idx="1">
+            <a:schemeClr val="accent1"/>
+          </a:lnRef>
+          <a:fillRef idx="3">
+            <a:schemeClr val="accent1"/>
+          </a:fillRef>
+          <a:effectRef idx="2">
+            <a:schemeClr val="accent1"/>
+          </a:effectRef>
+          <a:fontRef idx="minor">
+            <a:schemeClr val="lt1"/>
+          </a:fontRef>
+        </p:style>
+      </p:sp>
+      <p:sp>
+        <p:nvSpPr>
+          <p:cNvPr id="2" name="Title Placeholder 1"/>
           <p:cNvSpPr>
             <a:spLocks noGrp="1"/>
           </p:cNvSpPr>
@@ -3169,8 +7056,8 @@
         </p:nvSpPr>
         <p:spPr>
           <a:xfrm>
-            <a:off x="517870" y="978408"/>
-            <a:ext cx="5021182" cy="4870457"/>
+            <a:off x="2592924" y="624110"/>
+            <a:ext cx="8911687" cy="1280890"/>
           </a:xfrm>
           <a:prstGeom prst="rect">
             <a:avLst/>
@@ -3192,13 +7079,7 @@
       </p:sp>
       <p:sp>
         <p:nvSpPr>
-          <p:cNvPr id="3" name="Text Placeholder 2">
-            <a:extLst>
-              <a:ext uri="{FF2B5EF4-FFF2-40B4-BE49-F238E27FC236}">
-                <a16:creationId xmlns:a16="http://schemas.microsoft.com/office/drawing/2014/main" id="{42E78801-35D1-4C19-BC2B-EAC7EE917E73}"/>
-              </a:ext>
-            </a:extLst>
-          </p:cNvPr>
+          <p:cNvPr id="3" name="Text Placeholder 2"/>
           <p:cNvSpPr>
             <a:spLocks noGrp="1"/>
           </p:cNvSpPr>
@@ -3208,8 +7089,8 @@
         </p:nvSpPr>
         <p:spPr>
           <a:xfrm>
-            <a:off x="6662168" y="969264"/>
-            <a:ext cx="5021182" cy="4870457"/>
+            <a:off x="2589212" y="2133600"/>
+            <a:ext cx="8915400" cy="3886200"/>
           </a:xfrm>
           <a:prstGeom prst="rect">
             <a:avLst/>
@@ -3260,13 +7141,7 @@
       </p:sp>
       <p:sp>
         <p:nvSpPr>
-          <p:cNvPr id="4" name="Date Placeholder 3">
-            <a:extLst>
-              <a:ext uri="{FF2B5EF4-FFF2-40B4-BE49-F238E27FC236}">
-                <a16:creationId xmlns:a16="http://schemas.microsoft.com/office/drawing/2014/main" id="{01282A45-C5B9-4575-8E28-A35767B4D71C}"/>
-              </a:ext>
-            </a:extLst>
-          </p:cNvPr>
+          <p:cNvPr id="4" name="Date Placeholder 3"/>
           <p:cNvSpPr>
             <a:spLocks noGrp="1"/>
           </p:cNvSpPr>
@@ -3276,8 +7151,8 @@
         </p:nvSpPr>
         <p:spPr>
           <a:xfrm>
-            <a:off x="517870" y="6420414"/>
-            <a:ext cx="2743200" cy="365125"/>
+            <a:off x="10361612" y="6130437"/>
+            <a:ext cx="1146283" cy="370396"/>
           </a:xfrm>
           <a:prstGeom prst="rect">
             <a:avLst/>
@@ -3286,10 +7161,12 @@
         <p:txBody>
           <a:bodyPr vert="horz" lIns="91440" tIns="45720" rIns="91440" bIns="45720" rtlCol="0" anchor="ctr"/>
           <a:lstStyle>
-            <a:lvl1pPr algn="l">
+            <a:lvl1pPr algn="r">
               <a:defRPr sz="900">
                 <a:solidFill>
-                  <a:schemeClr val="tx1"/>
+                  <a:schemeClr val="tx1">
+                    <a:tint val="75000"/>
+                  </a:schemeClr>
                 </a:solidFill>
               </a:defRPr>
             </a:lvl1pPr>
@@ -3305,13 +7182,7 @@
       </p:sp>
       <p:sp>
         <p:nvSpPr>
-          <p:cNvPr id="5" name="Footer Placeholder 4">
-            <a:extLst>
-              <a:ext uri="{FF2B5EF4-FFF2-40B4-BE49-F238E27FC236}">
-                <a16:creationId xmlns:a16="http://schemas.microsoft.com/office/drawing/2014/main" id="{2E9D0933-AA03-4018-8E37-004CFB9F61D6}"/>
-              </a:ext>
-            </a:extLst>
-          </p:cNvPr>
+          <p:cNvPr id="5" name="Footer Placeholder 4"/>
           <p:cNvSpPr>
             <a:spLocks noGrp="1"/>
           </p:cNvSpPr>
@@ -3321,8 +7192,8 @@
         </p:nvSpPr>
         <p:spPr>
           <a:xfrm>
-            <a:off x="517870" y="97713"/>
-            <a:ext cx="4114800" cy="365125"/>
+            <a:off x="2589212" y="6135808"/>
+            <a:ext cx="7619999" cy="365125"/>
           </a:xfrm>
           <a:prstGeom prst="rect">
             <a:avLst/>
@@ -3334,7 +7205,9 @@
             <a:lvl1pPr algn="l">
               <a:defRPr sz="900">
                 <a:solidFill>
-                  <a:schemeClr val="tx1"/>
+                  <a:schemeClr val="tx1">
+                    <a:tint val="75000"/>
+                  </a:schemeClr>
                 </a:solidFill>
               </a:defRPr>
             </a:lvl1pPr>
@@ -3346,13 +7219,7 @@
       </p:sp>
       <p:sp>
         <p:nvSpPr>
-          <p:cNvPr id="6" name="Slide Number Placeholder 5">
-            <a:extLst>
-              <a:ext uri="{FF2B5EF4-FFF2-40B4-BE49-F238E27FC236}">
-                <a16:creationId xmlns:a16="http://schemas.microsoft.com/office/drawing/2014/main" id="{BCCF282A-DF4A-4A2D-9672-8F0F770A3F1A}"/>
-              </a:ext>
-            </a:extLst>
-          </p:cNvPr>
+          <p:cNvPr id="6" name="Slide Number Placeholder 5"/>
           <p:cNvSpPr>
             <a:spLocks noGrp="1"/>
           </p:cNvSpPr>
@@ -3362,8 +7229,8 @@
         </p:nvSpPr>
         <p:spPr>
           <a:xfrm>
-            <a:off x="11454317" y="6420414"/>
-            <a:ext cx="637909" cy="365125"/>
+            <a:off x="531812" y="787782"/>
+            <a:ext cx="779767" cy="365125"/>
           </a:xfrm>
           <a:prstGeom prst="rect">
             <a:avLst/>
@@ -3373,9 +7240,9 @@
           <a:bodyPr vert="horz" lIns="91440" tIns="45720" rIns="91440" bIns="45720" rtlCol="0" anchor="ctr"/>
           <a:lstStyle>
             <a:lvl1pPr algn="r">
-              <a:defRPr sz="900">
+              <a:defRPr sz="2000">
                 <a:solidFill>
-                  <a:schemeClr val="tx1"/>
+                  <a:srgbClr val="FEFFFF"/>
                 </a:solidFill>
               </a:defRPr>
             </a:lvl1pPr>
@@ -3390,257 +7257,320 @@
           </a:p>
         </p:txBody>
       </p:sp>
-      <p:sp>
-        <p:nvSpPr>
-          <p:cNvPr id="14" name="Rectangle 13">
-            <a:extLst>
-              <a:ext uri="{FF2B5EF4-FFF2-40B4-BE49-F238E27FC236}">
-                <a16:creationId xmlns:a16="http://schemas.microsoft.com/office/drawing/2014/main" id="{ADE57300-C7FF-4578-99A0-42B0295B123C}"/>
-              </a:ext>
-            </a:extLst>
-          </p:cNvPr>
-          <p:cNvSpPr/>
-          <p:nvPr/>
-        </p:nvSpPr>
-        <p:spPr>
-          <a:xfrm>
-            <a:off x="517870" y="508090"/>
-            <a:ext cx="5021183" cy="149279"/>
-          </a:xfrm>
-          <a:prstGeom prst="rect">
-            <a:avLst/>
-          </a:prstGeom>
-          <a:solidFill>
-            <a:schemeClr val="tx1"/>
-          </a:solidFill>
-          <a:ln>
-            <a:noFill/>
-          </a:ln>
-        </p:spPr>
-        <p:style>
-          <a:lnRef idx="2">
-            <a:schemeClr val="accent1">
-              <a:shade val="50000"/>
-            </a:schemeClr>
-          </a:lnRef>
-          <a:fillRef idx="1">
-            <a:schemeClr val="accent1"/>
-          </a:fillRef>
-          <a:effectRef idx="0">
-            <a:schemeClr val="accent1"/>
-          </a:effectRef>
-          <a:fontRef idx="minor">
-            <a:schemeClr val="lt1"/>
-          </a:fontRef>
-        </p:style>
-        <p:txBody>
-          <a:bodyPr rtlCol="0" anchor="ctr"/>
-          <a:lstStyle/>
-          <a:p>
-            <a:pPr algn="ctr"/>
-            <a:endParaRPr lang="en-US"/>
-          </a:p>
-        </p:txBody>
-      </p:sp>
     </p:spTree>
     <p:extLst>
       <p:ext uri="{BB962C8B-B14F-4D97-AF65-F5344CB8AC3E}">
-        <p14:creationId xmlns:p14="http://schemas.microsoft.com/office/powerpoint/2010/main" val="4257407859"/>
+        <p14:creationId xmlns:p14="http://schemas.microsoft.com/office/powerpoint/2010/main" val="1480087977"/>
       </p:ext>
     </p:extLst>
   </p:cSld>
   <p:clrMap bg1="lt1" tx1="dk1" bg2="lt2" tx2="dk2" accent1="accent1" accent2="accent2" accent3="accent3" accent4="accent4" accent5="accent5" accent6="accent6" hlink="hlink" folHlink="folHlink"/>
   <p:sldLayoutIdLst>
-    <p:sldLayoutId id="2147483686" r:id="rId1"/>
-    <p:sldLayoutId id="2147483687" r:id="rId2"/>
-    <p:sldLayoutId id="2147483688" r:id="rId3"/>
-    <p:sldLayoutId id="2147483689" r:id="rId4"/>
-    <p:sldLayoutId id="2147483690" r:id="rId5"/>
-    <p:sldLayoutId id="2147483691" r:id="rId6"/>
-    <p:sldLayoutId id="2147483692" r:id="rId7"/>
-    <p:sldLayoutId id="2147483693" r:id="rId8"/>
-    <p:sldLayoutId id="2147483694" r:id="rId9"/>
-    <p:sldLayoutId id="2147483695" r:id="rId10"/>
-    <p:sldLayoutId id="2147483696" r:id="rId11"/>
+    <p:sldLayoutId id="2147484072" r:id="rId1"/>
+    <p:sldLayoutId id="2147484073" r:id="rId2"/>
+    <p:sldLayoutId id="2147484074" r:id="rId3"/>
+    <p:sldLayoutId id="2147484075" r:id="rId4"/>
+    <p:sldLayoutId id="2147484076" r:id="rId5"/>
+    <p:sldLayoutId id="2147484077" r:id="rId6"/>
+    <p:sldLayoutId id="2147484078" r:id="rId7"/>
+    <p:sldLayoutId id="2147484079" r:id="rId8"/>
+    <p:sldLayoutId id="2147484080" r:id="rId9"/>
+    <p:sldLayoutId id="2147484081" r:id="rId10"/>
+    <p:sldLayoutId id="2147484082" r:id="rId11"/>
+    <p:sldLayoutId id="2147484083" r:id="rId12"/>
+    <p:sldLayoutId id="2147484084" r:id="rId13"/>
+    <p:sldLayoutId id="2147484085" r:id="rId14"/>
+    <p:sldLayoutId id="2147484086" r:id="rId15"/>
+    <p:sldLayoutId id="2147484087" r:id="rId16"/>
   </p:sldLayoutIdLst>
   <p:hf sldNum="0" hdr="0" ftr="0" dt="0"/>
   <p:txStyles>
     <p:titleStyle>
-      <a:lvl1pPr algn="l" defTabSz="914400" rtl="0" eaLnBrk="1" latinLnBrk="0" hangingPunct="1">
-        <a:lnSpc>
-          <a:spcPct val="100000"/>
-        </a:lnSpc>
+      <a:lvl1pPr algn="l" defTabSz="457200" rtl="0" eaLnBrk="1" latinLnBrk="0" hangingPunct="1">
         <a:spcBef>
           <a:spcPct val="0"/>
         </a:spcBef>
         <a:buNone/>
-        <a:defRPr sz="5400" b="1" kern="1200">
+        <a:defRPr sz="3600" kern="1200">
           <a:solidFill>
-            <a:schemeClr val="tx1"/>
+            <a:schemeClr val="tx1">
+              <a:lumMod val="85000"/>
+              <a:lumOff val="15000"/>
+            </a:schemeClr>
           </a:solidFill>
           <a:latin typeface="+mj-lt"/>
           <a:ea typeface="+mj-ea"/>
           <a:cs typeface="+mj-cs"/>
         </a:defRPr>
       </a:lvl1pPr>
+      <a:lvl2pPr eaLnBrk="1" hangingPunct="1">
+        <a:defRPr>
+          <a:solidFill>
+            <a:schemeClr val="tx2"/>
+          </a:solidFill>
+        </a:defRPr>
+      </a:lvl2pPr>
+      <a:lvl3pPr eaLnBrk="1" hangingPunct="1">
+        <a:defRPr>
+          <a:solidFill>
+            <a:schemeClr val="tx2"/>
+          </a:solidFill>
+        </a:defRPr>
+      </a:lvl3pPr>
+      <a:lvl4pPr eaLnBrk="1" hangingPunct="1">
+        <a:defRPr>
+          <a:solidFill>
+            <a:schemeClr val="tx2"/>
+          </a:solidFill>
+        </a:defRPr>
+      </a:lvl4pPr>
+      <a:lvl5pPr eaLnBrk="1" hangingPunct="1">
+        <a:defRPr>
+          <a:solidFill>
+            <a:schemeClr val="tx2"/>
+          </a:solidFill>
+        </a:defRPr>
+      </a:lvl5pPr>
+      <a:lvl6pPr eaLnBrk="1" hangingPunct="1">
+        <a:defRPr>
+          <a:solidFill>
+            <a:schemeClr val="tx2"/>
+          </a:solidFill>
+        </a:defRPr>
+      </a:lvl6pPr>
+      <a:lvl7pPr eaLnBrk="1" hangingPunct="1">
+        <a:defRPr>
+          <a:solidFill>
+            <a:schemeClr val="tx2"/>
+          </a:solidFill>
+        </a:defRPr>
+      </a:lvl7pPr>
+      <a:lvl8pPr eaLnBrk="1" hangingPunct="1">
+        <a:defRPr>
+          <a:solidFill>
+            <a:schemeClr val="tx2"/>
+          </a:solidFill>
+        </a:defRPr>
+      </a:lvl8pPr>
+      <a:lvl9pPr eaLnBrk="1" hangingPunct="1">
+        <a:defRPr>
+          <a:solidFill>
+            <a:schemeClr val="tx2"/>
+          </a:solidFill>
+        </a:defRPr>
+      </a:lvl9pPr>
     </p:titleStyle>
     <p:bodyStyle>
-      <a:lvl1pPr marL="0" indent="0" algn="l" defTabSz="914400" rtl="0" eaLnBrk="1" latinLnBrk="0" hangingPunct="1">
-        <a:lnSpc>
-          <a:spcPct val="110000"/>
-        </a:lnSpc>
+      <a:lvl1pPr marL="342900" indent="-342900" algn="l" defTabSz="457200" rtl="0" eaLnBrk="1" latinLnBrk="0" hangingPunct="1">
         <a:spcBef>
           <a:spcPts val="1000"/>
         </a:spcBef>
-        <a:buFont typeface="Arial" panose="020B0604020202020204" pitchFamily="34" charset="0"/>
-        <a:buNone/>
-        <a:defRPr sz="2000" kern="1200">
+        <a:spcAft>
+          <a:spcPts val="0"/>
+        </a:spcAft>
+        <a:buClr>
+          <a:schemeClr val="accent1"/>
+        </a:buClr>
+        <a:buFont typeface="Wingdings 3" charset="2"/>
+        <a:buChar char=""/>
+        <a:defRPr sz="1800" kern="1200">
           <a:solidFill>
-            <a:schemeClr val="tx1"/>
+            <a:schemeClr val="tx1">
+              <a:lumMod val="75000"/>
+              <a:lumOff val="25000"/>
+            </a:schemeClr>
           </a:solidFill>
           <a:latin typeface="+mn-lt"/>
           <a:ea typeface="+mn-ea"/>
           <a:cs typeface="+mn-cs"/>
         </a:defRPr>
       </a:lvl1pPr>
-      <a:lvl2pPr marL="274320" indent="-274320" algn="l" defTabSz="914400" rtl="0" eaLnBrk="1" latinLnBrk="0" hangingPunct="1">
-        <a:lnSpc>
-          <a:spcPct val="110000"/>
-        </a:lnSpc>
+      <a:lvl2pPr marL="742950" indent="-285750" algn="l" defTabSz="457200" rtl="0" eaLnBrk="1" latinLnBrk="0" hangingPunct="1">
         <a:spcBef>
-          <a:spcPts val="500"/>
+          <a:spcPts val="1000"/>
         </a:spcBef>
-        <a:buFont typeface="Arial" panose="020B0604020202020204" pitchFamily="34" charset="0"/>
-        <a:buChar char="•"/>
-        <a:defRPr sz="1800" kern="1200">
+        <a:spcAft>
+          <a:spcPts val="0"/>
+        </a:spcAft>
+        <a:buClr>
+          <a:schemeClr val="accent1"/>
+        </a:buClr>
+        <a:buFont typeface="Wingdings 3" charset="2"/>
+        <a:buChar char=""/>
+        <a:defRPr sz="1600" kern="1200">
           <a:solidFill>
-            <a:schemeClr val="tx1"/>
+            <a:schemeClr val="tx1">
+              <a:lumMod val="75000"/>
+              <a:lumOff val="25000"/>
+            </a:schemeClr>
           </a:solidFill>
           <a:latin typeface="+mn-lt"/>
           <a:ea typeface="+mn-ea"/>
           <a:cs typeface="+mn-cs"/>
         </a:defRPr>
       </a:lvl2pPr>
-      <a:lvl3pPr marL="274320" indent="0" algn="l" defTabSz="914400" rtl="0" eaLnBrk="1" latinLnBrk="0" hangingPunct="1">
-        <a:lnSpc>
-          <a:spcPct val="110000"/>
-        </a:lnSpc>
+      <a:lvl3pPr marL="1143000" indent="-228600" algn="l" defTabSz="457200" rtl="0" eaLnBrk="1" latinLnBrk="0" hangingPunct="1">
         <a:spcBef>
-          <a:spcPts val="500"/>
+          <a:spcPts val="1000"/>
         </a:spcBef>
-        <a:buFont typeface="Arial" panose="020B0604020202020204" pitchFamily="34" charset="0"/>
-        <a:buNone/>
-        <a:defRPr sz="1800" kern="1200">
+        <a:spcAft>
+          <a:spcPts val="0"/>
+        </a:spcAft>
+        <a:buClr>
+          <a:schemeClr val="accent1"/>
+        </a:buClr>
+        <a:buFont typeface="Wingdings 3" charset="2"/>
+        <a:buChar char=""/>
+        <a:defRPr sz="1400" kern="1200">
           <a:solidFill>
-            <a:schemeClr val="tx1"/>
+            <a:schemeClr val="tx1">
+              <a:lumMod val="75000"/>
+              <a:lumOff val="25000"/>
+            </a:schemeClr>
           </a:solidFill>
           <a:latin typeface="+mn-lt"/>
           <a:ea typeface="+mn-ea"/>
           <a:cs typeface="+mn-cs"/>
         </a:defRPr>
       </a:lvl3pPr>
-      <a:lvl4pPr marL="548640" indent="-274320" algn="l" defTabSz="914400" rtl="0" eaLnBrk="1" latinLnBrk="0" hangingPunct="1">
-        <a:lnSpc>
-          <a:spcPct val="110000"/>
-        </a:lnSpc>
+      <a:lvl4pPr marL="1600200" indent="-228600" algn="l" defTabSz="457200" rtl="0" eaLnBrk="1" latinLnBrk="0" hangingPunct="1">
         <a:spcBef>
-          <a:spcPts val="500"/>
+          <a:spcPts val="1000"/>
         </a:spcBef>
-        <a:buFont typeface="Arial" panose="020B0604020202020204" pitchFamily="34" charset="0"/>
-        <a:buChar char="•"/>
-        <a:defRPr sz="1600" kern="1200">
+        <a:spcAft>
+          <a:spcPts val="0"/>
+        </a:spcAft>
+        <a:buClr>
+          <a:schemeClr val="accent1"/>
+        </a:buClr>
+        <a:buFont typeface="Wingdings 3" charset="2"/>
+        <a:buChar char=""/>
+        <a:defRPr sz="1200" kern="1200">
           <a:solidFill>
-            <a:schemeClr val="tx1"/>
+            <a:schemeClr val="tx1">
+              <a:lumMod val="75000"/>
+              <a:lumOff val="25000"/>
+            </a:schemeClr>
           </a:solidFill>
           <a:latin typeface="+mn-lt"/>
           <a:ea typeface="+mn-ea"/>
           <a:cs typeface="+mn-cs"/>
         </a:defRPr>
       </a:lvl4pPr>
-      <a:lvl5pPr marL="548640" indent="0" algn="l" defTabSz="914400" rtl="0" eaLnBrk="1" latinLnBrk="0" hangingPunct="1">
-        <a:lnSpc>
-          <a:spcPct val="110000"/>
-        </a:lnSpc>
+      <a:lvl5pPr marL="2057400" indent="-228600" algn="l" defTabSz="457200" rtl="0" eaLnBrk="1" latinLnBrk="0" hangingPunct="1">
         <a:spcBef>
-          <a:spcPts val="500"/>
+          <a:spcPts val="1000"/>
         </a:spcBef>
-        <a:buFont typeface="Arial" panose="020B0604020202020204" pitchFamily="34" charset="0"/>
-        <a:buNone/>
-        <a:defRPr sz="1600" kern="1200">
+        <a:spcAft>
+          <a:spcPts val="0"/>
+        </a:spcAft>
+        <a:buClr>
+          <a:schemeClr val="accent1"/>
+        </a:buClr>
+        <a:buFont typeface="Wingdings 3" charset="2"/>
+        <a:buChar char=""/>
+        <a:defRPr sz="1200" kern="1200">
           <a:solidFill>
-            <a:schemeClr val="tx1"/>
+            <a:schemeClr val="tx1">
+              <a:lumMod val="75000"/>
+              <a:lumOff val="25000"/>
+            </a:schemeClr>
           </a:solidFill>
           <a:latin typeface="+mn-lt"/>
           <a:ea typeface="+mn-ea"/>
           <a:cs typeface="+mn-cs"/>
         </a:defRPr>
       </a:lvl5pPr>
-      <a:lvl6pPr marL="2514600" indent="-228600" algn="l" defTabSz="914400" rtl="0" eaLnBrk="1" latinLnBrk="0" hangingPunct="1">
-        <a:lnSpc>
-          <a:spcPct val="90000"/>
-        </a:lnSpc>
+      <a:lvl6pPr marL="2514600" indent="-228600" algn="l" defTabSz="457200" rtl="0" eaLnBrk="1" latinLnBrk="0" hangingPunct="1">
         <a:spcBef>
-          <a:spcPts val="500"/>
+          <a:spcPts val="1000"/>
         </a:spcBef>
-        <a:buFont typeface="Arial" panose="020B0604020202020204" pitchFamily="34" charset="0"/>
-        <a:buChar char="•"/>
-        <a:defRPr sz="1800" kern="1200">
+        <a:spcAft>
+          <a:spcPts val="0"/>
+        </a:spcAft>
+        <a:buClr>
+          <a:schemeClr val="accent1"/>
+        </a:buClr>
+        <a:buFont typeface="Wingdings 3" charset="2"/>
+        <a:buChar char=""/>
+        <a:defRPr sz="1200" kern="1200">
           <a:solidFill>
-            <a:schemeClr val="tx1"/>
+            <a:schemeClr val="tx1">
+              <a:lumMod val="75000"/>
+              <a:lumOff val="25000"/>
+            </a:schemeClr>
           </a:solidFill>
           <a:latin typeface="+mn-lt"/>
           <a:ea typeface="+mn-ea"/>
           <a:cs typeface="+mn-cs"/>
         </a:defRPr>
       </a:lvl6pPr>
-      <a:lvl7pPr marL="2971800" indent="-228600" algn="l" defTabSz="914400" rtl="0" eaLnBrk="1" latinLnBrk="0" hangingPunct="1">
-        <a:lnSpc>
-          <a:spcPct val="90000"/>
-        </a:lnSpc>
+      <a:lvl7pPr marL="2971800" indent="-228600" algn="l" defTabSz="457200" rtl="0" eaLnBrk="1" latinLnBrk="0" hangingPunct="1">
         <a:spcBef>
-          <a:spcPts val="500"/>
+          <a:spcPts val="1000"/>
         </a:spcBef>
-        <a:buFont typeface="Arial" panose="020B0604020202020204" pitchFamily="34" charset="0"/>
-        <a:buChar char="•"/>
-        <a:defRPr sz="1800" kern="1200">
+        <a:spcAft>
+          <a:spcPts val="0"/>
+        </a:spcAft>
+        <a:buClr>
+          <a:schemeClr val="accent1"/>
+        </a:buClr>
+        <a:buFont typeface="Wingdings 3" charset="2"/>
+        <a:buChar char=""/>
+        <a:defRPr sz="1200" kern="1200">
           <a:solidFill>
-            <a:schemeClr val="tx1"/>
+            <a:schemeClr val="tx1">
+              <a:lumMod val="75000"/>
+              <a:lumOff val="25000"/>
+            </a:schemeClr>
           </a:solidFill>
           <a:latin typeface="+mn-lt"/>
           <a:ea typeface="+mn-ea"/>
           <a:cs typeface="+mn-cs"/>
         </a:defRPr>
       </a:lvl7pPr>
-      <a:lvl8pPr marL="3429000" indent="-228600" algn="l" defTabSz="914400" rtl="0" eaLnBrk="1" latinLnBrk="0" hangingPunct="1">
-        <a:lnSpc>
-          <a:spcPct val="90000"/>
-        </a:lnSpc>
+      <a:lvl8pPr marL="3429000" indent="-228600" algn="l" defTabSz="457200" rtl="0" eaLnBrk="1" latinLnBrk="0" hangingPunct="1">
         <a:spcBef>
-          <a:spcPts val="500"/>
+          <a:spcPts val="1000"/>
         </a:spcBef>
-        <a:buFont typeface="Arial" panose="020B0604020202020204" pitchFamily="34" charset="0"/>
-        <a:buChar char="•"/>
-        <a:defRPr sz="1800" kern="1200">
+        <a:spcAft>
+          <a:spcPts val="0"/>
+        </a:spcAft>
+        <a:buClr>
+          <a:schemeClr val="accent1"/>
+        </a:buClr>
+        <a:buFont typeface="Wingdings 3" charset="2"/>
+        <a:buChar char=""/>
+        <a:defRPr sz="1200" kern="1200">
           <a:solidFill>
-            <a:schemeClr val="tx1"/>
+            <a:schemeClr val="tx1">
+              <a:lumMod val="75000"/>
+              <a:lumOff val="25000"/>
+            </a:schemeClr>
           </a:solidFill>
           <a:latin typeface="+mn-lt"/>
           <a:ea typeface="+mn-ea"/>
           <a:cs typeface="+mn-cs"/>
         </a:defRPr>
       </a:lvl8pPr>
-      <a:lvl9pPr marL="3886200" indent="-228600" algn="l" defTabSz="914400" rtl="0" eaLnBrk="1" latinLnBrk="0" hangingPunct="1">
-        <a:lnSpc>
-          <a:spcPct val="90000"/>
-        </a:lnSpc>
+      <a:lvl9pPr marL="3886200" indent="-228600" algn="l" defTabSz="457200" rtl="0" eaLnBrk="1" latinLnBrk="0" hangingPunct="1">
         <a:spcBef>
-          <a:spcPts val="500"/>
+          <a:spcPts val="1000"/>
         </a:spcBef>
-        <a:buFont typeface="Arial" panose="020B0604020202020204" pitchFamily="34" charset="0"/>
-        <a:buChar char="•"/>
-        <a:defRPr sz="1800" kern="1200">
+        <a:spcAft>
+          <a:spcPts val="0"/>
+        </a:spcAft>
+        <a:buClr>
+          <a:schemeClr val="accent1"/>
+        </a:buClr>
+        <a:buFont typeface="Wingdings 3" charset="2"/>
+        <a:buChar char=""/>
+        <a:defRPr sz="1200" kern="1200">
           <a:solidFill>
-            <a:schemeClr val="tx1"/>
+            <a:schemeClr val="tx1">
+              <a:lumMod val="75000"/>
+              <a:lumOff val="25000"/>
+            </a:schemeClr>
           </a:solidFill>
           <a:latin typeface="+mn-lt"/>
           <a:ea typeface="+mn-ea"/>
@@ -3652,7 +7582,7 @@
       <a:defPPr>
         <a:defRPr lang="en-US"/>
       </a:defPPr>
-      <a:lvl1pPr marL="0" algn="l" defTabSz="914400" rtl="0" eaLnBrk="1" latinLnBrk="0" hangingPunct="1">
+      <a:lvl1pPr marL="0" algn="l" defTabSz="457200" rtl="0" eaLnBrk="1" latinLnBrk="0" hangingPunct="1">
         <a:defRPr sz="1800" kern="1200">
           <a:solidFill>
             <a:schemeClr val="tx1"/>
@@ -3662,7 +7592,7 @@
           <a:cs typeface="+mn-cs"/>
         </a:defRPr>
       </a:lvl1pPr>
-      <a:lvl2pPr marL="457200" algn="l" defTabSz="914400" rtl="0" eaLnBrk="1" latinLnBrk="0" hangingPunct="1">
+      <a:lvl2pPr marL="457200" algn="l" defTabSz="457200" rtl="0" eaLnBrk="1" latinLnBrk="0" hangingPunct="1">
         <a:defRPr sz="1800" kern="1200">
           <a:solidFill>
             <a:schemeClr val="tx1"/>
@@ -3672,7 +7602,7 @@
           <a:cs typeface="+mn-cs"/>
         </a:defRPr>
       </a:lvl2pPr>
-      <a:lvl3pPr marL="914400" algn="l" defTabSz="914400" rtl="0" eaLnBrk="1" latinLnBrk="0" hangingPunct="1">
+      <a:lvl3pPr marL="914400" algn="l" defTabSz="457200" rtl="0" eaLnBrk="1" latinLnBrk="0" hangingPunct="1">
         <a:defRPr sz="1800" kern="1200">
           <a:solidFill>
             <a:schemeClr val="tx1"/>
@@ -3682,7 +7612,7 @@
           <a:cs typeface="+mn-cs"/>
         </a:defRPr>
       </a:lvl3pPr>
-      <a:lvl4pPr marL="1371600" algn="l" defTabSz="914400" rtl="0" eaLnBrk="1" latinLnBrk="0" hangingPunct="1">
+      <a:lvl4pPr marL="1371600" algn="l" defTabSz="457200" rtl="0" eaLnBrk="1" latinLnBrk="0" hangingPunct="1">
         <a:defRPr sz="1800" kern="1200">
           <a:solidFill>
             <a:schemeClr val="tx1"/>
@@ -3692,7 +7622,7 @@
           <a:cs typeface="+mn-cs"/>
         </a:defRPr>
       </a:lvl4pPr>
-      <a:lvl5pPr marL="1828800" algn="l" defTabSz="914400" rtl="0" eaLnBrk="1" latinLnBrk="0" hangingPunct="1">
+      <a:lvl5pPr marL="1828800" algn="l" defTabSz="457200" rtl="0" eaLnBrk="1" latinLnBrk="0" hangingPunct="1">
         <a:defRPr sz="1800" kern="1200">
           <a:solidFill>
             <a:schemeClr val="tx1"/>
@@ -3702,7 +7632,7 @@
           <a:cs typeface="+mn-cs"/>
         </a:defRPr>
       </a:lvl5pPr>
-      <a:lvl6pPr marL="2286000" algn="l" defTabSz="914400" rtl="0" eaLnBrk="1" latinLnBrk="0" hangingPunct="1">
+      <a:lvl6pPr marL="2286000" algn="l" defTabSz="457200" rtl="0" eaLnBrk="1" latinLnBrk="0" hangingPunct="1">
         <a:defRPr sz="1800" kern="1200">
           <a:solidFill>
             <a:schemeClr val="tx1"/>
@@ -3712,7 +7642,7 @@
           <a:cs typeface="+mn-cs"/>
         </a:defRPr>
       </a:lvl6pPr>
-      <a:lvl7pPr marL="2743200" algn="l" defTabSz="914400" rtl="0" eaLnBrk="1" latinLnBrk="0" hangingPunct="1">
+      <a:lvl7pPr marL="2743200" algn="l" defTabSz="457200" rtl="0" eaLnBrk="1" latinLnBrk="0" hangingPunct="1">
         <a:defRPr sz="1800" kern="1200">
           <a:solidFill>
             <a:schemeClr val="tx1"/>
@@ -3722,7 +7652,7 @@
           <a:cs typeface="+mn-cs"/>
         </a:defRPr>
       </a:lvl7pPr>
-      <a:lvl8pPr marL="3200400" algn="l" defTabSz="914400" rtl="0" eaLnBrk="1" latinLnBrk="0" hangingPunct="1">
+      <a:lvl8pPr marL="3200400" algn="l" defTabSz="457200" rtl="0" eaLnBrk="1" latinLnBrk="0" hangingPunct="1">
         <a:defRPr sz="1800" kern="1200">
           <a:solidFill>
             <a:schemeClr val="tx1"/>
@@ -3732,7 +7662,7 @@
           <a:cs typeface="+mn-cs"/>
         </a:defRPr>
       </a:lvl8pPr>
-      <a:lvl9pPr marL="3657600" algn="l" defTabSz="914400" rtl="0" eaLnBrk="1" latinLnBrk="0" hangingPunct="1">
+      <a:lvl9pPr marL="3657600" algn="l" defTabSz="457200" rtl="0" eaLnBrk="1" latinLnBrk="0" hangingPunct="1">
         <a:defRPr sz="1800" kern="1200">
           <a:solidFill>
             <a:schemeClr val="tx1"/>
@@ -3750,14 +7680,6 @@
 <file path=ppt/slides/slide1.xml><?xml version="1.0" encoding="utf-8"?>
 <p:sld xmlns:a="http://schemas.openxmlformats.org/drawingml/2006/main" xmlns:r="http://schemas.openxmlformats.org/officeDocument/2006/relationships" xmlns:p="http://schemas.openxmlformats.org/presentationml/2006/main">
   <p:cSld>
-    <p:bg>
-      <p:bgPr>
-        <a:solidFill>
-          <a:schemeClr val="bg2"/>
-        </a:solidFill>
-        <a:effectLst/>
-      </p:bgPr>
-    </p:bg>
     <p:spTree>
       <p:nvGrpSpPr>
         <p:cNvPr id="1" name=""/>
@@ -3772,40 +7694,177 @@
           <a:chExt cx="0" cy="0"/>
         </a:xfrm>
       </p:grpSpPr>
-      <p:sp useBgFill="1">
-        <p:nvSpPr>
-          <p:cNvPr id="9" name="Rectangle 8">
+      <p:sp>
+        <p:nvSpPr>
+          <p:cNvPr id="4" name="TextBox 3">
             <a:extLst>
               <a:ext uri="{FF2B5EF4-FFF2-40B4-BE49-F238E27FC236}">
-                <a16:creationId xmlns:a16="http://schemas.microsoft.com/office/drawing/2014/main" id="{956C5C09-0043-4549-B800-2101B70D667D}"/>
-              </a:ext>
-              <a:ext uri="{C183D7F6-B498-43B3-948B-1728B52AA6E4}">
-                <adec:decorative xmlns:adec="http://schemas.microsoft.com/office/drawing/2017/decorative" val="1"/>
+                <a16:creationId xmlns:a16="http://schemas.microsoft.com/office/drawing/2014/main" id="{B04B44F0-582B-427C-90F6-205D1F3CB1BF}"/>
               </a:ext>
             </a:extLst>
           </p:cNvPr>
-          <p:cNvSpPr>
-            <a:spLocks noGrp="1" noRot="1" noChangeAspect="1" noMove="1" noResize="1" noEditPoints="1" noAdjustHandles="1" noChangeArrowheads="1" noChangeShapeType="1" noTextEdit="1"/>
-          </p:cNvSpPr>
-          <p:nvPr>
-            <p:extLst>
-              <p:ext uri="{386F3935-93C4-4BCD-93E2-E3B085C9AB24}">
-                <p16:designElem xmlns:p16="http://schemas.microsoft.com/office/powerpoint/2015/main" val="1"/>
-              </p:ext>
-            </p:extLst>
-          </p:nvPr>
+          <p:cNvSpPr txBox="1"/>
+          <p:nvPr/>
         </p:nvSpPr>
         <p:spPr>
           <a:xfrm>
-            <a:off x="0" y="0"/>
-            <a:ext cx="12188952" cy="6857995"/>
+            <a:off x="792480" y="477520"/>
+            <a:ext cx="3655168" cy="2677656"/>
           </a:xfrm>
           <a:prstGeom prst="rect">
             <a:avLst/>
           </a:prstGeom>
-          <a:ln>
-            <a:noFill/>
-          </a:ln>
+          <a:noFill/>
+        </p:spPr>
+        <p:txBody>
+          <a:bodyPr wrap="none" rtlCol="0">
+            <a:spAutoFit/>
+          </a:bodyPr>
+          <a:lstStyle/>
+          <a:p>
+            <a:r>
+              <a:rPr lang="en-US" sz="2800" dirty="0"/>
+              <a:t>Leomar</a:t>
+            </a:r>
+          </a:p>
+          <a:p>
+            <a:endParaRPr lang="en-US" sz="2800" dirty="0"/>
+          </a:p>
+          <a:p>
+            <a:r>
+              <a:rPr lang="en-US" sz="2800" dirty="0"/>
+              <a:t>        Les Fleurs Shop</a:t>
+            </a:r>
+          </a:p>
+          <a:p>
+            <a:endParaRPr lang="en-US" sz="2800" dirty="0"/>
+          </a:p>
+          <a:p>
+            <a:r>
+              <a:rPr lang="en-US" sz="2800" dirty="0"/>
+              <a:t>JavaScript (original</a:t>
+            </a:r>
+            <a:br>
+              <a:rPr lang="en-US" sz="2800" dirty="0"/>
+            </a:br>
+            <a:r>
+              <a:rPr lang="en-US" sz="2800" dirty="0"/>
+              <a:t>                     project)</a:t>
+            </a:r>
+          </a:p>
+        </p:txBody>
+      </p:sp>
+      <p:sp>
+        <p:nvSpPr>
+          <p:cNvPr id="5" name="Rectangle 4">
+            <a:extLst>
+              <a:ext uri="{FF2B5EF4-FFF2-40B4-BE49-F238E27FC236}">
+                <a16:creationId xmlns:a16="http://schemas.microsoft.com/office/drawing/2014/main" id="{BDFB0976-DB65-4763-BB4A-B59B3031A4DD}"/>
+              </a:ext>
+            </a:extLst>
+          </p:cNvPr>
+          <p:cNvSpPr/>
+          <p:nvPr/>
+        </p:nvSpPr>
+        <p:spPr>
+          <a:xfrm>
+            <a:off x="4750856" y="3376613"/>
+            <a:ext cx="3879215" cy="2752725"/>
+          </a:xfrm>
+          <a:prstGeom prst="rect">
+            <a:avLst/>
+          </a:prstGeom>
+        </p:spPr>
+        <p:style>
+          <a:lnRef idx="2">
+            <a:schemeClr val="dk1"/>
+          </a:lnRef>
+          <a:fillRef idx="1">
+            <a:schemeClr val="lt1"/>
+          </a:fillRef>
+          <a:effectRef idx="0">
+            <a:schemeClr val="dk1"/>
+          </a:effectRef>
+          <a:fontRef idx="minor">
+            <a:schemeClr val="dk1"/>
+          </a:fontRef>
+        </p:style>
+        <p:txBody>
+          <a:bodyPr rtlCol="0" anchor="ctr"/>
+          <a:lstStyle/>
+          <a:p>
+            <a:pPr algn="ctr"/>
+            <a:endParaRPr lang="en-US"/>
+          </a:p>
+        </p:txBody>
+      </p:sp>
+      <p:sp>
+        <p:nvSpPr>
+          <p:cNvPr id="6" name="Rectangle 5">
+            <a:extLst>
+              <a:ext uri="{FF2B5EF4-FFF2-40B4-BE49-F238E27FC236}">
+                <a16:creationId xmlns:a16="http://schemas.microsoft.com/office/drawing/2014/main" id="{25CB17E0-B956-41A0-9964-B12844716A8A}"/>
+              </a:ext>
+            </a:extLst>
+          </p:cNvPr>
+          <p:cNvSpPr/>
+          <p:nvPr/>
+        </p:nvSpPr>
+        <p:spPr>
+          <a:xfrm>
+            <a:off x="5020096" y="3709988"/>
+            <a:ext cx="3295650" cy="504825"/>
+          </a:xfrm>
+          <a:prstGeom prst="rect">
+            <a:avLst/>
+          </a:prstGeom>
+        </p:spPr>
+        <p:style>
+          <a:lnRef idx="1">
+            <a:schemeClr val="dk1"/>
+          </a:lnRef>
+          <a:fillRef idx="2">
+            <a:schemeClr val="dk1"/>
+          </a:fillRef>
+          <a:effectRef idx="1">
+            <a:schemeClr val="dk1"/>
+          </a:effectRef>
+          <a:fontRef idx="minor">
+            <a:schemeClr val="dk1"/>
+          </a:fontRef>
+        </p:style>
+        <p:txBody>
+          <a:bodyPr rtlCol="0" anchor="ctr"/>
+          <a:lstStyle/>
+          <a:p>
+            <a:pPr algn="ctr"/>
+            <a:r>
+              <a:rPr lang="en-US" dirty="0"/>
+              <a:t>Les Fleurs Shop - Shopping</a:t>
+            </a:r>
+          </a:p>
+        </p:txBody>
+      </p:sp>
+      <p:sp>
+        <p:nvSpPr>
+          <p:cNvPr id="7" name="Rectangle 6">
+            <a:extLst>
+              <a:ext uri="{FF2B5EF4-FFF2-40B4-BE49-F238E27FC236}">
+                <a16:creationId xmlns:a16="http://schemas.microsoft.com/office/drawing/2014/main" id="{A2AA48BE-375A-46F4-8D8F-61D5477E9C0E}"/>
+              </a:ext>
+            </a:extLst>
+          </p:cNvPr>
+          <p:cNvSpPr/>
+          <p:nvPr/>
+        </p:nvSpPr>
+        <p:spPr>
+          <a:xfrm>
+            <a:off x="5753522" y="4519613"/>
+            <a:ext cx="1266826" cy="1304925"/>
+          </a:xfrm>
+          <a:prstGeom prst="rect">
+            <a:avLst/>
+          </a:prstGeom>
         </p:spPr>
         <p:style>
           <a:lnRef idx="2">
@@ -3828,47 +7887,40 @@
           <a:lstStyle/>
           <a:p>
             <a:pPr algn="ctr"/>
-            <a:endParaRPr lang="en-US" dirty="0"/>
-          </a:p>
-        </p:txBody>
-      </p:sp>
-      <p:sp>
-        <p:nvSpPr>
-          <p:cNvPr id="11" name="Rectangle 10">
+            <a:r>
+              <a:rPr lang="en-US" dirty="0"/>
+              <a:t>Item</a:t>
+            </a:r>
+            <a:br>
+              <a:rPr lang="en-US" dirty="0"/>
+            </a:br>
+            <a:r>
+              <a:rPr lang="en-US" dirty="0"/>
+              <a:t>Info</a:t>
+            </a:r>
+          </a:p>
+        </p:txBody>
+      </p:sp>
+      <p:sp>
+        <p:nvSpPr>
+          <p:cNvPr id="8" name="Rectangle 7">
             <a:extLst>
               <a:ext uri="{FF2B5EF4-FFF2-40B4-BE49-F238E27FC236}">
-                <a16:creationId xmlns:a16="http://schemas.microsoft.com/office/drawing/2014/main" id="{B7E2F724-2FB3-4D1D-A730-739B8654C030}"/>
-              </a:ext>
-              <a:ext uri="{C183D7F6-B498-43B3-948B-1728B52AA6E4}">
-                <adec:decorative xmlns:adec="http://schemas.microsoft.com/office/drawing/2017/decorative" val="1"/>
+                <a16:creationId xmlns:a16="http://schemas.microsoft.com/office/drawing/2014/main" id="{21C3045D-03D1-4CCE-9073-0C5982EE69E0}"/>
               </a:ext>
             </a:extLst>
           </p:cNvPr>
-          <p:cNvSpPr>
-            <a:spLocks noGrp="1" noRot="1" noChangeAspect="1" noMove="1" noResize="1" noEditPoints="1" noAdjustHandles="1" noChangeArrowheads="1" noChangeShapeType="1" noTextEdit="1"/>
-          </p:cNvSpPr>
-          <p:nvPr>
-            <p:extLst>
-              <p:ext uri="{386F3935-93C4-4BCD-93E2-E3B085C9AB24}">
-                <p16:designElem xmlns:p16="http://schemas.microsoft.com/office/powerpoint/2015/main" val="1"/>
-              </p:ext>
-            </p:extLst>
-          </p:nvPr>
+          <p:cNvSpPr/>
+          <p:nvPr/>
         </p:nvSpPr>
         <p:spPr>
           <a:xfrm>
-            <a:off x="0" y="-2"/>
-            <a:ext cx="12192000" cy="6858001"/>
+            <a:off x="5020096" y="4519613"/>
+            <a:ext cx="733425" cy="1304925"/>
           </a:xfrm>
           <a:prstGeom prst="rect">
             <a:avLst/>
           </a:prstGeom>
-          <a:solidFill>
-            <a:srgbClr val="000000"/>
-          </a:solidFill>
-          <a:ln>
-            <a:noFill/>
-          </a:ln>
         </p:spPr>
         <p:style>
           <a:lnRef idx="2">
@@ -3891,150 +7943,333 @@
           <a:lstStyle/>
           <a:p>
             <a:pPr algn="ctr"/>
+            <a:r>
+              <a:rPr lang="en-US" dirty="0"/>
+              <a:t>Info</a:t>
+            </a:r>
+            <a:br>
+              <a:rPr lang="en-US" dirty="0"/>
+            </a:br>
+            <a:r>
+              <a:rPr lang="en-US" dirty="0"/>
+              <a:t>Pict-</a:t>
+            </a:r>
+            <a:r>
+              <a:rPr lang="en-US" dirty="0" err="1"/>
+              <a:t>ure</a:t>
+            </a:r>
             <a:endParaRPr lang="en-US" dirty="0"/>
           </a:p>
         </p:txBody>
       </p:sp>
-      <p:pic>
-        <p:nvPicPr>
-          <p:cNvPr id="4" name="Picture 3" descr="Autumn foliage">
+      <p:sp>
+        <p:nvSpPr>
+          <p:cNvPr id="9" name="Rectangle 8">
             <a:extLst>
               <a:ext uri="{FF2B5EF4-FFF2-40B4-BE49-F238E27FC236}">
-                <a16:creationId xmlns:a16="http://schemas.microsoft.com/office/drawing/2014/main" id="{F3DCB1B3-2307-48B8-80EE-2FADBF4D2CEF}"/>
+                <a16:creationId xmlns:a16="http://schemas.microsoft.com/office/drawing/2014/main" id="{DE15F314-CE0E-449D-B92A-2BE6A148B647}"/>
               </a:ext>
             </a:extLst>
           </p:cNvPr>
-          <p:cNvPicPr>
-            <a:picLocks noChangeAspect="1"/>
-          </p:cNvPicPr>
+          <p:cNvSpPr/>
           <p:nvPr/>
-        </p:nvPicPr>
-        <p:blipFill rotWithShape="1">
-          <a:blip r:embed="rId2">
-            <a:alphaModFix amt="40000"/>
-          </a:blip>
-          <a:srcRect b="15730"/>
-          <a:stretch/>
-        </p:blipFill>
+        </p:nvSpPr>
         <p:spPr>
           <a:xfrm>
-            <a:off x="-2" y="-2"/>
-            <a:ext cx="12192001" cy="6858001"/>
+            <a:off x="7334671" y="4519613"/>
+            <a:ext cx="981076" cy="1304925"/>
           </a:xfrm>
           <a:prstGeom prst="rect">
             <a:avLst/>
           </a:prstGeom>
         </p:spPr>
-      </p:pic>
-      <p:sp>
-        <p:nvSpPr>
-          <p:cNvPr id="2" name="Title 1">
+        <p:style>
+          <a:lnRef idx="2">
+            <a:schemeClr val="accent6"/>
+          </a:lnRef>
+          <a:fillRef idx="1">
+            <a:schemeClr val="lt1"/>
+          </a:fillRef>
+          <a:effectRef idx="0">
+            <a:schemeClr val="accent6"/>
+          </a:effectRef>
+          <a:fontRef idx="minor">
+            <a:schemeClr val="dk1"/>
+          </a:fontRef>
+        </p:style>
+        <p:txBody>
+          <a:bodyPr rtlCol="0" anchor="ctr"/>
+          <a:lstStyle/>
+          <a:p>
+            <a:pPr algn="ctr"/>
+            <a:r>
+              <a:rPr lang="en-US" dirty="0"/>
+              <a:t>Price</a:t>
+            </a:r>
+            <a:br>
+              <a:rPr lang="en-US" dirty="0"/>
+            </a:br>
+            <a:r>
+              <a:rPr lang="en-US" dirty="0"/>
+              <a:t>Quant-</a:t>
+            </a:r>
+            <a:r>
+              <a:rPr lang="en-US" dirty="0" err="1"/>
+              <a:t>ity</a:t>
+            </a:r>
+            <a:endParaRPr lang="en-US" dirty="0"/>
+          </a:p>
+        </p:txBody>
+      </p:sp>
+      <p:sp>
+        <p:nvSpPr>
+          <p:cNvPr id="23" name="Rectangle 22">
             <a:extLst>
               <a:ext uri="{FF2B5EF4-FFF2-40B4-BE49-F238E27FC236}">
-                <a16:creationId xmlns:a16="http://schemas.microsoft.com/office/drawing/2014/main" id="{AE38B06D-D744-45D6-8307-A49EF74EA2B9}"/>
+                <a16:creationId xmlns:a16="http://schemas.microsoft.com/office/drawing/2014/main" id="{EA32EA7E-D60E-45B7-B81A-16831C8089D8}"/>
               </a:ext>
             </a:extLst>
           </p:cNvPr>
-          <p:cNvSpPr>
-            <a:spLocks noGrp="1"/>
-          </p:cNvSpPr>
-          <p:nvPr>
-            <p:ph type="ctrTitle"/>
-          </p:nvPr>
+          <p:cNvSpPr/>
+          <p:nvPr/>
         </p:nvSpPr>
         <p:spPr>
           <a:xfrm>
-            <a:off x="517870" y="978408"/>
-            <a:ext cx="5021182" cy="2334248"/>
-          </a:xfrm>
-        </p:spPr>
-        <p:txBody>
-          <a:bodyPr anchor="t">
-            <a:normAutofit/>
-          </a:bodyPr>
+            <a:off x="7481045" y="219076"/>
+            <a:ext cx="2748806" cy="2343149"/>
+          </a:xfrm>
+          <a:prstGeom prst="rect">
+            <a:avLst/>
+          </a:prstGeom>
+        </p:spPr>
+        <p:style>
+          <a:lnRef idx="2">
+            <a:schemeClr val="dk1"/>
+          </a:lnRef>
+          <a:fillRef idx="1">
+            <a:schemeClr val="lt1"/>
+          </a:fillRef>
+          <a:effectRef idx="0">
+            <a:schemeClr val="dk1"/>
+          </a:effectRef>
+          <a:fontRef idx="minor">
+            <a:schemeClr val="dk1"/>
+          </a:fontRef>
+        </p:style>
+        <p:txBody>
+          <a:bodyPr rtlCol="0" anchor="ctr"/>
           <a:lstStyle/>
           <a:p>
-            <a:endParaRPr lang="en-US">
-              <a:solidFill>
-                <a:srgbClr val="FFFFFF"/>
-              </a:solidFill>
-            </a:endParaRPr>
-          </a:p>
-        </p:txBody>
-      </p:sp>
-      <p:sp>
-        <p:nvSpPr>
-          <p:cNvPr id="3" name="Subtitle 2">
+            <a:pPr algn="ctr"/>
+            <a:endParaRPr lang="en-US"/>
+          </a:p>
+        </p:txBody>
+      </p:sp>
+      <p:sp>
+        <p:nvSpPr>
+          <p:cNvPr id="24" name="Rectangle 23">
             <a:extLst>
               <a:ext uri="{FF2B5EF4-FFF2-40B4-BE49-F238E27FC236}">
-                <a16:creationId xmlns:a16="http://schemas.microsoft.com/office/drawing/2014/main" id="{7028218F-32BE-4FC9-90C4-668849EEAAAE}"/>
+                <a16:creationId xmlns:a16="http://schemas.microsoft.com/office/drawing/2014/main" id="{E6DFE860-2E53-4D3F-8008-7A8BF301D3AA}"/>
               </a:ext>
             </a:extLst>
           </p:cNvPr>
-          <p:cNvSpPr>
-            <a:spLocks noGrp="1"/>
-          </p:cNvSpPr>
-          <p:nvPr>
-            <p:ph type="subTitle" idx="1"/>
-          </p:nvPr>
+          <p:cNvSpPr/>
+          <p:nvPr/>
         </p:nvSpPr>
         <p:spPr>
           <a:xfrm>
-            <a:off x="517870" y="4482450"/>
-            <a:ext cx="5040785" cy="1724029"/>
-          </a:xfrm>
-        </p:spPr>
-        <p:txBody>
-          <a:bodyPr anchor="t">
-            <a:normAutofit/>
-          </a:bodyPr>
+            <a:off x="7750284" y="552450"/>
+            <a:ext cx="2212866" cy="504825"/>
+          </a:xfrm>
+          <a:prstGeom prst="rect">
+            <a:avLst/>
+          </a:prstGeom>
+        </p:spPr>
+        <p:style>
+          <a:lnRef idx="1">
+            <a:schemeClr val="dk1"/>
+          </a:lnRef>
+          <a:fillRef idx="2">
+            <a:schemeClr val="dk1"/>
+          </a:fillRef>
+          <a:effectRef idx="1">
+            <a:schemeClr val="dk1"/>
+          </a:effectRef>
+          <a:fontRef idx="minor">
+            <a:schemeClr val="dk1"/>
+          </a:fontRef>
+        </p:style>
+        <p:txBody>
+          <a:bodyPr rtlCol="0" anchor="ctr"/>
           <a:lstStyle/>
           <a:p>
-            <a:endParaRPr lang="en-US">
-              <a:solidFill>
-                <a:srgbClr val="FFFFFF"/>
-              </a:solidFill>
-            </a:endParaRPr>
-          </a:p>
-        </p:txBody>
-      </p:sp>
-      <p:sp>
-        <p:nvSpPr>
-          <p:cNvPr id="13" name="Rectangle 12">
+            <a:pPr algn="ctr"/>
+            <a:r>
+              <a:rPr lang="en-US" dirty="0"/>
+              <a:t>Les Fleurs Shop - Cart</a:t>
+            </a:r>
+          </a:p>
+        </p:txBody>
+      </p:sp>
+      <p:sp>
+        <p:nvSpPr>
+          <p:cNvPr id="27" name="Rectangle 26">
             <a:extLst>
               <a:ext uri="{FF2B5EF4-FFF2-40B4-BE49-F238E27FC236}">
-                <a16:creationId xmlns:a16="http://schemas.microsoft.com/office/drawing/2014/main" id="{B2C335F7-F61C-4EB4-80F2-4B1438FE66BB}"/>
-              </a:ext>
-              <a:ext uri="{C183D7F6-B498-43B3-948B-1728B52AA6E4}">
-                <adec:decorative xmlns:adec="http://schemas.microsoft.com/office/drawing/2017/decorative" val="1"/>
+                <a16:creationId xmlns:a16="http://schemas.microsoft.com/office/drawing/2014/main" id="{21ED6FB7-79FB-474C-9532-D3CF0686079A}"/>
               </a:ext>
             </a:extLst>
           </p:cNvPr>
-          <p:cNvSpPr>
-            <a:spLocks noGrp="1" noRot="1" noChangeAspect="1" noMove="1" noResize="1" noEditPoints="1" noAdjustHandles="1" noChangeArrowheads="1" noChangeShapeType="1" noTextEdit="1"/>
-          </p:cNvSpPr>
-          <p:nvPr>
-            <p:extLst>
-              <p:ext uri="{386F3935-93C4-4BCD-93E2-E3B085C9AB24}">
-                <p16:designElem xmlns:p16="http://schemas.microsoft.com/office/powerpoint/2015/main" val="1"/>
-              </p:ext>
-            </p:extLst>
-          </p:nvPr>
+          <p:cNvSpPr/>
+          <p:nvPr/>
         </p:nvSpPr>
         <p:spPr>
           <a:xfrm>
-            <a:off x="517870" y="508090"/>
-            <a:ext cx="5021183" cy="149279"/>
+            <a:off x="7749015" y="1328737"/>
+            <a:ext cx="2212866" cy="933450"/>
           </a:xfrm>
           <a:prstGeom prst="rect">
             <a:avLst/>
           </a:prstGeom>
-          <a:solidFill>
-            <a:srgbClr val="FFFFFF"/>
-          </a:solidFill>
-          <a:ln>
-            <a:noFill/>
-          </a:ln>
+        </p:spPr>
+        <p:style>
+          <a:lnRef idx="2">
+            <a:schemeClr val="accent6"/>
+          </a:lnRef>
+          <a:fillRef idx="1">
+            <a:schemeClr val="lt1"/>
+          </a:fillRef>
+          <a:effectRef idx="0">
+            <a:schemeClr val="accent6"/>
+          </a:effectRef>
+          <a:fontRef idx="minor">
+            <a:schemeClr val="dk1"/>
+          </a:fontRef>
+        </p:style>
+        <p:txBody>
+          <a:bodyPr rtlCol="0" anchor="ctr"/>
+          <a:lstStyle/>
+          <a:p>
+            <a:pPr algn="ctr"/>
+            <a:r>
+              <a:rPr lang="en-US" dirty="0"/>
+              <a:t>Items in cart</a:t>
+            </a:r>
+          </a:p>
+        </p:txBody>
+      </p:sp>
+      <p:sp>
+        <p:nvSpPr>
+          <p:cNvPr id="30" name="Rectangle 29">
+            <a:extLst>
+              <a:ext uri="{FF2B5EF4-FFF2-40B4-BE49-F238E27FC236}">
+                <a16:creationId xmlns:a16="http://schemas.microsoft.com/office/drawing/2014/main" id="{F1573E3D-C4FB-4BB8-B536-EB765C73E8B4}"/>
+              </a:ext>
+            </a:extLst>
+          </p:cNvPr>
+          <p:cNvSpPr/>
+          <p:nvPr/>
+        </p:nvSpPr>
+        <p:spPr>
+          <a:xfrm>
+            <a:off x="509481" y="3362325"/>
+            <a:ext cx="3879215" cy="2752725"/>
+          </a:xfrm>
+          <a:prstGeom prst="rect">
+            <a:avLst/>
+          </a:prstGeom>
+        </p:spPr>
+        <p:style>
+          <a:lnRef idx="2">
+            <a:schemeClr val="dk1"/>
+          </a:lnRef>
+          <a:fillRef idx="1">
+            <a:schemeClr val="lt1"/>
+          </a:fillRef>
+          <a:effectRef idx="0">
+            <a:schemeClr val="dk1"/>
+          </a:effectRef>
+          <a:fontRef idx="minor">
+            <a:schemeClr val="dk1"/>
+          </a:fontRef>
+        </p:style>
+        <p:txBody>
+          <a:bodyPr rtlCol="0" anchor="ctr"/>
+          <a:lstStyle/>
+          <a:p>
+            <a:pPr algn="ctr"/>
+            <a:endParaRPr lang="en-US"/>
+          </a:p>
+        </p:txBody>
+      </p:sp>
+      <p:sp>
+        <p:nvSpPr>
+          <p:cNvPr id="31" name="Rectangle 30">
+            <a:extLst>
+              <a:ext uri="{FF2B5EF4-FFF2-40B4-BE49-F238E27FC236}">
+                <a16:creationId xmlns:a16="http://schemas.microsoft.com/office/drawing/2014/main" id="{5BFA9AFA-B7DC-463D-B89B-5AF9683F939B}"/>
+              </a:ext>
+            </a:extLst>
+          </p:cNvPr>
+          <p:cNvSpPr/>
+          <p:nvPr/>
+        </p:nvSpPr>
+        <p:spPr>
+          <a:xfrm>
+            <a:off x="778721" y="3695700"/>
+            <a:ext cx="3295650" cy="504825"/>
+          </a:xfrm>
+          <a:prstGeom prst="rect">
+            <a:avLst/>
+          </a:prstGeom>
+        </p:spPr>
+        <p:style>
+          <a:lnRef idx="1">
+            <a:schemeClr val="dk1"/>
+          </a:lnRef>
+          <a:fillRef idx="2">
+            <a:schemeClr val="dk1"/>
+          </a:fillRef>
+          <a:effectRef idx="1">
+            <a:schemeClr val="dk1"/>
+          </a:effectRef>
+          <a:fontRef idx="minor">
+            <a:schemeClr val="dk1"/>
+          </a:fontRef>
+        </p:style>
+        <p:txBody>
+          <a:bodyPr rtlCol="0" anchor="ctr"/>
+          <a:lstStyle/>
+          <a:p>
+            <a:pPr algn="ctr"/>
+            <a:r>
+              <a:rPr lang="en-US" dirty="0"/>
+              <a:t>Les Fleurs Shop - Search</a:t>
+            </a:r>
+          </a:p>
+        </p:txBody>
+      </p:sp>
+      <p:sp>
+        <p:nvSpPr>
+          <p:cNvPr id="32" name="Rectangle 31">
+            <a:extLst>
+              <a:ext uri="{FF2B5EF4-FFF2-40B4-BE49-F238E27FC236}">
+                <a16:creationId xmlns:a16="http://schemas.microsoft.com/office/drawing/2014/main" id="{79F84B71-C346-4896-B15F-4DED9433B08F}"/>
+              </a:ext>
+            </a:extLst>
+          </p:cNvPr>
+          <p:cNvSpPr/>
+          <p:nvPr/>
+        </p:nvSpPr>
+        <p:spPr>
+          <a:xfrm>
+            <a:off x="1512147" y="4505325"/>
+            <a:ext cx="2562224" cy="1304925"/>
+          </a:xfrm>
+          <a:prstGeom prst="rect">
+            <a:avLst/>
+          </a:prstGeom>
         </p:spPr>
         <p:style>
           <a:lnRef idx="2">
@@ -4057,14 +8292,625 @@
           <a:lstStyle/>
           <a:p>
             <a:pPr algn="ctr"/>
+            <a:r>
+              <a:rPr lang="en-US" dirty="0"/>
+              <a:t>Items</a:t>
+            </a:r>
+          </a:p>
+        </p:txBody>
+      </p:sp>
+      <p:sp>
+        <p:nvSpPr>
+          <p:cNvPr id="33" name="Rectangle 32">
+            <a:extLst>
+              <a:ext uri="{FF2B5EF4-FFF2-40B4-BE49-F238E27FC236}">
+                <a16:creationId xmlns:a16="http://schemas.microsoft.com/office/drawing/2014/main" id="{92529187-EF67-4938-93A8-19A93C415E58}"/>
+              </a:ext>
+            </a:extLst>
+          </p:cNvPr>
+          <p:cNvSpPr/>
+          <p:nvPr/>
+        </p:nvSpPr>
+        <p:spPr>
+          <a:xfrm>
+            <a:off x="778721" y="4505325"/>
+            <a:ext cx="733425" cy="638036"/>
+          </a:xfrm>
+          <a:prstGeom prst="rect">
+            <a:avLst/>
+          </a:prstGeom>
+        </p:spPr>
+        <p:style>
+          <a:lnRef idx="2">
+            <a:schemeClr val="accent1">
+              <a:shade val="50000"/>
+            </a:schemeClr>
+          </a:lnRef>
+          <a:fillRef idx="1">
+            <a:schemeClr val="accent1"/>
+          </a:fillRef>
+          <a:effectRef idx="0">
+            <a:schemeClr val="accent1"/>
+          </a:effectRef>
+          <a:fontRef idx="minor">
+            <a:schemeClr val="lt1"/>
+          </a:fontRef>
+        </p:style>
+        <p:txBody>
+          <a:bodyPr rtlCol="0" anchor="ctr"/>
+          <a:lstStyle/>
+          <a:p>
+            <a:pPr algn="ctr"/>
+            <a:r>
+              <a:rPr lang="en-US" dirty="0"/>
+              <a:t>Pict-</a:t>
+            </a:r>
+            <a:r>
+              <a:rPr lang="en-US" dirty="0" err="1"/>
+              <a:t>ures</a:t>
+            </a:r>
+            <a:endParaRPr lang="en-US" dirty="0"/>
+          </a:p>
+        </p:txBody>
+      </p:sp>
+      <p:sp>
+        <p:nvSpPr>
+          <p:cNvPr id="35" name="Rectangle 34">
+            <a:extLst>
+              <a:ext uri="{FF2B5EF4-FFF2-40B4-BE49-F238E27FC236}">
+                <a16:creationId xmlns:a16="http://schemas.microsoft.com/office/drawing/2014/main" id="{4B3DE947-FFCA-43FB-8F63-26B84AB1A925}"/>
+              </a:ext>
+            </a:extLst>
+          </p:cNvPr>
+          <p:cNvSpPr/>
+          <p:nvPr/>
+        </p:nvSpPr>
+        <p:spPr>
+          <a:xfrm>
+            <a:off x="778720" y="5143361"/>
+            <a:ext cx="733425" cy="666751"/>
+          </a:xfrm>
+          <a:prstGeom prst="rect">
+            <a:avLst/>
+          </a:prstGeom>
+        </p:spPr>
+        <p:style>
+          <a:lnRef idx="2">
+            <a:schemeClr val="accent1">
+              <a:shade val="50000"/>
+            </a:schemeClr>
+          </a:lnRef>
+          <a:fillRef idx="1">
+            <a:schemeClr val="accent1"/>
+          </a:fillRef>
+          <a:effectRef idx="0">
+            <a:schemeClr val="accent1"/>
+          </a:effectRef>
+          <a:fontRef idx="minor">
+            <a:schemeClr val="lt1"/>
+          </a:fontRef>
+        </p:style>
+        <p:txBody>
+          <a:bodyPr rtlCol="0" anchor="ctr"/>
+          <a:lstStyle/>
+          <a:p>
+            <a:pPr algn="ctr"/>
+            <a:r>
+              <a:rPr lang="en-US" dirty="0"/>
+              <a:t>Pict-</a:t>
+            </a:r>
+            <a:r>
+              <a:rPr lang="en-US" dirty="0" err="1"/>
+              <a:t>ures</a:t>
+            </a:r>
+            <a:endParaRPr lang="en-US" dirty="0"/>
+          </a:p>
+        </p:txBody>
+      </p:sp>
+      <p:sp>
+        <p:nvSpPr>
+          <p:cNvPr id="57" name="Flowchart: Multidocument 56">
+            <a:extLst>
+              <a:ext uri="{FF2B5EF4-FFF2-40B4-BE49-F238E27FC236}">
+                <a16:creationId xmlns:a16="http://schemas.microsoft.com/office/drawing/2014/main" id="{4D2E9A8F-07BC-4614-BAED-C7086F899A18}"/>
+              </a:ext>
+            </a:extLst>
+          </p:cNvPr>
+          <p:cNvSpPr/>
+          <p:nvPr/>
+        </p:nvSpPr>
+        <p:spPr>
+          <a:xfrm>
+            <a:off x="5395912" y="1462088"/>
+            <a:ext cx="1400175" cy="1309688"/>
+          </a:xfrm>
+          <a:prstGeom prst="flowChartMultidocument">
+            <a:avLst/>
+          </a:prstGeom>
+        </p:spPr>
+        <p:style>
+          <a:lnRef idx="1">
+            <a:schemeClr val="dk1"/>
+          </a:lnRef>
+          <a:fillRef idx="2">
+            <a:schemeClr val="dk1"/>
+          </a:fillRef>
+          <a:effectRef idx="1">
+            <a:schemeClr val="dk1"/>
+          </a:effectRef>
+          <a:fontRef idx="minor">
+            <a:schemeClr val="dk1"/>
+          </a:fontRef>
+        </p:style>
+        <p:txBody>
+          <a:bodyPr rtlCol="0" anchor="ctr"/>
+          <a:lstStyle/>
+          <a:p>
+            <a:pPr algn="ctr"/>
+            <a:r>
+              <a:rPr lang="en-US" dirty="0"/>
+              <a:t>Sellers</a:t>
+            </a:r>
+          </a:p>
+        </p:txBody>
+      </p:sp>
+      <p:sp>
+        <p:nvSpPr>
+          <p:cNvPr id="61" name="Flowchart: Document 60">
+            <a:extLst>
+              <a:ext uri="{FF2B5EF4-FFF2-40B4-BE49-F238E27FC236}">
+                <a16:creationId xmlns:a16="http://schemas.microsoft.com/office/drawing/2014/main" id="{BE303E48-0BDE-494D-9BAE-9844F90CCF79}"/>
+              </a:ext>
+            </a:extLst>
+          </p:cNvPr>
+          <p:cNvSpPr/>
+          <p:nvPr/>
+        </p:nvSpPr>
+        <p:spPr>
+          <a:xfrm>
+            <a:off x="4238625" y="247650"/>
+            <a:ext cx="1400175" cy="1200150"/>
+          </a:xfrm>
+          <a:prstGeom prst="flowChartDocument">
+            <a:avLst/>
+          </a:prstGeom>
+        </p:spPr>
+        <p:style>
+          <a:lnRef idx="1">
+            <a:schemeClr val="dk1"/>
+          </a:lnRef>
+          <a:fillRef idx="2">
+            <a:schemeClr val="dk1"/>
+          </a:fillRef>
+          <a:effectRef idx="1">
+            <a:schemeClr val="dk1"/>
+          </a:effectRef>
+          <a:fontRef idx="minor">
+            <a:schemeClr val="dk1"/>
+          </a:fontRef>
+        </p:style>
+        <p:txBody>
+          <a:bodyPr rtlCol="0" anchor="ctr"/>
+          <a:lstStyle/>
+          <a:p>
+            <a:pPr algn="ctr"/>
+            <a:r>
+              <a:rPr lang="en-US" dirty="0"/>
+              <a:t>Catalog</a:t>
+            </a:r>
+          </a:p>
+        </p:txBody>
+      </p:sp>
+      <p:cxnSp>
+        <p:nvCxnSpPr>
+          <p:cNvPr id="64" name="Straight Arrow Connector 63">
+            <a:extLst>
+              <a:ext uri="{FF2B5EF4-FFF2-40B4-BE49-F238E27FC236}">
+                <a16:creationId xmlns:a16="http://schemas.microsoft.com/office/drawing/2014/main" id="{79E346D5-DACF-4A18-8210-FF8295A91DA4}"/>
+              </a:ext>
+            </a:extLst>
+          </p:cNvPr>
+          <p:cNvCxnSpPr>
+            <a:stCxn id="61" idx="2"/>
+            <a:endCxn id="30" idx="3"/>
+          </p:cNvCxnSpPr>
+          <p:nvPr/>
+        </p:nvCxnSpPr>
+        <p:spPr>
+          <a:xfrm flipH="1">
+            <a:off x="4388696" y="1368457"/>
+            <a:ext cx="550017" cy="3370231"/>
+          </a:xfrm>
+          <a:prstGeom prst="straightConnector1">
+            <a:avLst/>
+          </a:prstGeom>
+          <a:ln>
+            <a:tailEnd type="triangle"/>
+          </a:ln>
+        </p:spPr>
+        <p:style>
+          <a:lnRef idx="2">
+            <a:schemeClr val="dk1"/>
+          </a:lnRef>
+          <a:fillRef idx="0">
+            <a:schemeClr val="dk1"/>
+          </a:fillRef>
+          <a:effectRef idx="1">
+            <a:schemeClr val="dk1"/>
+          </a:effectRef>
+          <a:fontRef idx="minor">
+            <a:schemeClr val="tx1"/>
+          </a:fontRef>
+        </p:style>
+      </p:cxnSp>
+      <p:cxnSp>
+        <p:nvCxnSpPr>
+          <p:cNvPr id="65" name="Straight Arrow Connector 64">
+            <a:extLst>
+              <a:ext uri="{FF2B5EF4-FFF2-40B4-BE49-F238E27FC236}">
+                <a16:creationId xmlns:a16="http://schemas.microsoft.com/office/drawing/2014/main" id="{217FE657-AA85-4F13-AD14-987E494997FC}"/>
+              </a:ext>
+            </a:extLst>
+          </p:cNvPr>
+          <p:cNvCxnSpPr>
+            <a:cxnSpLocks/>
+            <a:stCxn id="30" idx="3"/>
+            <a:endCxn id="5" idx="1"/>
+          </p:cNvCxnSpPr>
+          <p:nvPr/>
+        </p:nvCxnSpPr>
+        <p:spPr>
+          <a:xfrm>
+            <a:off x="4388696" y="4738688"/>
+            <a:ext cx="362160" cy="14288"/>
+          </a:xfrm>
+          <a:prstGeom prst="straightConnector1">
+            <a:avLst/>
+          </a:prstGeom>
+          <a:ln>
+            <a:tailEnd type="triangle"/>
+          </a:ln>
+        </p:spPr>
+        <p:style>
+          <a:lnRef idx="2">
+            <a:schemeClr val="dk1"/>
+          </a:lnRef>
+          <a:fillRef idx="0">
+            <a:schemeClr val="dk1"/>
+          </a:fillRef>
+          <a:effectRef idx="1">
+            <a:schemeClr val="dk1"/>
+          </a:effectRef>
+          <a:fontRef idx="minor">
+            <a:schemeClr val="tx1"/>
+          </a:fontRef>
+        </p:style>
+      </p:cxnSp>
+      <p:cxnSp>
+        <p:nvCxnSpPr>
+          <p:cNvPr id="68" name="Straight Arrow Connector 67">
+            <a:extLst>
+              <a:ext uri="{FF2B5EF4-FFF2-40B4-BE49-F238E27FC236}">
+                <a16:creationId xmlns:a16="http://schemas.microsoft.com/office/drawing/2014/main" id="{45684B8F-2B5C-49A3-B834-148E3301A6E6}"/>
+              </a:ext>
+            </a:extLst>
+          </p:cNvPr>
+          <p:cNvCxnSpPr>
+            <a:cxnSpLocks/>
+            <a:stCxn id="57" idx="2"/>
+            <a:endCxn id="5" idx="0"/>
+          </p:cNvCxnSpPr>
+          <p:nvPr/>
+        </p:nvCxnSpPr>
+        <p:spPr>
+          <a:xfrm>
+            <a:off x="5998635" y="2722178"/>
+            <a:ext cx="691829" cy="654435"/>
+          </a:xfrm>
+          <a:prstGeom prst="straightConnector1">
+            <a:avLst/>
+          </a:prstGeom>
+          <a:ln>
+            <a:tailEnd type="triangle"/>
+          </a:ln>
+        </p:spPr>
+        <p:style>
+          <a:lnRef idx="2">
+            <a:schemeClr val="dk1"/>
+          </a:lnRef>
+          <a:fillRef idx="0">
+            <a:schemeClr val="dk1"/>
+          </a:fillRef>
+          <a:effectRef idx="1">
+            <a:schemeClr val="dk1"/>
+          </a:effectRef>
+          <a:fontRef idx="minor">
+            <a:schemeClr val="tx1"/>
+          </a:fontRef>
+        </p:style>
+      </p:cxnSp>
+      <p:cxnSp>
+        <p:nvCxnSpPr>
+          <p:cNvPr id="71" name="Straight Arrow Connector 70">
+            <a:extLst>
+              <a:ext uri="{FF2B5EF4-FFF2-40B4-BE49-F238E27FC236}">
+                <a16:creationId xmlns:a16="http://schemas.microsoft.com/office/drawing/2014/main" id="{3621DEEB-F0C6-48E0-A7C2-4C33EDD2724B}"/>
+              </a:ext>
+            </a:extLst>
+          </p:cNvPr>
+          <p:cNvCxnSpPr>
+            <a:cxnSpLocks/>
+            <a:stCxn id="5" idx="3"/>
+            <a:endCxn id="23" idx="2"/>
+          </p:cNvCxnSpPr>
+          <p:nvPr/>
+        </p:nvCxnSpPr>
+        <p:spPr>
+          <a:xfrm flipV="1">
+            <a:off x="8630071" y="2562225"/>
+            <a:ext cx="225377" cy="2190751"/>
+          </a:xfrm>
+          <a:prstGeom prst="straightConnector1">
+            <a:avLst/>
+          </a:prstGeom>
+          <a:ln>
+            <a:tailEnd type="triangle"/>
+          </a:ln>
+        </p:spPr>
+        <p:style>
+          <a:lnRef idx="2">
+            <a:schemeClr val="dk1"/>
+          </a:lnRef>
+          <a:fillRef idx="0">
+            <a:schemeClr val="dk1"/>
+          </a:fillRef>
+          <a:effectRef idx="1">
+            <a:schemeClr val="dk1"/>
+          </a:effectRef>
+          <a:fontRef idx="minor">
+            <a:schemeClr val="tx1"/>
+          </a:fontRef>
+        </p:style>
+      </p:cxnSp>
+      <p:sp>
+        <p:nvSpPr>
+          <p:cNvPr id="85" name="Rectangle 84">
+            <a:extLst>
+              <a:ext uri="{FF2B5EF4-FFF2-40B4-BE49-F238E27FC236}">
+                <a16:creationId xmlns:a16="http://schemas.microsoft.com/office/drawing/2014/main" id="{4C5378D5-0362-4E06-B1A9-402EEED3F3B6}"/>
+              </a:ext>
+            </a:extLst>
+          </p:cNvPr>
+          <p:cNvSpPr/>
+          <p:nvPr/>
+        </p:nvSpPr>
+        <p:spPr>
+          <a:xfrm>
+            <a:off x="9232794" y="2934969"/>
+            <a:ext cx="2748806" cy="2343149"/>
+          </a:xfrm>
+          <a:prstGeom prst="rect">
+            <a:avLst/>
+          </a:prstGeom>
+        </p:spPr>
+        <p:style>
+          <a:lnRef idx="2">
+            <a:schemeClr val="dk1"/>
+          </a:lnRef>
+          <a:fillRef idx="1">
+            <a:schemeClr val="lt1"/>
+          </a:fillRef>
+          <a:effectRef idx="0">
+            <a:schemeClr val="dk1"/>
+          </a:effectRef>
+          <a:fontRef idx="minor">
+            <a:schemeClr val="dk1"/>
+          </a:fontRef>
+        </p:style>
+        <p:txBody>
+          <a:bodyPr rtlCol="0" anchor="ctr"/>
+          <a:lstStyle/>
+          <a:p>
+            <a:pPr algn="ctr"/>
             <a:endParaRPr lang="en-US"/>
+          </a:p>
+        </p:txBody>
+      </p:sp>
+      <p:sp>
+        <p:nvSpPr>
+          <p:cNvPr id="86" name="Rectangle 85">
+            <a:extLst>
+              <a:ext uri="{FF2B5EF4-FFF2-40B4-BE49-F238E27FC236}">
+                <a16:creationId xmlns:a16="http://schemas.microsoft.com/office/drawing/2014/main" id="{A2D7217A-691F-474A-A6BF-C1D09E293148}"/>
+              </a:ext>
+            </a:extLst>
+          </p:cNvPr>
+          <p:cNvSpPr/>
+          <p:nvPr/>
+        </p:nvSpPr>
+        <p:spPr>
+          <a:xfrm>
+            <a:off x="9502033" y="3268343"/>
+            <a:ext cx="2212866" cy="504825"/>
+          </a:xfrm>
+          <a:prstGeom prst="rect">
+            <a:avLst/>
+          </a:prstGeom>
+        </p:spPr>
+        <p:style>
+          <a:lnRef idx="1">
+            <a:schemeClr val="dk1"/>
+          </a:lnRef>
+          <a:fillRef idx="2">
+            <a:schemeClr val="dk1"/>
+          </a:fillRef>
+          <a:effectRef idx="1">
+            <a:schemeClr val="dk1"/>
+          </a:effectRef>
+          <a:fontRef idx="minor">
+            <a:schemeClr val="dk1"/>
+          </a:fontRef>
+        </p:style>
+        <p:txBody>
+          <a:bodyPr rtlCol="0" anchor="ctr"/>
+          <a:lstStyle/>
+          <a:p>
+            <a:pPr algn="ctr"/>
+            <a:r>
+              <a:rPr lang="en-US" dirty="0"/>
+              <a:t>Les Fleurs Shop - Receipt</a:t>
+            </a:r>
+          </a:p>
+        </p:txBody>
+      </p:sp>
+      <p:sp>
+        <p:nvSpPr>
+          <p:cNvPr id="87" name="Rectangle 86">
+            <a:extLst>
+              <a:ext uri="{FF2B5EF4-FFF2-40B4-BE49-F238E27FC236}">
+                <a16:creationId xmlns:a16="http://schemas.microsoft.com/office/drawing/2014/main" id="{721D83FB-26C8-4AB7-8B6C-90E6B09BCC25}"/>
+              </a:ext>
+            </a:extLst>
+          </p:cNvPr>
+          <p:cNvSpPr/>
+          <p:nvPr/>
+        </p:nvSpPr>
+        <p:spPr>
+          <a:xfrm>
+            <a:off x="9500764" y="4044630"/>
+            <a:ext cx="2212866" cy="933450"/>
+          </a:xfrm>
+          <a:prstGeom prst="rect">
+            <a:avLst/>
+          </a:prstGeom>
+        </p:spPr>
+        <p:style>
+          <a:lnRef idx="2">
+            <a:schemeClr val="accent6"/>
+          </a:lnRef>
+          <a:fillRef idx="1">
+            <a:schemeClr val="lt1"/>
+          </a:fillRef>
+          <a:effectRef idx="0">
+            <a:schemeClr val="accent6"/>
+          </a:effectRef>
+          <a:fontRef idx="minor">
+            <a:schemeClr val="dk1"/>
+          </a:fontRef>
+        </p:style>
+        <p:txBody>
+          <a:bodyPr rtlCol="0" anchor="ctr"/>
+          <a:lstStyle/>
+          <a:p>
+            <a:pPr algn="ctr"/>
+            <a:r>
+              <a:rPr lang="en-US" dirty="0"/>
+              <a:t>Items bought</a:t>
+            </a:r>
+          </a:p>
+        </p:txBody>
+      </p:sp>
+      <p:cxnSp>
+        <p:nvCxnSpPr>
+          <p:cNvPr id="88" name="Straight Arrow Connector 87">
+            <a:extLst>
+              <a:ext uri="{FF2B5EF4-FFF2-40B4-BE49-F238E27FC236}">
+                <a16:creationId xmlns:a16="http://schemas.microsoft.com/office/drawing/2014/main" id="{D30C88DA-F47A-418F-BDE9-32746F1898DA}"/>
+              </a:ext>
+            </a:extLst>
+          </p:cNvPr>
+          <p:cNvCxnSpPr>
+            <a:cxnSpLocks/>
+            <a:stCxn id="23" idx="3"/>
+            <a:endCxn id="85" idx="0"/>
+          </p:cNvCxnSpPr>
+          <p:nvPr/>
+        </p:nvCxnSpPr>
+        <p:spPr>
+          <a:xfrm>
+            <a:off x="10229851" y="1390651"/>
+            <a:ext cx="377346" cy="1544318"/>
+          </a:xfrm>
+          <a:prstGeom prst="straightConnector1">
+            <a:avLst/>
+          </a:prstGeom>
+          <a:ln>
+            <a:tailEnd type="triangle"/>
+          </a:ln>
+        </p:spPr>
+        <p:style>
+          <a:lnRef idx="2">
+            <a:schemeClr val="dk1"/>
+          </a:lnRef>
+          <a:fillRef idx="0">
+            <a:schemeClr val="dk1"/>
+          </a:fillRef>
+          <a:effectRef idx="1">
+            <a:schemeClr val="dk1"/>
+          </a:effectRef>
+          <a:fontRef idx="minor">
+            <a:schemeClr val="tx1"/>
+          </a:fontRef>
+        </p:style>
+      </p:cxnSp>
+      <p:sp>
+        <p:nvSpPr>
+          <p:cNvPr id="91" name="TextBox 90">
+            <a:extLst>
+              <a:ext uri="{FF2B5EF4-FFF2-40B4-BE49-F238E27FC236}">
+                <a16:creationId xmlns:a16="http://schemas.microsoft.com/office/drawing/2014/main" id="{768E0670-FE65-4E10-955B-C1E1D32EEB05}"/>
+              </a:ext>
+            </a:extLst>
+          </p:cNvPr>
+          <p:cNvSpPr txBox="1"/>
+          <p:nvPr/>
+        </p:nvSpPr>
+        <p:spPr>
+          <a:xfrm>
+            <a:off x="9010650" y="5410200"/>
+            <a:ext cx="2748806" cy="1200329"/>
+          </a:xfrm>
+          <a:prstGeom prst="rect">
+            <a:avLst/>
+          </a:prstGeom>
+          <a:noFill/>
+        </p:spPr>
+        <p:txBody>
+          <a:bodyPr wrap="square" rtlCol="0">
+            <a:spAutoFit/>
+          </a:bodyPr>
+          <a:lstStyle/>
+          <a:p>
+            <a:r>
+              <a:rPr lang="en-US" dirty="0"/>
+              <a:t>Goals:</a:t>
+            </a:r>
+            <a:br>
+              <a:rPr lang="en-US" dirty="0"/>
+            </a:br>
+            <a:r>
+              <a:rPr lang="en-US" dirty="0"/>
+              <a:t>- search functionality</a:t>
+            </a:r>
+          </a:p>
+          <a:p>
+            <a:r>
+              <a:rPr lang="en-US" dirty="0"/>
+              <a:t>- shopping cart</a:t>
+            </a:r>
+          </a:p>
+          <a:p>
+            <a:r>
+              <a:rPr lang="en-US" dirty="0"/>
+              <a:t>- buying</a:t>
+            </a:r>
           </a:p>
         </p:txBody>
       </p:sp>
     </p:spTree>
     <p:extLst>
       <p:ext uri="{BB962C8B-B14F-4D97-AF65-F5344CB8AC3E}">
-        <p14:creationId xmlns:p14="http://schemas.microsoft.com/office/powerpoint/2010/main" val="797941507"/>
+        <p14:creationId xmlns:p14="http://schemas.microsoft.com/office/powerpoint/2010/main" val="4121481569"/>
       </p:ext>
     </p:extLst>
   </p:cSld>
@@ -4075,60 +8921,193 @@
 </file>
 
 <file path=ppt/theme/theme1.xml><?xml version="1.0" encoding="utf-8"?>
-<a:theme xmlns:a="http://schemas.openxmlformats.org/drawingml/2006/main" name="GestaltVTI">
+<a:theme xmlns:a="http://schemas.openxmlformats.org/drawingml/2006/main" name="Wisp">
   <a:themeElements>
-    <a:clrScheme name="AnalogousFromRegularSeed_2SEEDS">
+    <a:clrScheme name="Wisp">
       <a:dk1>
-        <a:srgbClr val="000000"/>
+        <a:sysClr val="windowText" lastClr="000000"/>
       </a:dk1>
       <a:lt1>
-        <a:srgbClr val="FFFFFF"/>
+        <a:sysClr val="window" lastClr="FFFFFF"/>
       </a:lt1>
       <a:dk2>
-        <a:srgbClr val="412D24"/>
+        <a:srgbClr val="647252"/>
       </a:dk2>
       <a:lt2>
-        <a:srgbClr val="E2E6E8"/>
+        <a:srgbClr val="EAE8CF"/>
       </a:lt2>
       <a:accent1>
-        <a:srgbClr val="D55317"/>
+        <a:srgbClr val="E78712"/>
       </a:accent1>
       <a:accent2>
-        <a:srgbClr val="E7293D"/>
+        <a:srgbClr val="B73C26"/>
       </a:accent2>
       <a:accent3>
-        <a:srgbClr val="C99D24"/>
+        <a:srgbClr val="865331"/>
       </a:accent3>
       <a:accent4>
-        <a:srgbClr val="14B692"/>
+        <a:srgbClr val="B38648"/>
       </a:accent4>
       <a:accent5>
-        <a:srgbClr val="26B1D4"/>
+        <a:srgbClr val="BBB473"/>
       </a:accent5>
       <a:accent6>
-        <a:srgbClr val="1760D5"/>
+        <a:srgbClr val="849276"/>
       </a:accent6>
       <a:hlink>
-        <a:srgbClr val="3A8BB0"/>
+        <a:srgbClr val="FDAB2A"/>
       </a:hlink>
       <a:folHlink>
-        <a:srgbClr val="7F7F7F"/>
+        <a:srgbClr val="CCB182"/>
       </a:folHlink>
     </a:clrScheme>
-    <a:fontScheme name="Bierstadt">
+    <a:fontScheme name="Wisp">
       <a:majorFont>
-        <a:latin typeface="Bierstadt"/>
+        <a:latin typeface="Century Gothic" panose="020B0502020202020204"/>
         <a:ea typeface=""/>
         <a:cs typeface=""/>
+        <a:font script="Jpan" typeface="メイリオ"/>
+        <a:font script="Hang" typeface="HY중고딕"/>
+        <a:font script="Hans" typeface="幼圆"/>
+        <a:font script="Hant" typeface="微軟正黑體"/>
+        <a:font script="Arab" typeface="Tahoma"/>
+        <a:font script="Hebr" typeface="Gisha"/>
+        <a:font script="Thai" typeface="DilleniaUPC"/>
+        <a:font script="Ethi" typeface="Nyala"/>
+        <a:font script="Beng" typeface="Vrinda"/>
+        <a:font script="Gujr" typeface="Shruti"/>
+        <a:font script="Khmr" typeface="DaunPenh"/>
+        <a:font script="Knda" typeface="Tunga"/>
+        <a:font script="Guru" typeface="Raavi"/>
+        <a:font script="Cans" typeface="Euphemia"/>
+        <a:font script="Cher" typeface="Plantagenet Cherokee"/>
+        <a:font script="Yiii" typeface="Microsoft Yi Baiti"/>
+        <a:font script="Tibt" typeface="Microsoft Himalaya"/>
+        <a:font script="Thaa" typeface="MV Boli"/>
+        <a:font script="Deva" typeface="Mangal"/>
+        <a:font script="Telu" typeface="Gautami"/>
+        <a:font script="Taml" typeface="Latha"/>
+        <a:font script="Syrc" typeface="Estrangelo Edessa"/>
+        <a:font script="Orya" typeface="Kalinga"/>
+        <a:font script="Mlym" typeface="Kartika"/>
+        <a:font script="Laoo" typeface="DokChampa"/>
+        <a:font script="Sinh" typeface="Iskoola Pota"/>
+        <a:font script="Mong" typeface="Mongolian Baiti"/>
+        <a:font script="Viet" typeface="Tahoma"/>
+        <a:font script="Uigh" typeface="Microsoft Uighur"/>
+        <a:font script="Geor" typeface="Sylfaen"/>
       </a:majorFont>
       <a:minorFont>
-        <a:latin typeface="Bierstadt"/>
+        <a:latin typeface="Century Gothic" panose="020B0502020202020204"/>
         <a:ea typeface=""/>
         <a:cs typeface=""/>
+        <a:font script="Jpan" typeface="メイリオ"/>
+        <a:font script="Hang" typeface="HY중고딕"/>
+        <a:font script="Hans" typeface="幼圆"/>
+        <a:font script="Hant" typeface="微軟正黑體"/>
+        <a:font script="Arab" typeface="Tahoma"/>
+        <a:font script="Hebr" typeface="Gisha"/>
+        <a:font script="Thai" typeface="DilleniaUPC"/>
+        <a:font script="Ethi" typeface="Nyala"/>
+        <a:font script="Beng" typeface="Vrinda"/>
+        <a:font script="Gujr" typeface="Shruti"/>
+        <a:font script="Khmr" typeface="DaunPenh"/>
+        <a:font script="Knda" typeface="Tunga"/>
+        <a:font script="Guru" typeface="Raavi"/>
+        <a:font script="Cans" typeface="Euphemia"/>
+        <a:font script="Cher" typeface="Plantagenet Cherokee"/>
+        <a:font script="Yiii" typeface="Microsoft Yi Baiti"/>
+        <a:font script="Tibt" typeface="Microsoft Himalaya"/>
+        <a:font script="Thaa" typeface="MV Boli"/>
+        <a:font script="Deva" typeface="Mangal"/>
+        <a:font script="Telu" typeface="Gautami"/>
+        <a:font script="Taml" typeface="Latha"/>
+        <a:font script="Syrc" typeface="Estrangelo Edessa"/>
+        <a:font script="Orya" typeface="Kalinga"/>
+        <a:font script="Mlym" typeface="Kartika"/>
+        <a:font script="Laoo" typeface="DokChampa"/>
+        <a:font script="Sinh" typeface="Iskoola Pota"/>
+        <a:font script="Mong" typeface="Mongolian Baiti"/>
+        <a:font script="Viet" typeface="Tahoma"/>
+        <a:font script="Uigh" typeface="Microsoft Uighur"/>
+        <a:font script="Geor" typeface="Sylfaen"/>
       </a:minorFont>
     </a:fontScheme>
-    <a:fmtScheme name="Office">
+    <a:fmtScheme name="Wisp">
       <a:fillStyleLst>
+        <a:solidFill>
+          <a:schemeClr val="phClr"/>
+        </a:solidFill>
+        <a:solidFill>
+          <a:schemeClr val="phClr">
+            <a:tint val="70000"/>
+            <a:lumMod val="104000"/>
+          </a:schemeClr>
+        </a:solidFill>
+        <a:gradFill rotWithShape="1">
+          <a:gsLst>
+            <a:gs pos="0">
+              <a:schemeClr val="phClr">
+                <a:tint val="96000"/>
+                <a:lumMod val="104000"/>
+              </a:schemeClr>
+            </a:gs>
+            <a:gs pos="100000">
+              <a:schemeClr val="phClr">
+                <a:shade val="98000"/>
+                <a:lumMod val="94000"/>
+              </a:schemeClr>
+            </a:gs>
+          </a:gsLst>
+          <a:lin ang="5400000" scaled="0"/>
+        </a:gradFill>
+      </a:fillStyleLst>
+      <a:lnStyleLst>
+        <a:ln w="9525" cap="rnd" cmpd="sng" algn="ctr">
+          <a:solidFill>
+            <a:schemeClr val="phClr">
+              <a:shade val="90000"/>
+            </a:schemeClr>
+          </a:solidFill>
+          <a:prstDash val="solid"/>
+        </a:ln>
+        <a:ln w="15875" cap="rnd" cmpd="sng" algn="ctr">
+          <a:solidFill>
+            <a:schemeClr val="phClr"/>
+          </a:solidFill>
+          <a:prstDash val="solid"/>
+        </a:ln>
+        <a:ln w="22225" cap="rnd" cmpd="sng" algn="ctr">
+          <a:solidFill>
+            <a:schemeClr val="phClr"/>
+          </a:solidFill>
+          <a:prstDash val="solid"/>
+        </a:ln>
+      </a:lnStyleLst>
+      <a:effectStyleLst>
+        <a:effectStyle>
+          <a:effectLst/>
+        </a:effectStyle>
+        <a:effectStyle>
+          <a:effectLst>
+            <a:outerShdw blurRad="38100" dist="25400" dir="5400000" rotWithShape="0">
+              <a:srgbClr val="000000">
+                <a:alpha val="25000"/>
+              </a:srgbClr>
+            </a:outerShdw>
+          </a:effectLst>
+        </a:effectStyle>
+        <a:effectStyle>
+          <a:effectLst>
+            <a:outerShdw blurRad="50800" dist="38100" dir="5400000" rotWithShape="0">
+              <a:srgbClr val="000000">
+                <a:alpha val="60000"/>
+              </a:srgbClr>
+            </a:outerShdw>
+          </a:effectLst>
+        </a:effectStyle>
+      </a:effectStyleLst>
+      <a:bgFillStyleLst>
         <a:solidFill>
           <a:schemeClr val="phClr"/>
         </a:solidFill>
@@ -4136,23 +9115,15 @@
           <a:gsLst>
             <a:gs pos="0">
               <a:schemeClr val="phClr">
-                <a:lumMod val="110000"/>
-                <a:satMod val="105000"/>
-                <a:tint val="67000"/>
-              </a:schemeClr>
-            </a:gs>
-            <a:gs pos="50000">
-              <a:schemeClr val="phClr">
-                <a:lumMod val="105000"/>
-                <a:satMod val="103000"/>
-                <a:tint val="73000"/>
+                <a:tint val="90000"/>
+                <a:lumMod val="120000"/>
               </a:schemeClr>
             </a:gs>
             <a:gs pos="100000">
               <a:schemeClr val="phClr">
-                <a:lumMod val="105000"/>
-                <a:satMod val="109000"/>
-                <a:tint val="81000"/>
+                <a:shade val="98000"/>
+                <a:satMod val="120000"/>
+                <a:lumMod val="98000"/>
               </a:schemeClr>
             </a:gs>
           </a:gsLst>
@@ -4162,105 +9133,22 @@
           <a:gsLst>
             <a:gs pos="0">
               <a:schemeClr val="phClr">
-                <a:satMod val="103000"/>
-                <a:lumMod val="102000"/>
-                <a:tint val="94000"/>
-              </a:schemeClr>
-            </a:gs>
-            <a:gs pos="50000">
-              <a:schemeClr val="phClr">
-                <a:satMod val="110000"/>
-                <a:lumMod val="100000"/>
-                <a:shade val="100000"/>
+                <a:tint val="90000"/>
+                <a:satMod val="92000"/>
+                <a:lumMod val="120000"/>
               </a:schemeClr>
             </a:gs>
             <a:gs pos="100000">
               <a:schemeClr val="phClr">
-                <a:lumMod val="99000"/>
+                <a:shade val="98000"/>
                 <a:satMod val="120000"/>
-                <a:shade val="78000"/>
+                <a:lumMod val="98000"/>
               </a:schemeClr>
             </a:gs>
           </a:gsLst>
-          <a:lin ang="5400000" scaled="0"/>
-        </a:gradFill>
-      </a:fillStyleLst>
-      <a:lnStyleLst>
-        <a:ln w="6350" cap="flat" cmpd="sng" algn="ctr">
-          <a:solidFill>
-            <a:schemeClr val="phClr"/>
-          </a:solidFill>
-          <a:prstDash val="solid"/>
-          <a:miter lim="800000"/>
-        </a:ln>
-        <a:ln w="12700" cap="flat" cmpd="sng" algn="ctr">
-          <a:solidFill>
-            <a:schemeClr val="phClr"/>
-          </a:solidFill>
-          <a:prstDash val="solid"/>
-          <a:miter lim="800000"/>
-        </a:ln>
-        <a:ln w="19050" cap="flat" cmpd="sng" algn="ctr">
-          <a:solidFill>
-            <a:schemeClr val="phClr"/>
-          </a:solidFill>
-          <a:prstDash val="solid"/>
-          <a:miter lim="800000"/>
-        </a:ln>
-      </a:lnStyleLst>
-      <a:effectStyleLst>
-        <a:effectStyle>
-          <a:effectLst/>
-        </a:effectStyle>
-        <a:effectStyle>
-          <a:effectLst/>
-        </a:effectStyle>
-        <a:effectStyle>
-          <a:effectLst>
-            <a:outerShdw blurRad="57150" dist="19050" dir="5400000" algn="ctr" rotWithShape="0">
-              <a:srgbClr val="000000">
-                <a:alpha val="63000"/>
-              </a:srgbClr>
-            </a:outerShdw>
-          </a:effectLst>
-        </a:effectStyle>
-      </a:effectStyleLst>
-      <a:bgFillStyleLst>
-        <a:solidFill>
-          <a:schemeClr val="phClr"/>
-        </a:solidFill>
-        <a:solidFill>
-          <a:schemeClr val="phClr">
-            <a:tint val="95000"/>
-            <a:satMod val="170000"/>
-          </a:schemeClr>
-        </a:solidFill>
-        <a:gradFill rotWithShape="1">
-          <a:gsLst>
-            <a:gs pos="0">
-              <a:schemeClr val="phClr">
-                <a:tint val="93000"/>
-                <a:satMod val="150000"/>
-                <a:shade val="98000"/>
-                <a:lumMod val="102000"/>
-              </a:schemeClr>
-            </a:gs>
-            <a:gs pos="50000">
-              <a:schemeClr val="phClr">
-                <a:tint val="98000"/>
-                <a:satMod val="130000"/>
-                <a:shade val="90000"/>
-                <a:lumMod val="103000"/>
-              </a:schemeClr>
-            </a:gs>
-            <a:gs pos="100000">
-              <a:schemeClr val="phClr">
-                <a:shade val="63000"/>
-                <a:satMod val="120000"/>
-              </a:schemeClr>
-            </a:gs>
-          </a:gsLst>
-          <a:lin ang="5400000" scaled="0"/>
+          <a:path path="circle">
+            <a:fillToRect l="50000" t="50000" r="100000" b="100000"/>
+          </a:path>
         </a:gradFill>
       </a:bgFillStyleLst>
     </a:fmtScheme>
@@ -4269,7 +9157,7 @@
   <a:extraClrSchemeLst/>
   <a:extLst>
     <a:ext uri="{05A4C25C-085E-4340-85A3-A5531E510DB2}">
-      <thm15:themeFamily xmlns:thm15="http://schemas.microsoft.com/office/thememl/2012/main" name="GestaltVTI" id="{4F87C71D-53D1-4B71-BF97-FD0EA4B25665}" vid="{A110AFC4-8D8A-4C02-8885-7BA370B379B5}"/>
+      <thm15:themeFamily xmlns:thm15="http://schemas.microsoft.com/office/thememl/2012/main" name="Wisp" id="{7CB32D59-10C0-40DD-B7BD-2E94284A981C}" vid="{54F6613E-5ED7-40ED-90A8-F639BE712C0E}"/>
     </a:ext>
   </a:extLst>
 </a:theme>
